--- a/payments industry – By ChatGPT.pptx
+++ b/payments industry – By ChatGPT.pptx
@@ -27,6 +27,9 @@
     <p:sldId id="268" r:id="rId20"/>
     <p:sldId id="269" r:id="rId21"/>
     <p:sldId id="270" r:id="rId22"/>
+    <p:sldId id="271" r:id="rId23"/>
+    <p:sldId id="272" r:id="rId24"/>
+    <p:sldId id="273" r:id="rId25"/>
   </p:sldIdLst>
   <p:sldSz cx="10080625" cy="5670550"/>
   <p:notesSz cx="6858000" cy="9144000"/>
@@ -357,7 +360,7 @@
             <a:pPr indent="0" algn="r">
               <a:buNone/>
             </a:pPr>
-            <a:fld id="{8A6999FA-F303-48A2-88A6-5F1FF01F35EE}" type="slidenum">
+            <a:fld id="{31817FAF-0201-4CC2-9099-6AE6BBA3E415}" type="slidenum">
               <a:rPr b="0" lang="en-IN" sz="1400" spc="-1" strike="noStrike">
                 <a:solidFill>
                   <a:srgbClr val="000000"/>
@@ -381,7 +384,7 @@
 </p:notesMaster>
 </file>
 
-<file path=ppt/notesSlides/notesSlide5.xml><?xml version="1.0" encoding="utf-8"?>
+<file path=ppt/notesSlides/notesSlide8.xml><?xml version="1.0" encoding="utf-8"?>
 <p:notes xmlns:a="http://schemas.openxmlformats.org/drawingml/2006/main" xmlns:p="http://schemas.openxmlformats.org/presentationml/2006/main" xmlns:r="http://schemas.openxmlformats.org/officeDocument/2006/relationships" xmlns:p14="http://schemas.microsoft.com/office/powerpoint/2010/main" xmlns:p15="http://schemas.microsoft.com/office/powerpoint/2012/main" xmlns:mc="http://schemas.openxmlformats.org/markup-compatibility/2006">
   <p:cSld>
     <p:spTree>
@@ -400,7 +403,7 @@
       </p:grpSpPr>
       <p:sp>
         <p:nvSpPr>
-          <p:cNvPr id="255" name="PlaceHolder 1"/>
+          <p:cNvPr id="260" name="PlaceHolder 1"/>
           <p:cNvSpPr>
             <a:spLocks noGrp="1"/>
           </p:cNvSpPr>
@@ -411,19 +414,19 @@
         <p:spPr>
           <a:xfrm>
             <a:off x="685800" y="1143000"/>
-            <a:ext cx="5485680" cy="3085560"/>
-          </a:xfrm>
-          <a:prstGeom prst="rect">
-            <a:avLst/>
-          </a:prstGeom>
-          <a:ln w="0">
-            <a:noFill/>
-          </a:ln>
-        </p:spPr>
-      </p:sp>
-      <p:sp>
-        <p:nvSpPr>
-          <p:cNvPr id="256" name="PlaceHolder 2"/>
+            <a:ext cx="5485320" cy="3085200"/>
+          </a:xfrm>
+          <a:prstGeom prst="rect">
+            <a:avLst/>
+          </a:prstGeom>
+          <a:ln w="0">
+            <a:noFill/>
+          </a:ln>
+        </p:spPr>
+      </p:sp>
+      <p:sp>
+        <p:nvSpPr>
+          <p:cNvPr id="261" name="PlaceHolder 2"/>
           <p:cNvSpPr>
             <a:spLocks noGrp="1"/>
           </p:cNvSpPr>
@@ -434,7 +437,7 @@
         <p:spPr>
           <a:xfrm>
             <a:off x="685800" y="4400640"/>
-            <a:ext cx="5485680" cy="3599640"/>
+            <a:ext cx="5485320" cy="3599280"/>
           </a:xfrm>
           <a:prstGeom prst="rect">
             <a:avLst/>
@@ -463,7 +466,7 @@
       </p:sp>
       <p:sp>
         <p:nvSpPr>
-          <p:cNvPr id="257" name="PlaceHolder 3"/>
+          <p:cNvPr id="262" name="PlaceHolder 3"/>
           <p:cNvSpPr>
             <a:spLocks noGrp="1"/>
           </p:cNvSpPr>
@@ -474,7 +477,7 @@
         <p:spPr>
           <a:xfrm>
             <a:off x="3884760" y="8685360"/>
-            <a:ext cx="2971080" cy="457920"/>
+            <a:ext cx="2970720" cy="457560"/>
           </a:xfrm>
           <a:prstGeom prst="rect">
             <a:avLst/>
@@ -516,7 +519,7 @@
                 <a:tab algn="l" pos="0"/>
               </a:tabLst>
             </a:pPr>
-            <a:fld id="{D45C98E7-9A44-4251-901B-59107A75A472}" type="slidenum">
+            <a:fld id="{44F0C7B1-8949-4A96-A9AD-4C9E8B48C1F1}" type="slidenum">
               <a:rPr b="0" lang="en-US" sz="1200" spc="-1" strike="noStrike">
                 <a:solidFill>
                   <a:srgbClr val="000000"/>
@@ -591,7 +594,7 @@
         <p:txBody>
           <a:bodyPr/>
           <a:p>
-            <a:fld id="{6F8D45A8-9F8E-4D0A-84C2-7CE347DA9F34}" type="slidenum">
+            <a:fld id="{0402FA28-6DCC-41F7-A4B2-4BF18BA0A7FC}" type="slidenum">
               <a:t>&lt;#&gt;</a:t>
             </a:fld>
           </a:p>
@@ -800,7 +803,7 @@
         <p:txBody>
           <a:bodyPr/>
           <a:p>
-            <a:fld id="{E1E4A4E1-E1BE-43F8-9165-B3043B69F1FD}" type="slidenum">
+            <a:fld id="{7C838F4D-7BC5-4629-961A-526D40A94290}" type="slidenum">
               <a:t>&lt;#&gt;</a:t>
             </a:fld>
           </a:p>
@@ -1095,7 +1098,7 @@
         <p:txBody>
           <a:bodyPr/>
           <a:p>
-            <a:fld id="{EB8F5560-29E7-4A99-803A-2420FF2743EB}" type="slidenum">
+            <a:fld id="{D2A47567-0CDE-4EFE-B910-A3186E8E4E57}" type="slidenum">
               <a:t>&lt;#&gt;</a:t>
             </a:fld>
           </a:p>
@@ -1476,7 +1479,7 @@
         <p:txBody>
           <a:bodyPr/>
           <a:p>
-            <a:fld id="{ED4F853C-BA91-40AB-86B8-2AA113656938}" type="slidenum">
+            <a:fld id="{EDB7F233-9468-4DF1-BC67-643AB2282494}" type="slidenum">
               <a:t>&lt;#&gt;</a:t>
             </a:fld>
           </a:p>
@@ -1559,7 +1562,7 @@
         <p:txBody>
           <a:bodyPr/>
           <a:p>
-            <a:fld id="{75C611E6-B8DA-45D7-BEF6-B6B3C9CC58DD}" type="slidenum">
+            <a:fld id="{742365E1-302F-4A78-9175-62EDD7123B09}" type="slidenum">
               <a:t>&lt;#&gt;</a:t>
             </a:fld>
           </a:p>
@@ -1722,7 +1725,7 @@
         <p:txBody>
           <a:bodyPr/>
           <a:p>
-            <a:fld id="{68313C3F-8FA5-4173-8CB2-8CCFFA5FF1A3}" type="slidenum">
+            <a:fld id="{9E8FC181-2AF0-4ED9-81C9-287F09815A3A}" type="slidenum">
               <a:t>&lt;#&gt;</a:t>
             </a:fld>
           </a:p>
@@ -1888,7 +1891,7 @@
         <p:txBody>
           <a:bodyPr/>
           <a:p>
-            <a:fld id="{CF2ED777-72C6-47D6-BE94-FFFC63FAFF3D}" type="slidenum">
+            <a:fld id="{B1DE0563-ADE9-4140-ACC3-430C20123E75}" type="slidenum">
               <a:t>&lt;#&gt;</a:t>
             </a:fld>
           </a:p>
@@ -2097,7 +2100,7 @@
         <p:txBody>
           <a:bodyPr/>
           <a:p>
-            <a:fld id="{D55E08F2-FD43-448F-95D5-76CB84967939}" type="slidenum">
+            <a:fld id="{DD68BF2D-C4DC-4E81-8944-D74DCB07F940}" type="slidenum">
               <a:t>&lt;#&gt;</a:t>
             </a:fld>
           </a:p>
@@ -2220,7 +2223,7 @@
         <p:txBody>
           <a:bodyPr/>
           <a:p>
-            <a:fld id="{53544D44-9130-4BD8-92C9-EB3A3A3187E9}" type="slidenum">
+            <a:fld id="{3FCA8815-1BA0-4E1A-AA81-FF280FA237BD}" type="slidenum">
               <a:t>&lt;#&gt;</a:t>
             </a:fld>
           </a:p>
@@ -2341,7 +2344,7 @@
         <p:txBody>
           <a:bodyPr/>
           <a:p>
-            <a:fld id="{31AC0A8B-DE23-4440-BE3E-5135E22BD464}" type="slidenum">
+            <a:fld id="{C3DE1C26-4DA4-4A6F-BEAD-1CC7FC938A83}" type="slidenum">
               <a:t>&lt;#&gt;</a:t>
             </a:fld>
           </a:p>
@@ -2593,7 +2596,7 @@
         <p:txBody>
           <a:bodyPr/>
           <a:p>
-            <a:fld id="{9CFADE31-1B3B-46DF-A954-A99F0D38B141}" type="slidenum">
+            <a:fld id="{0427AAF1-D209-4E13-8E0C-57BE5EBBF15D}" type="slidenum">
               <a:t>&lt;#&gt;</a:t>
             </a:fld>
           </a:p>
@@ -2756,7 +2759,7 @@
         <p:txBody>
           <a:bodyPr/>
           <a:p>
-            <a:fld id="{5F0C43E0-79DD-4169-9484-D742B209D409}" type="slidenum">
+            <a:fld id="{2F95600D-8CD6-42FC-97BE-D108D1DBFA17}" type="slidenum">
               <a:t>&lt;#&gt;</a:t>
             </a:fld>
           </a:p>
@@ -3008,7 +3011,7 @@
         <p:txBody>
           <a:bodyPr/>
           <a:p>
-            <a:fld id="{A9F0D9C8-077D-41EA-8BEA-786FE1D71757}" type="slidenum">
+            <a:fld id="{9654B663-5C2F-46CC-9A07-64B51B0CAEE1}" type="slidenum">
               <a:t>&lt;#&gt;</a:t>
             </a:fld>
           </a:p>
@@ -3260,7 +3263,7 @@
         <p:txBody>
           <a:bodyPr/>
           <a:p>
-            <a:fld id="{94825113-BDF3-484B-937E-85D448BF65BB}" type="slidenum">
+            <a:fld id="{DA0F7B3D-72A1-45F3-A918-2D82C74C3795}" type="slidenum">
               <a:t>&lt;#&gt;</a:t>
             </a:fld>
           </a:p>
@@ -3469,7 +3472,7 @@
         <p:txBody>
           <a:bodyPr/>
           <a:p>
-            <a:fld id="{A772712F-012D-41AD-A4EA-CFB72C5E80BC}" type="slidenum">
+            <a:fld id="{127016B2-7166-4EAE-97CF-E95F221E63BB}" type="slidenum">
               <a:t>&lt;#&gt;</a:t>
             </a:fld>
           </a:p>
@@ -3764,7 +3767,7 @@
         <p:txBody>
           <a:bodyPr/>
           <a:p>
-            <a:fld id="{0F044DD8-E310-4233-8789-A65086396EEB}" type="slidenum">
+            <a:fld id="{4413D6E1-3713-41F1-BF3D-1E7159B44B7F}" type="slidenum">
               <a:t>&lt;#&gt;</a:t>
             </a:fld>
           </a:p>
@@ -4145,7 +4148,7 @@
         <p:txBody>
           <a:bodyPr/>
           <a:p>
-            <a:fld id="{264025C0-E64B-4B23-AD2A-280D39A3C91A}" type="slidenum">
+            <a:fld id="{81962A0A-B5A2-4B85-905C-31EBB3AF9E9E}" type="slidenum">
               <a:t>&lt;#&gt;</a:t>
             </a:fld>
           </a:p>
@@ -4228,7 +4231,7 @@
         <p:txBody>
           <a:bodyPr/>
           <a:p>
-            <a:fld id="{5F00D46A-7E06-4F74-BEA6-6FC3C58C60D2}" type="slidenum">
+            <a:fld id="{A6E2B49C-BEA7-4029-8E44-9E42D8029DDA}" type="slidenum">
               <a:t>&lt;#&gt;</a:t>
             </a:fld>
           </a:p>
@@ -4391,7 +4394,7 @@
         <p:txBody>
           <a:bodyPr/>
           <a:p>
-            <a:fld id="{D4B03BE0-E6A5-4325-83B3-1B627B2266D7}" type="slidenum">
+            <a:fld id="{738AB0C0-1443-43EB-B3ED-70AE6BAC1674}" type="slidenum">
               <a:t>&lt;#&gt;</a:t>
             </a:fld>
           </a:p>
@@ -4557,7 +4560,7 @@
         <p:txBody>
           <a:bodyPr/>
           <a:p>
-            <a:fld id="{BF06EFE1-665B-4F2D-8F50-E967933FCC7F}" type="slidenum">
+            <a:fld id="{85261D2A-DAB9-4E78-B73D-215E93CE1A04}" type="slidenum">
               <a:t>&lt;#&gt;</a:t>
             </a:fld>
           </a:p>
@@ -4766,7 +4769,7 @@
         <p:txBody>
           <a:bodyPr/>
           <a:p>
-            <a:fld id="{7103EF69-EB02-4CDD-8B5C-61CA948FB5D7}" type="slidenum">
+            <a:fld id="{E126176C-3AB0-42B6-B053-8B30688AB883}" type="slidenum">
               <a:t>&lt;#&gt;</a:t>
             </a:fld>
           </a:p>
@@ -4889,7 +4892,7 @@
         <p:txBody>
           <a:bodyPr/>
           <a:p>
-            <a:fld id="{35E08527-D016-4C9E-8804-263A1EA3A9D3}" type="slidenum">
+            <a:fld id="{DBDCE252-C738-4B1F-9A76-2696E65FF2D1}" type="slidenum">
               <a:t>&lt;#&gt;</a:t>
             </a:fld>
           </a:p>
@@ -5055,7 +5058,7 @@
         <p:txBody>
           <a:bodyPr/>
           <a:p>
-            <a:fld id="{213416F6-13AA-4EB7-B623-396295B73679}" type="slidenum">
+            <a:fld id="{92D38129-73C1-4769-BD53-DF72B80551EC}" type="slidenum">
               <a:t>&lt;#&gt;</a:t>
             </a:fld>
           </a:p>
@@ -5176,7 +5179,7 @@
         <p:txBody>
           <a:bodyPr/>
           <a:p>
-            <a:fld id="{A0912692-A1E8-44F8-86F5-4360E796A111}" type="slidenum">
+            <a:fld id="{6A787F66-0524-4D46-A687-48E298E60AA8}" type="slidenum">
               <a:t>&lt;#&gt;</a:t>
             </a:fld>
           </a:p>
@@ -5428,7 +5431,7 @@
         <p:txBody>
           <a:bodyPr/>
           <a:p>
-            <a:fld id="{D19F23A9-9E71-4740-91C4-E5D30BBBC9BD}" type="slidenum">
+            <a:fld id="{4E5CF408-4DBC-46DC-B27E-E45E480DA04E}" type="slidenum">
               <a:t>&lt;#&gt;</a:t>
             </a:fld>
           </a:p>
@@ -5680,7 +5683,7 @@
         <p:txBody>
           <a:bodyPr/>
           <a:p>
-            <a:fld id="{6330DFF0-02ED-4D11-A563-AB02DC2F22C7}" type="slidenum">
+            <a:fld id="{73ED8066-2D6C-4555-9868-99B7C73C77B8}" type="slidenum">
               <a:t>&lt;#&gt;</a:t>
             </a:fld>
           </a:p>
@@ -5932,7 +5935,7 @@
         <p:txBody>
           <a:bodyPr/>
           <a:p>
-            <a:fld id="{CBE709D9-DEB1-4A0C-ACD6-86ECA48F2DA8}" type="slidenum">
+            <a:fld id="{8FD4C715-C0F7-4847-9A5D-1445A5646052}" type="slidenum">
               <a:t>&lt;#&gt;</a:t>
             </a:fld>
           </a:p>
@@ -6141,7 +6144,7 @@
         <p:txBody>
           <a:bodyPr/>
           <a:p>
-            <a:fld id="{319EDD87-278A-4783-B189-9ED4039ADC83}" type="slidenum">
+            <a:fld id="{B00FF102-117B-423C-B5CD-F627B16FAC38}" type="slidenum">
               <a:t>&lt;#&gt;</a:t>
             </a:fld>
           </a:p>
@@ -6436,7 +6439,7 @@
         <p:txBody>
           <a:bodyPr/>
           <a:p>
-            <a:fld id="{F947D7BF-BA51-4D00-915F-43D8FDA4EC0F}" type="slidenum">
+            <a:fld id="{D48DF308-6D41-446B-B316-1DB15FEF8A6E}" type="slidenum">
               <a:t>&lt;#&gt;</a:t>
             </a:fld>
           </a:p>
@@ -6817,7 +6820,7 @@
         <p:txBody>
           <a:bodyPr/>
           <a:p>
-            <a:fld id="{BF79091F-B6AE-400A-B49B-885D6EFBD134}" type="slidenum">
+            <a:fld id="{012DB586-73F3-409C-82EB-0A68944C143F}" type="slidenum">
               <a:t>&lt;#&gt;</a:t>
             </a:fld>
           </a:p>
@@ -6900,7 +6903,7 @@
         <p:txBody>
           <a:bodyPr/>
           <a:p>
-            <a:fld id="{D68A3436-404A-4AF1-A6E4-B00EA3AD7616}" type="slidenum">
+            <a:fld id="{295AD1DB-7277-4629-A3AF-A73D07B357D5}" type="slidenum">
               <a:t>&lt;#&gt;</a:t>
             </a:fld>
           </a:p>
@@ -7063,7 +7066,7 @@
         <p:txBody>
           <a:bodyPr/>
           <a:p>
-            <a:fld id="{50ADDC1C-F4E7-4E8D-ACFF-82C620394B2B}" type="slidenum">
+            <a:fld id="{F852879E-EF92-43A8-929A-C4978152209F}" type="slidenum">
               <a:t>&lt;#&gt;</a:t>
             </a:fld>
           </a:p>
@@ -7229,7 +7232,7 @@
         <p:txBody>
           <a:bodyPr/>
           <a:p>
-            <a:fld id="{9D93D903-A338-49DA-915D-A76FDA2D35D7}" type="slidenum">
+            <a:fld id="{CEBA746A-7DB3-4F05-BD61-86B3D48A108D}" type="slidenum">
               <a:t>&lt;#&gt;</a:t>
             </a:fld>
           </a:p>
@@ -7438,7 +7441,7 @@
         <p:txBody>
           <a:bodyPr/>
           <a:p>
-            <a:fld id="{DBB4DD0B-CBE5-4857-8ADC-7474A651A7DB}" type="slidenum">
+            <a:fld id="{DECDDC81-5EFC-4740-BE64-2CABA4E1C1CB}" type="slidenum">
               <a:t>&lt;#&gt;</a:t>
             </a:fld>
           </a:p>
@@ -7647,7 +7650,7 @@
         <p:txBody>
           <a:bodyPr/>
           <a:p>
-            <a:fld id="{7274D1EE-8B32-4D91-870C-F49240F28C77}" type="slidenum">
+            <a:fld id="{FC877318-3477-40ED-802E-3D400CA06338}" type="slidenum">
               <a:t>&lt;#&gt;</a:t>
             </a:fld>
           </a:p>
@@ -7770,7 +7773,7 @@
         <p:txBody>
           <a:bodyPr/>
           <a:p>
-            <a:fld id="{3D29DA44-1D6B-4AE8-A06C-3D4802FFE58A}" type="slidenum">
+            <a:fld id="{261FB8EC-58DE-43A2-BE9E-6E6CE4609DB1}" type="slidenum">
               <a:t>&lt;#&gt;</a:t>
             </a:fld>
           </a:p>
@@ -7891,7 +7894,7 @@
         <p:txBody>
           <a:bodyPr/>
           <a:p>
-            <a:fld id="{C92AF4BF-492F-495F-82C4-07A3A230FAD8}" type="slidenum">
+            <a:fld id="{F1EFCF7A-CB0D-4FD1-902E-6E6F4CCE74CE}" type="slidenum">
               <a:t>&lt;#&gt;</a:t>
             </a:fld>
           </a:p>
@@ -8143,7 +8146,7 @@
         <p:txBody>
           <a:bodyPr/>
           <a:p>
-            <a:fld id="{07F09958-BE54-45FF-8C10-3F9DE3552424}" type="slidenum">
+            <a:fld id="{FC5C9BC1-2394-48D9-A825-6D8E083EB65D}" type="slidenum">
               <a:t>&lt;#&gt;</a:t>
             </a:fld>
           </a:p>
@@ -8395,7 +8398,7 @@
         <p:txBody>
           <a:bodyPr/>
           <a:p>
-            <a:fld id="{08414FF0-94D4-443B-9397-C680C2F2A786}" type="slidenum">
+            <a:fld id="{472B7A60-EAA9-4003-BD17-9282EB0F504C}" type="slidenum">
               <a:t>&lt;#&gt;</a:t>
             </a:fld>
           </a:p>
@@ -8647,7 +8650,7 @@
         <p:txBody>
           <a:bodyPr/>
           <a:p>
-            <a:fld id="{095B27D6-FDA2-4B3A-A313-F3D10050FE80}" type="slidenum">
+            <a:fld id="{88E50415-4661-4D3D-A8F1-A459FB2B1B09}" type="slidenum">
               <a:t>&lt;#&gt;</a:t>
             </a:fld>
           </a:p>
@@ -8856,7 +8859,7 @@
         <p:txBody>
           <a:bodyPr/>
           <a:p>
-            <a:fld id="{337ADD8E-F378-49AD-8362-5F4AAF5BF555}" type="slidenum">
+            <a:fld id="{A83D901D-C8C4-4ED9-A5AC-5ADCF4CB7E38}" type="slidenum">
               <a:t>&lt;#&gt;</a:t>
             </a:fld>
           </a:p>
@@ -9151,7 +9154,7 @@
         <p:txBody>
           <a:bodyPr/>
           <a:p>
-            <a:fld id="{B0D20BCE-6161-4ADC-AE73-B02DA867991A}" type="slidenum">
+            <a:fld id="{7B8EC2FD-3C37-47E1-A49D-343338516384}" type="slidenum">
               <a:t>&lt;#&gt;</a:t>
             </a:fld>
           </a:p>
@@ -9532,7 +9535,7 @@
         <p:txBody>
           <a:bodyPr/>
           <a:p>
-            <a:fld id="{304CE906-E17F-48EA-8B1F-898918CB6E30}" type="slidenum">
+            <a:fld id="{2F5B5DFA-34F3-4EA2-8851-A1CA7819BEEC}" type="slidenum">
               <a:t>&lt;#&gt;</a:t>
             </a:fld>
           </a:p>
@@ -9615,7 +9618,7 @@
         <p:txBody>
           <a:bodyPr/>
           <a:p>
-            <a:fld id="{FB1F9B5C-2F92-4A25-AD0E-EB7B47FF17C5}" type="slidenum">
+            <a:fld id="{C3EB1BB0-533F-4923-A405-129D8063BFD6}" type="slidenum">
               <a:t>&lt;#&gt;</a:t>
             </a:fld>
           </a:p>
@@ -9738,7 +9741,7 @@
         <p:txBody>
           <a:bodyPr/>
           <a:p>
-            <a:fld id="{5DB8282D-82F6-45C1-B08C-BA70A235434B}" type="slidenum">
+            <a:fld id="{DCC21455-6025-4A3C-9C34-688444B10479}" type="slidenum">
               <a:t>&lt;#&gt;</a:t>
             </a:fld>
           </a:p>
@@ -9901,7 +9904,7 @@
         <p:txBody>
           <a:bodyPr/>
           <a:p>
-            <a:fld id="{816BBF96-FC82-4829-978A-FD64DD1FAE70}" type="slidenum">
+            <a:fld id="{4A69EFDB-D6C3-4C59-B16D-0C37D373BC6C}" type="slidenum">
               <a:t>&lt;#&gt;</a:t>
             </a:fld>
           </a:p>
@@ -10067,7 +10070,7 @@
         <p:txBody>
           <a:bodyPr/>
           <a:p>
-            <a:fld id="{FAFAAD28-978D-4989-BA29-694831F41336}" type="slidenum">
+            <a:fld id="{C90DDA41-4AAC-4B9D-845B-5D5772BFFDCD}" type="slidenum">
               <a:t>&lt;#&gt;</a:t>
             </a:fld>
           </a:p>
@@ -10276,7 +10279,7 @@
         <p:txBody>
           <a:bodyPr/>
           <a:p>
-            <a:fld id="{2F1ED96C-620F-4D00-B688-B8D21790F5F8}" type="slidenum">
+            <a:fld id="{1C0BF7BF-6C28-47DA-937E-BC943720E2B0}" type="slidenum">
               <a:t>&lt;#&gt;</a:t>
             </a:fld>
           </a:p>
@@ -10399,7 +10402,7 @@
         <p:txBody>
           <a:bodyPr/>
           <a:p>
-            <a:fld id="{73B268F1-BDEB-4300-86DD-3125FFF4D3F4}" type="slidenum">
+            <a:fld id="{176EF1E2-E4AA-4FA9-BC0B-7EAAA57FFC85}" type="slidenum">
               <a:t>&lt;#&gt;</a:t>
             </a:fld>
           </a:p>
@@ -10520,7 +10523,7 @@
         <p:txBody>
           <a:bodyPr/>
           <a:p>
-            <a:fld id="{F1609812-B28A-490D-92B8-C070818CED17}" type="slidenum">
+            <a:fld id="{824102CE-0AD1-49A5-B9CF-58F440FB48D7}" type="slidenum">
               <a:t>&lt;#&gt;</a:t>
             </a:fld>
           </a:p>
@@ -10772,7 +10775,7 @@
         <p:txBody>
           <a:bodyPr/>
           <a:p>
-            <a:fld id="{CE0864EE-6CFA-4448-A8B4-ABFDF12B732B}" type="slidenum">
+            <a:fld id="{59390532-8269-415E-96FE-7AF8CA19DBE1}" type="slidenum">
               <a:t>&lt;#&gt;</a:t>
             </a:fld>
           </a:p>
@@ -11024,7 +11027,7 @@
         <p:txBody>
           <a:bodyPr/>
           <a:p>
-            <a:fld id="{87AB2F88-74AE-42D7-9CA4-5F843B5A78F2}" type="slidenum">
+            <a:fld id="{9E8621C2-CB3D-4000-B20F-9ADA666F5222}" type="slidenum">
               <a:t>&lt;#&gt;</a:t>
             </a:fld>
           </a:p>
@@ -11276,7 +11279,7 @@
         <p:txBody>
           <a:bodyPr/>
           <a:p>
-            <a:fld id="{4ECD4463-1F8A-44B8-A83E-77AA4F0CEF23}" type="slidenum">
+            <a:fld id="{FF7A97D8-30BE-4F42-A9DE-D3759E0E9C09}" type="slidenum">
               <a:t>&lt;#&gt;</a:t>
             </a:fld>
           </a:p>
@@ -11485,7 +11488,7 @@
         <p:txBody>
           <a:bodyPr/>
           <a:p>
-            <a:fld id="{B77058C5-F517-45BD-A7CB-44DCBFC751DF}" type="slidenum">
+            <a:fld id="{7FB77AE8-06FD-4F6A-956E-3F60B82929BC}" type="slidenum">
               <a:t>&lt;#&gt;</a:t>
             </a:fld>
           </a:p>
@@ -11780,7 +11783,7 @@
         <p:txBody>
           <a:bodyPr/>
           <a:p>
-            <a:fld id="{54BC8EF1-7B62-42C5-8340-2413B1208315}" type="slidenum">
+            <a:fld id="{A57DA059-3E5F-427F-BEF2-AD1A2E1CC71F}" type="slidenum">
               <a:t>&lt;#&gt;</a:t>
             </a:fld>
           </a:p>
@@ -11901,7 +11904,7 @@
         <p:txBody>
           <a:bodyPr/>
           <a:p>
-            <a:fld id="{C50936BA-D0E6-46D8-9FB0-96C03EEA38A4}" type="slidenum">
+            <a:fld id="{3EFDB48F-7F4B-49F6-8665-BDCE1CB069D4}" type="slidenum">
               <a:t>&lt;#&gt;</a:t>
             </a:fld>
           </a:p>
@@ -12282,7 +12285,7 @@
         <p:txBody>
           <a:bodyPr/>
           <a:p>
-            <a:fld id="{554A2D05-445B-4840-86D2-34BB18502F5A}" type="slidenum">
+            <a:fld id="{9983B52E-2467-465D-93AD-8A1DED3C25A5}" type="slidenum">
               <a:t>&lt;#&gt;</a:t>
             </a:fld>
           </a:p>
@@ -12534,7 +12537,7 @@
         <p:txBody>
           <a:bodyPr/>
           <a:p>
-            <a:fld id="{EC61ABCB-67B2-4E92-9C0A-276FD8D846E4}" type="slidenum">
+            <a:fld id="{F2BCC761-AC64-46AE-AAF4-1A78BD9FBF98}" type="slidenum">
               <a:t>&lt;#&gt;</a:t>
             </a:fld>
           </a:p>
@@ -12786,7 +12789,7 @@
         <p:txBody>
           <a:bodyPr/>
           <a:p>
-            <a:fld id="{FE418BF1-CCDB-4CF4-808D-035E36C24F57}" type="slidenum">
+            <a:fld id="{4C565E32-01EC-4B71-BD4E-963F0A538A3C}" type="slidenum">
               <a:t>&lt;#&gt;</a:t>
             </a:fld>
           </a:p>
@@ -13038,7 +13041,7 @@
         <p:txBody>
           <a:bodyPr/>
           <a:p>
-            <a:fld id="{60819CF0-8BBD-4292-8B72-A8D948B42AB4}" type="slidenum">
+            <a:fld id="{82182282-EB8A-4D21-BECC-16054A02F3F2}" type="slidenum">
               <a:t>&lt;#&gt;</a:t>
             </a:fld>
           </a:p>
@@ -13104,7 +13107,7 @@
         <p:spPr>
           <a:xfrm>
             <a:off x="-9720" y="5747040"/>
-            <a:ext cx="9247680" cy="515880"/>
+            <a:ext cx="9247320" cy="515880"/>
           </a:xfrm>
           <a:prstGeom prst="rect">
             <a:avLst/>
@@ -13184,8 +13187,8 @@
         </p:nvSpPr>
         <p:spPr>
           <a:xfrm>
-            <a:off x="504000" y="225720"/>
-            <a:ext cx="9071280" cy="946440"/>
+            <a:off x="504000" y="226080"/>
+            <a:ext cx="9071640" cy="946080"/>
           </a:xfrm>
           <a:prstGeom prst="rect">
             <a:avLst/>
@@ -13235,13 +13238,238 @@
             <a:spLocks noGrp="1"/>
           </p:cNvSpPr>
           <p:nvPr>
+            <p:ph type="body"/>
+          </p:nvPr>
+        </p:nvSpPr>
+        <p:spPr>
+          <a:xfrm>
+            <a:off x="504000" y="1326600"/>
+            <a:ext cx="9071640" cy="3288240"/>
+          </a:xfrm>
+          <a:prstGeom prst="rect">
+            <a:avLst/>
+          </a:prstGeom>
+          <a:noFill/>
+          <a:ln w="0">
+            <a:noFill/>
+          </a:ln>
+        </p:spPr>
+        <p:txBody>
+          <a:bodyPr lIns="0" rIns="0" tIns="0" bIns="0" anchor="t">
+            <a:normAutofit/>
+          </a:bodyPr>
+          <a:p>
+            <a:pPr marL="432000" indent="-324000">
+              <a:spcBef>
+                <a:spcPts val="1417"/>
+              </a:spcBef>
+              <a:buClr>
+                <a:srgbClr val="000000"/>
+              </a:buClr>
+              <a:buSzPct val="45000"/>
+              <a:buFont typeface="Wingdings" charset="2"/>
+              <a:buChar char=""/>
+            </a:pPr>
+            <a:r>
+              <a:rPr b="0" lang="en-IN" sz="1800" spc="-1" strike="noStrike">
+                <a:solidFill>
+                  <a:srgbClr val="000000"/>
+                </a:solidFill>
+                <a:latin typeface="Arial"/>
+              </a:rPr>
+              <a:t>Click to edit the outline text format</a:t>
+            </a:r>
+            <a:endParaRPr b="0" lang="en-IN" sz="1800" spc="-1" strike="noStrike">
+              <a:solidFill>
+                <a:srgbClr val="000000"/>
+              </a:solidFill>
+              <a:latin typeface="Arial"/>
+            </a:endParaRPr>
+          </a:p>
+          <a:p>
+            <a:pPr lvl="1" marL="864000" indent="-324000">
+              <a:spcBef>
+                <a:spcPts val="1134"/>
+              </a:spcBef>
+              <a:buClr>
+                <a:srgbClr val="000000"/>
+              </a:buClr>
+              <a:buSzPct val="75000"/>
+              <a:buFont typeface="Symbol" charset="2"/>
+              <a:buChar char=""/>
+            </a:pPr>
+            <a:r>
+              <a:rPr b="0" lang="en-IN" sz="1800" spc="-1" strike="noStrike">
+                <a:solidFill>
+                  <a:srgbClr val="000000"/>
+                </a:solidFill>
+                <a:latin typeface="Arial"/>
+              </a:rPr>
+              <a:t>Second Outline Level</a:t>
+            </a:r>
+            <a:endParaRPr b="0" lang="en-IN" sz="1800" spc="-1" strike="noStrike">
+              <a:solidFill>
+                <a:srgbClr val="000000"/>
+              </a:solidFill>
+              <a:latin typeface="Arial"/>
+            </a:endParaRPr>
+          </a:p>
+          <a:p>
+            <a:pPr lvl="2" marL="1296000" indent="-288000">
+              <a:spcBef>
+                <a:spcPts val="850"/>
+              </a:spcBef>
+              <a:buClr>
+                <a:srgbClr val="000000"/>
+              </a:buClr>
+              <a:buSzPct val="45000"/>
+              <a:buFont typeface="Wingdings" charset="2"/>
+              <a:buChar char=""/>
+            </a:pPr>
+            <a:r>
+              <a:rPr b="0" lang="en-IN" sz="1800" spc="-1" strike="noStrike">
+                <a:solidFill>
+                  <a:srgbClr val="000000"/>
+                </a:solidFill>
+                <a:latin typeface="Arial"/>
+              </a:rPr>
+              <a:t>Third Outline Level</a:t>
+            </a:r>
+            <a:endParaRPr b="0" lang="en-IN" sz="1800" spc="-1" strike="noStrike">
+              <a:solidFill>
+                <a:srgbClr val="000000"/>
+              </a:solidFill>
+              <a:latin typeface="Arial"/>
+            </a:endParaRPr>
+          </a:p>
+          <a:p>
+            <a:pPr lvl="3" marL="1728000" indent="-216000">
+              <a:spcBef>
+                <a:spcPts val="567"/>
+              </a:spcBef>
+              <a:buClr>
+                <a:srgbClr val="000000"/>
+              </a:buClr>
+              <a:buSzPct val="75000"/>
+              <a:buFont typeface="Symbol" charset="2"/>
+              <a:buChar char=""/>
+            </a:pPr>
+            <a:r>
+              <a:rPr b="0" lang="en-IN" sz="1800" spc="-1" strike="noStrike">
+                <a:solidFill>
+                  <a:srgbClr val="000000"/>
+                </a:solidFill>
+                <a:latin typeface="Arial"/>
+              </a:rPr>
+              <a:t>Fourth Outline Level</a:t>
+            </a:r>
+            <a:endParaRPr b="0" lang="en-IN" sz="1800" spc="-1" strike="noStrike">
+              <a:solidFill>
+                <a:srgbClr val="000000"/>
+              </a:solidFill>
+              <a:latin typeface="Arial"/>
+            </a:endParaRPr>
+          </a:p>
+          <a:p>
+            <a:pPr lvl="4" marL="2160000" indent="-216000">
+              <a:spcBef>
+                <a:spcPts val="283"/>
+              </a:spcBef>
+              <a:buClr>
+                <a:srgbClr val="000000"/>
+              </a:buClr>
+              <a:buSzPct val="45000"/>
+              <a:buFont typeface="Wingdings" charset="2"/>
+              <a:buChar char=""/>
+            </a:pPr>
+            <a:r>
+              <a:rPr b="0" lang="en-IN" sz="1800" spc="-1" strike="noStrike">
+                <a:solidFill>
+                  <a:srgbClr val="000000"/>
+                </a:solidFill>
+                <a:latin typeface="Arial"/>
+              </a:rPr>
+              <a:t>Fifth Outline Level</a:t>
+            </a:r>
+            <a:endParaRPr b="0" lang="en-IN" sz="1800" spc="-1" strike="noStrike">
+              <a:solidFill>
+                <a:srgbClr val="000000"/>
+              </a:solidFill>
+              <a:latin typeface="Arial"/>
+            </a:endParaRPr>
+          </a:p>
+          <a:p>
+            <a:pPr lvl="5" marL="2592000" indent="-216000">
+              <a:spcBef>
+                <a:spcPts val="283"/>
+              </a:spcBef>
+              <a:buClr>
+                <a:srgbClr val="000000"/>
+              </a:buClr>
+              <a:buSzPct val="45000"/>
+              <a:buFont typeface="Wingdings" charset="2"/>
+              <a:buChar char=""/>
+            </a:pPr>
+            <a:r>
+              <a:rPr b="0" lang="en-IN" sz="1800" spc="-1" strike="noStrike">
+                <a:solidFill>
+                  <a:srgbClr val="000000"/>
+                </a:solidFill>
+                <a:latin typeface="Arial"/>
+              </a:rPr>
+              <a:t>Sixth Outline Level</a:t>
+            </a:r>
+            <a:endParaRPr b="0" lang="en-IN" sz="1800" spc="-1" strike="noStrike">
+              <a:solidFill>
+                <a:srgbClr val="000000"/>
+              </a:solidFill>
+              <a:latin typeface="Arial"/>
+            </a:endParaRPr>
+          </a:p>
+          <a:p>
+            <a:pPr lvl="6" marL="3024000" indent="-216000">
+              <a:spcBef>
+                <a:spcPts val="283"/>
+              </a:spcBef>
+              <a:buClr>
+                <a:srgbClr val="000000"/>
+              </a:buClr>
+              <a:buSzPct val="45000"/>
+              <a:buFont typeface="Wingdings" charset="2"/>
+              <a:buChar char=""/>
+            </a:pPr>
+            <a:r>
+              <a:rPr b="0" lang="en-IN" sz="1800" spc="-1" strike="noStrike">
+                <a:solidFill>
+                  <a:srgbClr val="000000"/>
+                </a:solidFill>
+                <a:latin typeface="Arial"/>
+              </a:rPr>
+              <a:t>Seventh Outline Level</a:t>
+            </a:r>
+            <a:endParaRPr b="0" lang="en-IN" sz="1800" spc="-1" strike="noStrike">
+              <a:solidFill>
+                <a:srgbClr val="000000"/>
+              </a:solidFill>
+              <a:latin typeface="Arial"/>
+            </a:endParaRPr>
+          </a:p>
+        </p:txBody>
+      </p:sp>
+      <p:sp>
+        <p:nvSpPr>
+          <p:cNvPr id="3" name="PlaceHolder 3"/>
+          <p:cNvSpPr>
+            <a:spLocks noGrp="1"/>
+          </p:cNvSpPr>
+          <p:nvPr>
             <p:ph type="ftr" idx="1"/>
           </p:nvPr>
         </p:nvSpPr>
         <p:spPr>
           <a:xfrm>
             <a:off x="3443760" y="5254560"/>
-            <a:ext cx="3191040" cy="301320"/>
+            <a:ext cx="3190680" cy="300960"/>
           </a:xfrm>
           <a:prstGeom prst="rect">
             <a:avLst/>
@@ -13302,7 +13530,7 @@
       </p:sp>
       <p:sp>
         <p:nvSpPr>
-          <p:cNvPr id="3" name="PlaceHolder 3"/>
+          <p:cNvPr id="4" name="PlaceHolder 4"/>
           <p:cNvSpPr>
             <a:spLocks noGrp="1"/>
           </p:cNvSpPr>
@@ -13313,7 +13541,7 @@
         <p:spPr>
           <a:xfrm>
             <a:off x="7223760" y="5254560"/>
-            <a:ext cx="2351520" cy="301320"/>
+            <a:ext cx="2351160" cy="300960"/>
           </a:xfrm>
           <a:prstGeom prst="rect">
             <a:avLst/>
@@ -13354,7 +13582,7 @@
                 <a:tab algn="l" pos="0"/>
               </a:tabLst>
             </a:pPr>
-            <a:fld id="{1E83DC79-774F-4349-8528-0A81C59662AE}" type="slidenum">
+            <a:fld id="{E80224F7-B02E-4C0C-8E5E-A0F8C8FFB2CA}" type="slidenum">
               <a:rPr b="0" lang="en-US" sz="1200" spc="-1" strike="noStrike">
                 <a:solidFill>
                   <a:srgbClr val="8b8b8b"/>
@@ -13374,7 +13602,7 @@
       </p:sp>
       <p:sp>
         <p:nvSpPr>
-          <p:cNvPr id="4" name="PlaceHolder 4"/>
+          <p:cNvPr id="5" name="PlaceHolder 5"/>
           <p:cNvSpPr>
             <a:spLocks noGrp="1"/>
           </p:cNvSpPr>
@@ -13385,7 +13613,7 @@
         <p:spPr>
           <a:xfrm>
             <a:off x="504000" y="5254560"/>
-            <a:ext cx="2351520" cy="301320"/>
+            <a:ext cx="2351160" cy="300960"/>
           </a:xfrm>
           <a:prstGeom prst="rect">
             <a:avLst/>
@@ -13428,231 +13656,6 @@
                 <a:srgbClr val="000000"/>
               </a:solidFill>
               <a:latin typeface="Times New Roman"/>
-            </a:endParaRPr>
-          </a:p>
-        </p:txBody>
-      </p:sp>
-      <p:sp>
-        <p:nvSpPr>
-          <p:cNvPr id="5" name="PlaceHolder 5"/>
-          <p:cNvSpPr>
-            <a:spLocks noGrp="1"/>
-          </p:cNvSpPr>
-          <p:nvPr>
-            <p:ph type="body"/>
-          </p:nvPr>
-        </p:nvSpPr>
-        <p:spPr>
-          <a:xfrm>
-            <a:off x="504000" y="1326600"/>
-            <a:ext cx="9072000" cy="3288600"/>
-          </a:xfrm>
-          <a:prstGeom prst="rect">
-            <a:avLst/>
-          </a:prstGeom>
-          <a:noFill/>
-          <a:ln w="0">
-            <a:noFill/>
-          </a:ln>
-        </p:spPr>
-        <p:txBody>
-          <a:bodyPr lIns="0" rIns="0" tIns="0" bIns="0" anchor="t">
-            <a:normAutofit/>
-          </a:bodyPr>
-          <a:p>
-            <a:pPr marL="432000" indent="-324000">
-              <a:spcBef>
-                <a:spcPts val="1417"/>
-              </a:spcBef>
-              <a:buClr>
-                <a:srgbClr val="000000"/>
-              </a:buClr>
-              <a:buSzPct val="45000"/>
-              <a:buFont typeface="Wingdings" charset="2"/>
-              <a:buChar char=""/>
-            </a:pPr>
-            <a:r>
-              <a:rPr b="0" lang="en-IN" sz="3200" spc="-1" strike="noStrike">
-                <a:solidFill>
-                  <a:srgbClr val="000000"/>
-                </a:solidFill>
-                <a:latin typeface="Arial"/>
-              </a:rPr>
-              <a:t>Click to edit the outline text format</a:t>
-            </a:r>
-            <a:endParaRPr b="0" lang="en-IN" sz="3200" spc="-1" strike="noStrike">
-              <a:solidFill>
-                <a:srgbClr val="000000"/>
-              </a:solidFill>
-              <a:latin typeface="Arial"/>
-            </a:endParaRPr>
-          </a:p>
-          <a:p>
-            <a:pPr lvl="1" marL="864000" indent="-324000">
-              <a:spcBef>
-                <a:spcPts val="1134"/>
-              </a:spcBef>
-              <a:buClr>
-                <a:srgbClr val="000000"/>
-              </a:buClr>
-              <a:buSzPct val="75000"/>
-              <a:buFont typeface="Symbol" charset="2"/>
-              <a:buChar char=""/>
-            </a:pPr>
-            <a:r>
-              <a:rPr b="0" lang="en-IN" sz="2800" spc="-1" strike="noStrike">
-                <a:solidFill>
-                  <a:srgbClr val="000000"/>
-                </a:solidFill>
-                <a:latin typeface="Arial"/>
-              </a:rPr>
-              <a:t>Second Outline Level</a:t>
-            </a:r>
-            <a:endParaRPr b="0" lang="en-IN" sz="2800" spc="-1" strike="noStrike">
-              <a:solidFill>
-                <a:srgbClr val="000000"/>
-              </a:solidFill>
-              <a:latin typeface="Arial"/>
-            </a:endParaRPr>
-          </a:p>
-          <a:p>
-            <a:pPr lvl="2" marL="1296000" indent="-288000">
-              <a:spcBef>
-                <a:spcPts val="850"/>
-              </a:spcBef>
-              <a:buClr>
-                <a:srgbClr val="000000"/>
-              </a:buClr>
-              <a:buSzPct val="45000"/>
-              <a:buFont typeface="Wingdings" charset="2"/>
-              <a:buChar char=""/>
-            </a:pPr>
-            <a:r>
-              <a:rPr b="0" lang="en-IN" sz="2400" spc="-1" strike="noStrike">
-                <a:solidFill>
-                  <a:srgbClr val="000000"/>
-                </a:solidFill>
-                <a:latin typeface="Arial"/>
-              </a:rPr>
-              <a:t>Third Outline Level</a:t>
-            </a:r>
-            <a:endParaRPr b="0" lang="en-IN" sz="2400" spc="-1" strike="noStrike">
-              <a:solidFill>
-                <a:srgbClr val="000000"/>
-              </a:solidFill>
-              <a:latin typeface="Arial"/>
-            </a:endParaRPr>
-          </a:p>
-          <a:p>
-            <a:pPr lvl="3" marL="1728000" indent="-216000">
-              <a:spcBef>
-                <a:spcPts val="567"/>
-              </a:spcBef>
-              <a:buClr>
-                <a:srgbClr val="000000"/>
-              </a:buClr>
-              <a:buSzPct val="75000"/>
-              <a:buFont typeface="Symbol" charset="2"/>
-              <a:buChar char=""/>
-            </a:pPr>
-            <a:r>
-              <a:rPr b="0" lang="en-IN" sz="2000" spc="-1" strike="noStrike">
-                <a:solidFill>
-                  <a:srgbClr val="000000"/>
-                </a:solidFill>
-                <a:latin typeface="Arial"/>
-              </a:rPr>
-              <a:t>Fourth Outline Level</a:t>
-            </a:r>
-            <a:endParaRPr b="0" lang="en-IN" sz="2000" spc="-1" strike="noStrike">
-              <a:solidFill>
-                <a:srgbClr val="000000"/>
-              </a:solidFill>
-              <a:latin typeface="Arial"/>
-            </a:endParaRPr>
-          </a:p>
-          <a:p>
-            <a:pPr lvl="4" marL="2160000" indent="-216000">
-              <a:spcBef>
-                <a:spcPts val="283"/>
-              </a:spcBef>
-              <a:buClr>
-                <a:srgbClr val="000000"/>
-              </a:buClr>
-              <a:buSzPct val="45000"/>
-              <a:buFont typeface="Wingdings" charset="2"/>
-              <a:buChar char=""/>
-            </a:pPr>
-            <a:r>
-              <a:rPr b="0" lang="en-IN" sz="2000" spc="-1" strike="noStrike">
-                <a:solidFill>
-                  <a:srgbClr val="000000"/>
-                </a:solidFill>
-                <a:latin typeface="Arial"/>
-              </a:rPr>
-              <a:t>Fifth Outline Level</a:t>
-            </a:r>
-            <a:endParaRPr b="0" lang="en-IN" sz="2000" spc="-1" strike="noStrike">
-              <a:solidFill>
-                <a:srgbClr val="000000"/>
-              </a:solidFill>
-              <a:latin typeface="Arial"/>
-            </a:endParaRPr>
-          </a:p>
-          <a:p>
-            <a:pPr lvl="5" marL="2592000" indent="-216000">
-              <a:spcBef>
-                <a:spcPts val="283"/>
-              </a:spcBef>
-              <a:buClr>
-                <a:srgbClr val="000000"/>
-              </a:buClr>
-              <a:buSzPct val="45000"/>
-              <a:buFont typeface="Wingdings" charset="2"/>
-              <a:buChar char=""/>
-            </a:pPr>
-            <a:r>
-              <a:rPr b="0" lang="en-IN" sz="2000" spc="-1" strike="noStrike">
-                <a:solidFill>
-                  <a:srgbClr val="000000"/>
-                </a:solidFill>
-                <a:latin typeface="Arial"/>
-              </a:rPr>
-              <a:t>Sixth Outline Level</a:t>
-            </a:r>
-            <a:endParaRPr b="0" lang="en-IN" sz="2000" spc="-1" strike="noStrike">
-              <a:solidFill>
-                <a:srgbClr val="000000"/>
-              </a:solidFill>
-              <a:latin typeface="Arial"/>
-            </a:endParaRPr>
-          </a:p>
-          <a:p>
-            <a:pPr lvl="6" marL="3024000" indent="-216000">
-              <a:spcBef>
-                <a:spcPts val="283"/>
-              </a:spcBef>
-              <a:buClr>
-                <a:srgbClr val="000000"/>
-              </a:buClr>
-              <a:buSzPct val="45000"/>
-              <a:buFont typeface="Wingdings" charset="2"/>
-              <a:buChar char=""/>
-            </a:pPr>
-            <a:r>
-              <a:rPr b="0" lang="en-IN" sz="2000" spc="-1" strike="noStrike">
-                <a:solidFill>
-                  <a:srgbClr val="000000"/>
-                </a:solidFill>
-                <a:latin typeface="Arial"/>
-              </a:rPr>
-              <a:t>Seventh Outline Level</a:t>
-            </a:r>
-            <a:endParaRPr b="0" lang="en-IN" sz="2000" spc="-1" strike="noStrike">
-              <a:solidFill>
-                <a:srgbClr val="000000"/>
-              </a:solidFill>
-              <a:latin typeface="Arial"/>
             </a:endParaRPr>
           </a:p>
         </p:txBody>
@@ -13711,7 +13714,7 @@
         <p:spPr>
           <a:xfrm>
             <a:off x="-9720" y="5747040"/>
-            <a:ext cx="9247680" cy="515880"/>
+            <a:ext cx="9247320" cy="515880"/>
           </a:xfrm>
           <a:prstGeom prst="rect">
             <a:avLst/>
@@ -13792,7 +13795,7 @@
         <p:spPr>
           <a:xfrm>
             <a:off x="3443760" y="5254560"/>
-            <a:ext cx="3191040" cy="301320"/>
+            <a:ext cx="3190680" cy="300960"/>
           </a:xfrm>
           <a:prstGeom prst="rect">
             <a:avLst/>
@@ -13864,7 +13867,7 @@
         <p:spPr>
           <a:xfrm>
             <a:off x="7223760" y="5254560"/>
-            <a:ext cx="2351520" cy="301320"/>
+            <a:ext cx="2351160" cy="300960"/>
           </a:xfrm>
           <a:prstGeom prst="rect">
             <a:avLst/>
@@ -13905,7 +13908,7 @@
                 <a:tab algn="l" pos="0"/>
               </a:tabLst>
             </a:pPr>
-            <a:fld id="{922D55DE-284C-4EA7-ACAF-52D68B36473F}" type="slidenum">
+            <a:fld id="{0DF6423C-01ED-44EC-B35C-8EC2D4A4D4B4}" type="slidenum">
               <a:rPr b="0" lang="en-US" sz="1200" spc="-1" strike="noStrike">
                 <a:solidFill>
                   <a:srgbClr val="8b8b8b"/>
@@ -13936,7 +13939,7 @@
         <p:spPr>
           <a:xfrm>
             <a:off x="504000" y="5254560"/>
-            <a:ext cx="2351520" cy="301320"/>
+            <a:ext cx="2351160" cy="300960"/>
           </a:xfrm>
           <a:prstGeom prst="rect">
             <a:avLst/>
@@ -14311,7 +14314,7 @@
         <p:spPr>
           <a:xfrm>
             <a:off x="-9720" y="5747040"/>
-            <a:ext cx="9247680" cy="515880"/>
+            <a:ext cx="9247320" cy="515880"/>
           </a:xfrm>
           <a:prstGeom prst="rect">
             <a:avLst/>
@@ -14392,7 +14395,7 @@
         <p:spPr>
           <a:xfrm>
             <a:off x="3443760" y="5254560"/>
-            <a:ext cx="3191040" cy="301320"/>
+            <a:ext cx="3190680" cy="300960"/>
           </a:xfrm>
           <a:prstGeom prst="rect">
             <a:avLst/>
@@ -14464,7 +14467,7 @@
         <p:spPr>
           <a:xfrm>
             <a:off x="7223760" y="5254560"/>
-            <a:ext cx="2351520" cy="301320"/>
+            <a:ext cx="2351160" cy="300960"/>
           </a:xfrm>
           <a:prstGeom prst="rect">
             <a:avLst/>
@@ -14505,7 +14508,7 @@
                 <a:tab algn="l" pos="0"/>
               </a:tabLst>
             </a:pPr>
-            <a:fld id="{F9C69A96-059D-4C4C-91DB-4396AA75DC77}" type="slidenum">
+            <a:fld id="{6CEDA9D2-E231-461A-985B-B35C23674895}" type="slidenum">
               <a:rPr b="0" lang="en-US" sz="1200" spc="-1" strike="noStrike">
                 <a:solidFill>
                   <a:srgbClr val="8b8b8b"/>
@@ -14536,7 +14539,7 @@
         <p:spPr>
           <a:xfrm>
             <a:off x="504000" y="5254560"/>
-            <a:ext cx="2351520" cy="301320"/>
+            <a:ext cx="2351160" cy="300960"/>
           </a:xfrm>
           <a:prstGeom prst="rect">
             <a:avLst/>
@@ -14911,7 +14914,7 @@
         <p:spPr>
           <a:xfrm>
             <a:off x="-9720" y="5747040"/>
-            <a:ext cx="9247680" cy="515880"/>
+            <a:ext cx="9247320" cy="515880"/>
           </a:xfrm>
           <a:prstGeom prst="rect">
             <a:avLst/>
@@ -14992,7 +14995,7 @@
         <p:spPr>
           <a:xfrm>
             <a:off x="3443760" y="5254560"/>
-            <a:ext cx="3191040" cy="301320"/>
+            <a:ext cx="3190680" cy="300960"/>
           </a:xfrm>
           <a:prstGeom prst="rect">
             <a:avLst/>
@@ -15064,7 +15067,7 @@
         <p:spPr>
           <a:xfrm>
             <a:off x="7223760" y="5254560"/>
-            <a:ext cx="2351520" cy="301320"/>
+            <a:ext cx="2351160" cy="300960"/>
           </a:xfrm>
           <a:prstGeom prst="rect">
             <a:avLst/>
@@ -15105,7 +15108,7 @@
                 <a:tab algn="l" pos="0"/>
               </a:tabLst>
             </a:pPr>
-            <a:fld id="{3A34CDFE-03BF-4488-8E4B-4C96F2E50F8A}" type="slidenum">
+            <a:fld id="{A8285627-F731-40A3-9DC7-B7E3C97E613F}" type="slidenum">
               <a:rPr b="0" lang="en-US" sz="1200" spc="-1" strike="noStrike">
                 <a:solidFill>
                   <a:srgbClr val="8b8b8b"/>
@@ -15136,7 +15139,7 @@
         <p:spPr>
           <a:xfrm>
             <a:off x="504000" y="5254560"/>
-            <a:ext cx="2351520" cy="301320"/>
+            <a:ext cx="2351160" cy="300960"/>
           </a:xfrm>
           <a:prstGeom prst="rect">
             <a:avLst/>
@@ -15511,7 +15514,7 @@
         <p:spPr>
           <a:xfrm>
             <a:off x="-9720" y="5747040"/>
-            <a:ext cx="9247680" cy="515880"/>
+            <a:ext cx="9247320" cy="515880"/>
           </a:xfrm>
           <a:prstGeom prst="rect">
             <a:avLst/>
@@ -15592,7 +15595,7 @@
         <p:spPr>
           <a:xfrm>
             <a:off x="3443760" y="5254560"/>
-            <a:ext cx="3191040" cy="301320"/>
+            <a:ext cx="3190680" cy="300960"/>
           </a:xfrm>
           <a:prstGeom prst="rect">
             <a:avLst/>
@@ -15664,7 +15667,7 @@
         <p:spPr>
           <a:xfrm>
             <a:off x="7223760" y="5254560"/>
-            <a:ext cx="2351520" cy="301320"/>
+            <a:ext cx="2351160" cy="300960"/>
           </a:xfrm>
           <a:prstGeom prst="rect">
             <a:avLst/>
@@ -15705,7 +15708,7 @@
                 <a:tab algn="l" pos="0"/>
               </a:tabLst>
             </a:pPr>
-            <a:fld id="{41638E07-4F16-408C-9A24-325CA6579EBD}" type="slidenum">
+            <a:fld id="{0E17A163-29AC-46A6-9E54-36A8E82E0199}" type="slidenum">
               <a:rPr b="0" lang="en-US" sz="1200" spc="-1" strike="noStrike">
                 <a:solidFill>
                   <a:srgbClr val="8b8b8b"/>
@@ -15736,7 +15739,7 @@
         <p:spPr>
           <a:xfrm>
             <a:off x="504000" y="5254560"/>
-            <a:ext cx="2351520" cy="301320"/>
+            <a:ext cx="2351160" cy="300960"/>
           </a:xfrm>
           <a:prstGeom prst="rect">
             <a:avLst/>
@@ -16107,7 +16110,7 @@
         <p:spPr>
           <a:xfrm>
             <a:off x="748440" y="360000"/>
-            <a:ext cx="3571200" cy="2187720"/>
+            <a:ext cx="3570840" cy="2187360"/>
           </a:xfrm>
           <a:prstGeom prst="rect">
             <a:avLst/>
@@ -16181,7 +16184,7 @@
         <p:spPr>
           <a:xfrm>
             <a:off x="483120" y="4320000"/>
-            <a:ext cx="2036520" cy="1009080"/>
+            <a:ext cx="2036160" cy="1008720"/>
           </a:xfrm>
           <a:prstGeom prst="rect">
             <a:avLst/>
@@ -16287,23 +16290,29 @@
       </p:grpSpPr>
       <p:sp>
         <p:nvSpPr>
-          <p:cNvPr id="241" name="PlaceHolder 4"/>
-          <p:cNvSpPr txBox="1"/>
+          <p:cNvPr id="238" name="Title 5"/>
+          <p:cNvSpPr/>
           <p:nvPr/>
         </p:nvSpPr>
         <p:spPr>
           <a:xfrm>
-            <a:off x="663480" y="69840"/>
-            <a:ext cx="8921160" cy="1009080"/>
-          </a:xfrm>
-          <a:prstGeom prst="rect">
-            <a:avLst/>
-          </a:prstGeom>
-          <a:noFill/>
-          <a:ln w="0">
-            <a:noFill/>
-          </a:ln>
-        </p:spPr>
+            <a:off x="663120" y="69480"/>
+            <a:ext cx="8920800" cy="1008720"/>
+          </a:xfrm>
+          <a:prstGeom prst="rect">
+            <a:avLst/>
+          </a:prstGeom>
+          <a:noFill/>
+          <a:ln w="0">
+            <a:noFill/>
+          </a:ln>
+        </p:spPr>
+        <p:style>
+          <a:lnRef idx="0"/>
+          <a:fillRef idx="0"/>
+          <a:effectRef idx="0"/>
+          <a:fontRef idx="minor"/>
+        </p:style>
         <p:txBody>
           <a:bodyPr lIns="90000" rIns="90000" tIns="45000" bIns="45000" anchor="ctr">
             <a:noAutofit/>
@@ -16313,9 +16322,6 @@
               <a:lnSpc>
                 <a:spcPct val="100000"/>
               </a:lnSpc>
-              <a:tabLst>
-                <a:tab algn="l" pos="0"/>
-              </a:tabLst>
             </a:pPr>
             <a:r>
               <a:rPr b="1" lang="en-US" sz="3600" spc="-1" strike="noStrike">
@@ -16326,8 +16332,9 @@
                   <a:srgbClr val="ff0000"/>
                 </a:highlight>
                 <a:latin typeface="Calibri"/>
+                <a:ea typeface="DejaVu Sans"/>
               </a:rPr>
-              <a:t>E-commerce</a:t>
+              <a:t>Predictive Analytics</a:t>
             </a:r>
             <a:endParaRPr b="0" lang="en-IN" sz="3600" spc="-1" strike="noStrike">
               <a:solidFill>
@@ -16340,29 +16347,38 @@
       </p:sp>
       <p:sp>
         <p:nvSpPr>
-          <p:cNvPr id="242" name=""/>
-          <p:cNvSpPr txBox="1"/>
+          <p:cNvPr id="239" name=""/>
+          <p:cNvSpPr/>
           <p:nvPr/>
         </p:nvSpPr>
         <p:spPr>
           <a:xfrm>
-            <a:off x="1440000" y="1440000"/>
-            <a:ext cx="7380000" cy="1114200"/>
-          </a:xfrm>
-          <a:prstGeom prst="rect">
-            <a:avLst/>
-          </a:prstGeom>
-          <a:noFill/>
-          <a:ln w="0">
-            <a:noFill/>
-          </a:ln>
-        </p:spPr>
+            <a:off x="968760" y="2133720"/>
+            <a:ext cx="8462520" cy="601560"/>
+          </a:xfrm>
+          <a:prstGeom prst="rect">
+            <a:avLst/>
+          </a:prstGeom>
+          <a:noFill/>
+          <a:ln w="0">
+            <a:noFill/>
+          </a:ln>
+        </p:spPr>
+        <p:style>
+          <a:lnRef idx="0"/>
+          <a:fillRef idx="0"/>
+          <a:effectRef idx="0"/>
+          <a:fontRef idx="minor"/>
+        </p:style>
         <p:txBody>
           <a:bodyPr lIns="90000" rIns="90000" tIns="45000" bIns="45000" anchor="t">
             <a:noAutofit/>
           </a:bodyPr>
           <a:p>
             <a:pPr marL="216000" indent="-216000">
+              <a:lnSpc>
+                <a:spcPct val="100000"/>
+              </a:lnSpc>
               <a:buClr>
                 <a:srgbClr val="ffffff"/>
               </a:buClr>
@@ -16376,8 +16392,9 @@
                   <a:srgbClr val="ffffff"/>
                 </a:solidFill>
                 <a:latin typeface="Arial"/>
+                <a:ea typeface="DejaVu Sans"/>
               </a:rPr>
-              <a:t>AI technology has the potential to improve the ecommerce shopping cart experience in several ways. </a:t>
+              <a:t>AI technology can also improve predictive analytics in the payments industry by </a:t>
             </a:r>
             <a:endParaRPr b="0" lang="en-IN" sz="1800" spc="-1" strike="noStrike">
               <a:solidFill>
@@ -16388,6 +16405,9 @@
           </a:p>
           <a:p>
             <a:pPr marL="216000" indent="-216000">
+              <a:lnSpc>
+                <a:spcPct val="100000"/>
+              </a:lnSpc>
               <a:buClr>
                 <a:srgbClr val="ffffff"/>
               </a:buClr>
@@ -16401,8 +16421,9 @@
                   <a:srgbClr val="ffffff"/>
                 </a:solidFill>
                 <a:latin typeface="Arial"/>
+                <a:ea typeface="DejaVu Sans"/>
               </a:rPr>
-              <a:t>Firstly, it can enhance the shopping cart’s ability to personalise the customer’s journey.</a:t>
+              <a:t>analysing vast amounts of customer data to identify patterns and trends.</a:t>
             </a:r>
             <a:endParaRPr b="0" lang="en-IN" sz="1800" spc="-1" strike="noStrike">
               <a:solidFill>
@@ -16415,29 +16436,38 @@
       </p:sp>
       <p:sp>
         <p:nvSpPr>
-          <p:cNvPr id="243" name=""/>
-          <p:cNvSpPr txBox="1"/>
+          <p:cNvPr id="240" name=""/>
+          <p:cNvSpPr/>
           <p:nvPr/>
         </p:nvSpPr>
         <p:spPr>
           <a:xfrm>
-            <a:off x="1440000" y="2592000"/>
-            <a:ext cx="7447320" cy="602280"/>
-          </a:xfrm>
-          <a:prstGeom prst="rect">
-            <a:avLst/>
-          </a:prstGeom>
-          <a:noFill/>
-          <a:ln w="0">
-            <a:noFill/>
-          </a:ln>
-        </p:spPr>
+            <a:off x="936000" y="3241800"/>
+            <a:ext cx="8639280" cy="1369440"/>
+          </a:xfrm>
+          <a:prstGeom prst="rect">
+            <a:avLst/>
+          </a:prstGeom>
+          <a:noFill/>
+          <a:ln w="0">
+            <a:noFill/>
+          </a:ln>
+        </p:spPr>
+        <p:style>
+          <a:lnRef idx="0"/>
+          <a:fillRef idx="0"/>
+          <a:effectRef idx="0"/>
+          <a:fontRef idx="minor"/>
+        </p:style>
         <p:txBody>
           <a:bodyPr lIns="90000" rIns="90000" tIns="45000" bIns="45000" anchor="t">
             <a:noAutofit/>
           </a:bodyPr>
           <a:p>
             <a:pPr marL="216000" indent="-216000">
+              <a:lnSpc>
+                <a:spcPct val="100000"/>
+              </a:lnSpc>
               <a:buClr>
                 <a:srgbClr val="ffffff"/>
               </a:buClr>
@@ -16451,8 +16481,38 @@
                   <a:srgbClr val="ffffff"/>
                 </a:solidFill>
                 <a:latin typeface="Arial"/>
+                <a:ea typeface="DejaVu Sans"/>
               </a:rPr>
-              <a:t>For example, AI can analyse the customer’s browsing and purchase history to suggest complementary products.</a:t>
+              <a:t>This information can then be used to optimise the customer journey, identify new opportunities, and develop targeted marketing strategies. </a:t>
+            </a:r>
+            <a:endParaRPr b="0" lang="en-IN" sz="1800" spc="-1" strike="noStrike">
+              <a:solidFill>
+                <a:srgbClr val="ffffff"/>
+              </a:solidFill>
+              <a:latin typeface="Arial"/>
+            </a:endParaRPr>
+          </a:p>
+          <a:p>
+            <a:pPr marL="216000" indent="-216000">
+              <a:lnSpc>
+                <a:spcPct val="100000"/>
+              </a:lnSpc>
+              <a:buClr>
+                <a:srgbClr val="ffffff"/>
+              </a:buClr>
+              <a:buSzPct val="45000"/>
+              <a:buFont typeface="Wingdings" charset="2"/>
+              <a:buChar char=""/>
+            </a:pPr>
+            <a:r>
+              <a:rPr b="0" lang="en-IN" sz="1800" spc="-1" strike="noStrike">
+                <a:solidFill>
+                  <a:srgbClr val="ffffff"/>
+                </a:solidFill>
+                <a:latin typeface="Arial"/>
+                <a:ea typeface="DejaVu Sans"/>
+              </a:rPr>
+              <a:t>AI tools like ChatGPT can analyse historical transaction data, social media activity, and demographic information to make predictions about future customer behaviour. </a:t>
             </a:r>
             <a:endParaRPr b="0" lang="en-IN" sz="1800" spc="-1" strike="noStrike">
               <a:solidFill>
@@ -16495,23 +16555,29 @@
       </p:grpSpPr>
       <p:sp>
         <p:nvSpPr>
-          <p:cNvPr id="244" name="PlaceHolder 6"/>
-          <p:cNvSpPr txBox="1"/>
+          <p:cNvPr id="241" name="Title 6"/>
+          <p:cNvSpPr/>
           <p:nvPr/>
         </p:nvSpPr>
         <p:spPr>
           <a:xfrm>
-            <a:off x="663480" y="69840"/>
-            <a:ext cx="8921160" cy="1009080"/>
-          </a:xfrm>
-          <a:prstGeom prst="rect">
-            <a:avLst/>
-          </a:prstGeom>
-          <a:noFill/>
-          <a:ln w="0">
-            <a:noFill/>
-          </a:ln>
-        </p:spPr>
+            <a:off x="663120" y="69480"/>
+            <a:ext cx="8920800" cy="1008720"/>
+          </a:xfrm>
+          <a:prstGeom prst="rect">
+            <a:avLst/>
+          </a:prstGeom>
+          <a:noFill/>
+          <a:ln w="0">
+            <a:noFill/>
+          </a:ln>
+        </p:spPr>
+        <p:style>
+          <a:lnRef idx="0"/>
+          <a:fillRef idx="0"/>
+          <a:effectRef idx="0"/>
+          <a:fontRef idx="minor"/>
+        </p:style>
         <p:txBody>
           <a:bodyPr lIns="90000" rIns="90000" tIns="45000" bIns="45000" anchor="ctr">
             <a:noAutofit/>
@@ -16521,9 +16587,6 @@
               <a:lnSpc>
                 <a:spcPct val="100000"/>
               </a:lnSpc>
-              <a:tabLst>
-                <a:tab algn="l" pos="0"/>
-              </a:tabLst>
             </a:pPr>
             <a:r>
               <a:rPr b="1" lang="en-US" sz="3600" spc="-1" strike="noStrike">
@@ -16534,8 +16597,9 @@
                   <a:srgbClr val="ff0000"/>
                 </a:highlight>
                 <a:latin typeface="Calibri"/>
+                <a:ea typeface="DejaVu Sans"/>
               </a:rPr>
-              <a:t>B2B Payments</a:t>
+              <a:t>Fraud Detection</a:t>
             </a:r>
             <a:endParaRPr b="0" lang="en-IN" sz="3600" spc="-1" strike="noStrike">
               <a:solidFill>
@@ -16548,29 +16612,38 @@
       </p:sp>
       <p:sp>
         <p:nvSpPr>
-          <p:cNvPr id="245" name=""/>
-          <p:cNvSpPr txBox="1"/>
+          <p:cNvPr id="242" name=""/>
+          <p:cNvSpPr/>
           <p:nvPr/>
         </p:nvSpPr>
         <p:spPr>
           <a:xfrm>
-            <a:off x="552960" y="1440000"/>
-            <a:ext cx="9347040" cy="1114200"/>
-          </a:xfrm>
-          <a:prstGeom prst="rect">
-            <a:avLst/>
-          </a:prstGeom>
-          <a:noFill/>
-          <a:ln w="0">
-            <a:noFill/>
-          </a:ln>
-        </p:spPr>
+            <a:off x="1080000" y="1836000"/>
+            <a:ext cx="8168400" cy="601560"/>
+          </a:xfrm>
+          <a:prstGeom prst="rect">
+            <a:avLst/>
+          </a:prstGeom>
+          <a:noFill/>
+          <a:ln w="0">
+            <a:noFill/>
+          </a:ln>
+        </p:spPr>
+        <p:style>
+          <a:lnRef idx="0"/>
+          <a:fillRef idx="0"/>
+          <a:effectRef idx="0"/>
+          <a:fontRef idx="minor"/>
+        </p:style>
         <p:txBody>
           <a:bodyPr lIns="90000" rIns="90000" tIns="45000" bIns="45000" anchor="t">
             <a:noAutofit/>
           </a:bodyPr>
           <a:p>
             <a:pPr marL="216000" indent="-216000">
+              <a:lnSpc>
+                <a:spcPct val="100000"/>
+              </a:lnSpc>
               <a:buClr>
                 <a:srgbClr val="ffffff"/>
               </a:buClr>
@@ -16584,8 +16657,9 @@
                   <a:srgbClr val="ffffff"/>
                 </a:solidFill>
                 <a:latin typeface="Arial"/>
+                <a:ea typeface="DejaVu Sans"/>
               </a:rPr>
-              <a:t>AI-powered invoice processing can automate the manual process of data entry, reduce errors, and speed up the payment process. AI can also improve payment reconciliation by automatically matching incoming payments with outstanding invoices, reducing the need for manual intervention. </a:t>
+              <a:t>Traditional methods of detecting fraud are no longer sufficient, and fraudulent</a:t>
             </a:r>
             <a:endParaRPr b="0" lang="en-IN" sz="1800" spc="-1" strike="noStrike">
               <a:solidFill>
@@ -16594,33 +16668,11 @@
               <a:latin typeface="Arial"/>
             </a:endParaRPr>
           </a:p>
-        </p:txBody>
-      </p:sp>
-      <p:sp>
-        <p:nvSpPr>
-          <p:cNvPr id="246" name=""/>
-          <p:cNvSpPr txBox="1"/>
-          <p:nvPr/>
-        </p:nvSpPr>
-        <p:spPr>
-          <a:xfrm>
-            <a:off x="540000" y="2736000"/>
-            <a:ext cx="8820000" cy="1260000"/>
-          </a:xfrm>
-          <a:prstGeom prst="rect">
-            <a:avLst/>
-          </a:prstGeom>
-          <a:noFill/>
-          <a:ln w="0">
-            <a:noFill/>
-          </a:ln>
-        </p:spPr>
-        <p:txBody>
-          <a:bodyPr lIns="90000" rIns="90000" tIns="45000" bIns="45000" anchor="t">
-            <a:noAutofit/>
-          </a:bodyPr>
           <a:p>
             <a:pPr marL="216000" indent="-216000">
+              <a:lnSpc>
+                <a:spcPct val="100000"/>
+              </a:lnSpc>
               <a:buClr>
                 <a:srgbClr val="ffffff"/>
               </a:buClr>
@@ -16634,33 +16686,19 @@
                   <a:srgbClr val="ffffff"/>
                 </a:solidFill>
                 <a:latin typeface="Arial"/>
+                <a:ea typeface="DejaVu Sans"/>
               </a:rPr>
-              <a:t>AI can help to identify potential payment delays. Such as disputes or other issues, allowing businesses to take proactive measures to resolve them. This not only</a:t>
-            </a:r>
-            <a:endParaRPr b="0" lang="en-IN" sz="1800" spc="-1" strike="noStrike">
-              <a:solidFill>
-                <a:srgbClr val="ffffff"/>
-              </a:solidFill>
-              <a:latin typeface="Arial"/>
-            </a:endParaRPr>
-          </a:p>
-          <a:p>
-            <a:pPr marL="216000" indent="-216000">
-              <a:buClr>
-                <a:srgbClr val="ffffff"/>
-              </a:buClr>
-              <a:buSzPct val="45000"/>
-              <a:buFont typeface="Wingdings" charset="2"/>
-              <a:buChar char=""/>
-            </a:pPr>
+              <a:t> </a:t>
+            </a:r>
             <a:r>
               <a:rPr b="0" lang="en-IN" sz="1800" spc="-1" strike="noStrike">
                 <a:solidFill>
                   <a:srgbClr val="ffffff"/>
                 </a:solidFill>
                 <a:latin typeface="Arial"/>
+                <a:ea typeface="DejaVu Sans"/>
               </a:rPr>
-              <a:t>Speeds up the payment process but also improves the accuracy of payment data. </a:t>
+              <a:t>activities cost the industry billions of dollars each year.</a:t>
             </a:r>
             <a:endParaRPr b="0" lang="en-IN" sz="1800" spc="-1" strike="noStrike">
               <a:solidFill>
@@ -16669,8 +16707,42 @@
               <a:latin typeface="Arial"/>
             </a:endParaRPr>
           </a:p>
+        </p:txBody>
+      </p:sp>
+      <p:sp>
+        <p:nvSpPr>
+          <p:cNvPr id="243" name=""/>
+          <p:cNvSpPr/>
+          <p:nvPr/>
+        </p:nvSpPr>
+        <p:spPr>
+          <a:xfrm>
+            <a:off x="1080000" y="2880000"/>
+            <a:ext cx="8099280" cy="857520"/>
+          </a:xfrm>
+          <a:prstGeom prst="rect">
+            <a:avLst/>
+          </a:prstGeom>
+          <a:noFill/>
+          <a:ln w="0">
+            <a:noFill/>
+          </a:ln>
+        </p:spPr>
+        <p:style>
+          <a:lnRef idx="0"/>
+          <a:fillRef idx="0"/>
+          <a:effectRef idx="0"/>
+          <a:fontRef idx="minor"/>
+        </p:style>
+        <p:txBody>
+          <a:bodyPr lIns="90000" rIns="90000" tIns="45000" bIns="45000" anchor="t">
+            <a:noAutofit/>
+          </a:bodyPr>
           <a:p>
             <a:pPr marL="216000" indent="-216000">
+              <a:lnSpc>
+                <a:spcPct val="100000"/>
+              </a:lnSpc>
               <a:buClr>
                 <a:srgbClr val="ffffff"/>
               </a:buClr>
@@ -16684,8 +16756,38 @@
                   <a:srgbClr val="ffffff"/>
                 </a:solidFill>
                 <a:latin typeface="Arial"/>
+                <a:ea typeface="DejaVu Sans"/>
               </a:rPr>
-              <a:t>It helps to establish stronger business relationships.</a:t>
+              <a:t>This is where AI tools can make a significant impact. These tools can analyse massive amounts of data in real-time,</a:t>
+            </a:r>
+            <a:endParaRPr b="0" lang="en-IN" sz="1800" spc="-1" strike="noStrike">
+              <a:solidFill>
+                <a:srgbClr val="ffffff"/>
+              </a:solidFill>
+              <a:latin typeface="Arial"/>
+            </a:endParaRPr>
+          </a:p>
+          <a:p>
+            <a:pPr marL="216000" indent="-216000">
+              <a:lnSpc>
+                <a:spcPct val="100000"/>
+              </a:lnSpc>
+              <a:buClr>
+                <a:srgbClr val="ffffff"/>
+              </a:buClr>
+              <a:buSzPct val="45000"/>
+              <a:buFont typeface="Wingdings" charset="2"/>
+              <a:buChar char=""/>
+            </a:pPr>
+            <a:r>
+              <a:rPr b="0" lang="en-IN" sz="1800" spc="-1" strike="noStrike">
+                <a:solidFill>
+                  <a:srgbClr val="ffffff"/>
+                </a:solidFill>
+                <a:latin typeface="Arial"/>
+                <a:ea typeface="DejaVu Sans"/>
+              </a:rPr>
+              <a:t>detecting patterns and identifying potential fraudulent activities.</a:t>
             </a:r>
             <a:endParaRPr b="0" lang="en-IN" sz="1800" spc="-1" strike="noStrike">
               <a:solidFill>
@@ -16728,23 +16830,29 @@
       </p:grpSpPr>
       <p:sp>
         <p:nvSpPr>
-          <p:cNvPr id="247" name="PlaceHolder 7"/>
-          <p:cNvSpPr txBox="1"/>
+          <p:cNvPr id="244" name="PlaceHolder 5"/>
+          <p:cNvSpPr/>
           <p:nvPr/>
         </p:nvSpPr>
         <p:spPr>
           <a:xfrm>
-            <a:off x="360000" y="0"/>
-            <a:ext cx="9596520" cy="1009080"/>
-          </a:xfrm>
-          <a:prstGeom prst="rect">
-            <a:avLst/>
-          </a:prstGeom>
-          <a:noFill/>
-          <a:ln w="0">
-            <a:noFill/>
-          </a:ln>
-        </p:spPr>
+            <a:off x="663480" y="69840"/>
+            <a:ext cx="8920800" cy="1008720"/>
+          </a:xfrm>
+          <a:prstGeom prst="rect">
+            <a:avLst/>
+          </a:prstGeom>
+          <a:noFill/>
+          <a:ln w="0">
+            <a:noFill/>
+          </a:ln>
+        </p:spPr>
+        <p:style>
+          <a:lnRef idx="0"/>
+          <a:fillRef idx="0"/>
+          <a:effectRef idx="0"/>
+          <a:fontRef idx="minor"/>
+        </p:style>
         <p:txBody>
           <a:bodyPr lIns="90000" rIns="90000" tIns="45000" bIns="45000" anchor="ctr">
             <a:noAutofit/>
@@ -16768,7 +16876,7 @@
                 </a:highlight>
                 <a:latin typeface="Calibri"/>
               </a:rPr>
-              <a:t>Use Cases For ChatGPT In The Banking Industry</a:t>
+              <a:t>Mobile Payments</a:t>
             </a:r>
             <a:endParaRPr b="0" lang="en-IN" sz="3600" spc="-1" strike="noStrike">
               <a:solidFill>
@@ -16781,29 +16889,38 @@
       </p:sp>
       <p:sp>
         <p:nvSpPr>
-          <p:cNvPr id="248" name=""/>
-          <p:cNvSpPr txBox="1"/>
+          <p:cNvPr id="245" name=""/>
+          <p:cNvSpPr/>
           <p:nvPr/>
         </p:nvSpPr>
         <p:spPr>
           <a:xfrm>
-            <a:off x="540000" y="1440000"/>
-            <a:ext cx="9360000" cy="3929760"/>
-          </a:xfrm>
-          <a:prstGeom prst="rect">
-            <a:avLst/>
-          </a:prstGeom>
-          <a:noFill/>
-          <a:ln w="0">
-            <a:noFill/>
-          </a:ln>
-        </p:spPr>
+            <a:off x="649080" y="1440000"/>
+            <a:ext cx="9250560" cy="1113840"/>
+          </a:xfrm>
+          <a:prstGeom prst="rect">
+            <a:avLst/>
+          </a:prstGeom>
+          <a:noFill/>
+          <a:ln w="0">
+            <a:noFill/>
+          </a:ln>
+        </p:spPr>
+        <p:style>
+          <a:lnRef idx="0"/>
+          <a:fillRef idx="0"/>
+          <a:effectRef idx="0"/>
+          <a:fontRef idx="minor"/>
+        </p:style>
         <p:txBody>
           <a:bodyPr lIns="90000" rIns="90000" tIns="45000" bIns="45000" anchor="t">
             <a:noAutofit/>
           </a:bodyPr>
           <a:p>
             <a:pPr marL="216000" indent="-216000">
+              <a:lnSpc>
+                <a:spcPct val="100000"/>
+              </a:lnSpc>
               <a:buClr>
                 <a:srgbClr val="ffffff"/>
               </a:buClr>
@@ -16818,7 +16935,7 @@
                 </a:solidFill>
                 <a:latin typeface="Arial"/>
               </a:rPr>
-              <a:t>Virtual Assistants for Banking</a:t>
+              <a:t>AI technology can also streamline mobile payments by automating the payment process and making it more user-friendly. </a:t>
             </a:r>
             <a:endParaRPr b="0" lang="en-IN" sz="1800" spc="-1" strike="noStrike">
               <a:solidFill>
@@ -16829,22 +16946,9 @@
           </a:p>
           <a:p>
             <a:pPr marL="216000" indent="-216000">
-              <a:buClr>
-                <a:srgbClr val="ffffff"/>
-              </a:buClr>
-              <a:buSzPct val="45000"/>
-              <a:buFont typeface="Wingdings" charset="2"/>
-              <a:buChar char=""/>
-            </a:pPr>
-            <a:endParaRPr b="0" lang="en-IN" sz="1800" spc="-1" strike="noStrike">
-              <a:solidFill>
-                <a:srgbClr val="ffffff"/>
-              </a:solidFill>
-              <a:latin typeface="Arial"/>
-            </a:endParaRPr>
-          </a:p>
-          <a:p>
-            <a:pPr marL="216000" indent="-216000">
+              <a:lnSpc>
+                <a:spcPct val="100000"/>
+              </a:lnSpc>
               <a:buClr>
                 <a:srgbClr val="ffffff"/>
               </a:buClr>
@@ -16859,7 +16963,7 @@
                 </a:solidFill>
                 <a:latin typeface="Arial"/>
               </a:rPr>
-              <a:t>Risk Management</a:t>
+              <a:t>With the increasing use of smartphones and mobile devices, </a:t>
             </a:r>
             <a:endParaRPr b="0" lang="en-IN" sz="1800" spc="-1" strike="noStrike">
               <a:solidFill>
@@ -16870,22 +16974,9 @@
           </a:p>
           <a:p>
             <a:pPr marL="216000" indent="-216000">
-              <a:buClr>
-                <a:srgbClr val="ffffff"/>
-              </a:buClr>
-              <a:buSzPct val="45000"/>
-              <a:buFont typeface="Wingdings" charset="2"/>
-              <a:buChar char=""/>
-            </a:pPr>
-            <a:endParaRPr b="0" lang="en-IN" sz="1800" spc="-1" strike="noStrike">
-              <a:solidFill>
-                <a:srgbClr val="ffffff"/>
-              </a:solidFill>
-              <a:latin typeface="Arial"/>
-            </a:endParaRPr>
-          </a:p>
-          <a:p>
-            <a:pPr marL="216000" indent="-216000">
+              <a:lnSpc>
+                <a:spcPct val="100000"/>
+              </a:lnSpc>
               <a:buClr>
                 <a:srgbClr val="ffffff"/>
               </a:buClr>
@@ -16900,212 +16991,7 @@
                 </a:solidFill>
                 <a:latin typeface="Arial"/>
               </a:rPr>
-              <a:t>Customer Onboarding</a:t>
-            </a:r>
-            <a:endParaRPr b="0" lang="en-IN" sz="1800" spc="-1" strike="noStrike">
-              <a:solidFill>
-                <a:srgbClr val="ffffff"/>
-              </a:solidFill>
-              <a:latin typeface="Arial"/>
-            </a:endParaRPr>
-          </a:p>
-          <a:p>
-            <a:pPr marL="216000" indent="-216000">
-              <a:buClr>
-                <a:srgbClr val="ffffff"/>
-              </a:buClr>
-              <a:buSzPct val="45000"/>
-              <a:buFont typeface="Wingdings" charset="2"/>
-              <a:buChar char=""/>
-            </a:pPr>
-            <a:endParaRPr b="0" lang="en-IN" sz="1800" spc="-1" strike="noStrike">
-              <a:solidFill>
-                <a:srgbClr val="ffffff"/>
-              </a:solidFill>
-              <a:latin typeface="Arial"/>
-            </a:endParaRPr>
-          </a:p>
-          <a:p>
-            <a:pPr marL="216000" indent="-216000">
-              <a:buClr>
-                <a:srgbClr val="ffffff"/>
-              </a:buClr>
-              <a:buSzPct val="45000"/>
-              <a:buFont typeface="Wingdings" charset="2"/>
-              <a:buChar char=""/>
-            </a:pPr>
-            <a:r>
-              <a:rPr b="0" lang="en-IN" sz="1800" spc="-1" strike="noStrike">
-                <a:solidFill>
-                  <a:srgbClr val="ffffff"/>
-                </a:solidFill>
-                <a:latin typeface="Arial"/>
-              </a:rPr>
-              <a:t>Know Your Customer (KYC) and Anti-Money Laundering (AML)</a:t>
-            </a:r>
-            <a:endParaRPr b="0" lang="en-IN" sz="1800" spc="-1" strike="noStrike">
-              <a:solidFill>
-                <a:srgbClr val="ffffff"/>
-              </a:solidFill>
-              <a:latin typeface="Arial"/>
-            </a:endParaRPr>
-          </a:p>
-          <a:p>
-            <a:pPr marL="216000" indent="-216000">
-              <a:buClr>
-                <a:srgbClr val="ffffff"/>
-              </a:buClr>
-              <a:buSzPct val="45000"/>
-              <a:buFont typeface="Wingdings" charset="2"/>
-              <a:buChar char=""/>
-            </a:pPr>
-            <a:endParaRPr b="0" lang="en-IN" sz="1800" spc="-1" strike="noStrike">
-              <a:solidFill>
-                <a:srgbClr val="ffffff"/>
-              </a:solidFill>
-              <a:latin typeface="Arial"/>
-            </a:endParaRPr>
-          </a:p>
-          <a:p>
-            <a:pPr marL="216000" indent="-216000">
-              <a:buClr>
-                <a:srgbClr val="ffffff"/>
-              </a:buClr>
-              <a:buSzPct val="45000"/>
-              <a:buFont typeface="Wingdings" charset="2"/>
-              <a:buChar char=""/>
-            </a:pPr>
-            <a:r>
-              <a:rPr b="0" lang="en-IN" sz="1800" spc="-1" strike="noStrike">
-                <a:solidFill>
-                  <a:srgbClr val="ffffff"/>
-                </a:solidFill>
-                <a:latin typeface="Arial"/>
-              </a:rPr>
-              <a:t>Financial Planning</a:t>
-            </a:r>
-            <a:endParaRPr b="0" lang="en-IN" sz="1800" spc="-1" strike="noStrike">
-              <a:solidFill>
-                <a:srgbClr val="ffffff"/>
-              </a:solidFill>
-              <a:latin typeface="Arial"/>
-            </a:endParaRPr>
-          </a:p>
-          <a:p>
-            <a:pPr marL="216000" indent="-216000">
-              <a:buClr>
-                <a:srgbClr val="ffffff"/>
-              </a:buClr>
-              <a:buSzPct val="45000"/>
-              <a:buFont typeface="Wingdings" charset="2"/>
-              <a:buChar char=""/>
-            </a:pPr>
-            <a:endParaRPr b="0" lang="en-IN" sz="1800" spc="-1" strike="noStrike">
-              <a:solidFill>
-                <a:srgbClr val="ffffff"/>
-              </a:solidFill>
-              <a:latin typeface="Arial"/>
-            </a:endParaRPr>
-          </a:p>
-          <a:p>
-            <a:pPr marL="216000" indent="-216000">
-              <a:buClr>
-                <a:srgbClr val="ffffff"/>
-              </a:buClr>
-              <a:buSzPct val="45000"/>
-              <a:buFont typeface="Wingdings" charset="2"/>
-              <a:buChar char=""/>
-            </a:pPr>
-            <a:r>
-              <a:rPr b="0" lang="en-IN" sz="1800" spc="-1" strike="noStrike">
-                <a:solidFill>
-                  <a:srgbClr val="ffffff"/>
-                </a:solidFill>
-                <a:latin typeface="Arial"/>
-              </a:rPr>
-              <a:t>Wealth Management</a:t>
-            </a:r>
-            <a:endParaRPr b="0" lang="en-IN" sz="1800" spc="-1" strike="noStrike">
-              <a:solidFill>
-                <a:srgbClr val="ffffff"/>
-              </a:solidFill>
-              <a:latin typeface="Arial"/>
-            </a:endParaRPr>
-          </a:p>
-          <a:p>
-            <a:pPr marL="216000" indent="-216000">
-              <a:buClr>
-                <a:srgbClr val="ffffff"/>
-              </a:buClr>
-              <a:buSzPct val="45000"/>
-              <a:buFont typeface="Wingdings" charset="2"/>
-              <a:buChar char=""/>
-            </a:pPr>
-            <a:endParaRPr b="0" lang="en-IN" sz="1800" spc="-1" strike="noStrike">
-              <a:solidFill>
-                <a:srgbClr val="ffffff"/>
-              </a:solidFill>
-              <a:latin typeface="Arial"/>
-            </a:endParaRPr>
-          </a:p>
-          <a:p>
-            <a:pPr marL="216000" indent="-216000">
-              <a:buClr>
-                <a:srgbClr val="ffffff"/>
-              </a:buClr>
-              <a:buSzPct val="45000"/>
-              <a:buFont typeface="Wingdings" charset="2"/>
-              <a:buChar char=""/>
-            </a:pPr>
-            <a:r>
-              <a:rPr b="0" lang="en-IN" sz="1800" spc="-1" strike="noStrike">
-                <a:solidFill>
-                  <a:srgbClr val="ffffff"/>
-                </a:solidFill>
-                <a:latin typeface="Arial"/>
-              </a:rPr>
-              <a:t>Loan Origination</a:t>
-            </a:r>
-            <a:endParaRPr b="0" lang="en-IN" sz="1800" spc="-1" strike="noStrike">
-              <a:solidFill>
-                <a:srgbClr val="ffffff"/>
-              </a:solidFill>
-              <a:latin typeface="Arial"/>
-            </a:endParaRPr>
-          </a:p>
-          <a:p>
-            <a:pPr marL="216000" indent="-216000">
-              <a:buClr>
-                <a:srgbClr val="ffffff"/>
-              </a:buClr>
-              <a:buSzPct val="45000"/>
-              <a:buFont typeface="Wingdings" charset="2"/>
-              <a:buChar char=""/>
-            </a:pPr>
-            <a:endParaRPr b="0" lang="en-IN" sz="1800" spc="-1" strike="noStrike">
-              <a:solidFill>
-                <a:srgbClr val="ffffff"/>
-              </a:solidFill>
-              <a:latin typeface="Arial"/>
-            </a:endParaRPr>
-          </a:p>
-          <a:p>
-            <a:pPr marL="216000" indent="-216000">
-              <a:buClr>
-                <a:srgbClr val="ffffff"/>
-              </a:buClr>
-              <a:buSzPct val="45000"/>
-              <a:buFont typeface="Wingdings" charset="2"/>
-              <a:buChar char=""/>
-            </a:pPr>
-            <a:r>
-              <a:rPr b="0" lang="en-IN" sz="1800" spc="-1" strike="noStrike">
-                <a:solidFill>
-                  <a:srgbClr val="ffffff"/>
-                </a:solidFill>
-                <a:latin typeface="Arial"/>
-              </a:rPr>
-              <a:t>Customer Service</a:t>
+              <a:t>mobile payments are becoming more popular among consumers.</a:t>
             </a:r>
             <a:endParaRPr b="0" lang="en-IN" sz="1800" spc="-1" strike="noStrike">
               <a:solidFill>
@@ -17148,14 +17034,14 @@
       </p:grpSpPr>
       <p:sp>
         <p:nvSpPr>
-          <p:cNvPr id="249" name="Title 1"/>
+          <p:cNvPr id="246" name="PlaceHolder 4"/>
           <p:cNvSpPr/>
           <p:nvPr/>
         </p:nvSpPr>
         <p:spPr>
           <a:xfrm>
-            <a:off x="663120" y="69480"/>
-            <a:ext cx="8921160" cy="1009080"/>
+            <a:off x="663480" y="69840"/>
+            <a:ext cx="8920800" cy="1008720"/>
           </a:xfrm>
           <a:prstGeom prst="rect">
             <a:avLst/>
@@ -17180,6 +17066,9 @@
               <a:lnSpc>
                 <a:spcPct val="100000"/>
               </a:lnSpc>
+              <a:tabLst>
+                <a:tab algn="l" pos="0"/>
+              </a:tabLst>
             </a:pPr>
             <a:r>
               <a:rPr b="1" lang="en-US" sz="3600" spc="-1" strike="noStrike">
@@ -17191,7 +17080,7 @@
                 </a:highlight>
                 <a:latin typeface="Calibri"/>
               </a:rPr>
-              <a:t>Limitations</a:t>
+              <a:t>E-commerce</a:t>
             </a:r>
             <a:endParaRPr b="0" lang="en-IN" sz="3600" spc="-1" strike="noStrike">
               <a:solidFill>
@@ -17204,14 +17093,14 @@
       </p:sp>
       <p:sp>
         <p:nvSpPr>
-          <p:cNvPr id="250" name="Title 3"/>
+          <p:cNvPr id="247" name=""/>
           <p:cNvSpPr/>
           <p:nvPr/>
         </p:nvSpPr>
         <p:spPr>
           <a:xfrm>
-            <a:off x="663120" y="69480"/>
-            <a:ext cx="8921160" cy="1009080"/>
+            <a:off x="1440000" y="1440000"/>
+            <a:ext cx="7379640" cy="1113840"/>
           </a:xfrm>
           <a:prstGeom prst="rect">
             <a:avLst/>
@@ -17228,49 +17117,14 @@
           <a:fontRef idx="minor"/>
         </p:style>
         <p:txBody>
-          <a:bodyPr lIns="90000" rIns="90000" tIns="45000" bIns="45000" anchor="ctr">
+          <a:bodyPr lIns="90000" rIns="90000" tIns="45000" bIns="45000" anchor="t">
             <a:noAutofit/>
           </a:bodyPr>
           <a:p>
-            <a:pPr>
+            <a:pPr marL="216000" indent="-216000">
               <a:lnSpc>
                 <a:spcPct val="100000"/>
               </a:lnSpc>
-            </a:pPr>
-            <a:endParaRPr b="0" lang="en-IN" sz="1800" spc="-1" strike="noStrike">
-              <a:solidFill>
-                <a:srgbClr val="ffffff"/>
-              </a:solidFill>
-              <a:latin typeface="Arial"/>
-            </a:endParaRPr>
-          </a:p>
-        </p:txBody>
-      </p:sp>
-      <p:sp>
-        <p:nvSpPr>
-          <p:cNvPr id="251" name=""/>
-          <p:cNvSpPr txBox="1"/>
-          <p:nvPr/>
-        </p:nvSpPr>
-        <p:spPr>
-          <a:xfrm>
-            <a:off x="1231200" y="1926000"/>
-            <a:ext cx="3808800" cy="2394000"/>
-          </a:xfrm>
-          <a:prstGeom prst="rect">
-            <a:avLst/>
-          </a:prstGeom>
-          <a:noFill/>
-          <a:ln w="0">
-            <a:noFill/>
-          </a:ln>
-        </p:spPr>
-        <p:txBody>
-          <a:bodyPr lIns="90000" rIns="90000" tIns="45000" bIns="45000" anchor="t">
-            <a:noAutofit/>
-          </a:bodyPr>
-          <a:p>
-            <a:pPr marL="216000" indent="-216000">
               <a:buClr>
                 <a:srgbClr val="ffffff"/>
               </a:buClr>
@@ -17285,7 +17139,7 @@
                 </a:solidFill>
                 <a:latin typeface="Arial"/>
               </a:rPr>
-              <a:t>Lack of Emotional Intelligence</a:t>
+              <a:t>AI technology has the potential to improve the ecommerce shopping cart experience in several ways. </a:t>
             </a:r>
             <a:endParaRPr b="0" lang="en-IN" sz="1800" spc="-1" strike="noStrike">
               <a:solidFill>
@@ -17296,22 +17150,9 @@
           </a:p>
           <a:p>
             <a:pPr marL="216000" indent="-216000">
-              <a:buClr>
-                <a:srgbClr val="ffffff"/>
-              </a:buClr>
-              <a:buSzPct val="45000"/>
-              <a:buFont typeface="Wingdings" charset="2"/>
-              <a:buChar char=""/>
-            </a:pPr>
-            <a:endParaRPr b="0" lang="en-IN" sz="1800" spc="-1" strike="noStrike">
-              <a:solidFill>
-                <a:srgbClr val="ffffff"/>
-              </a:solidFill>
-              <a:latin typeface="Arial"/>
-            </a:endParaRPr>
-          </a:p>
-          <a:p>
-            <a:pPr marL="216000" indent="-216000">
+              <a:lnSpc>
+                <a:spcPct val="100000"/>
+              </a:lnSpc>
               <a:buClr>
                 <a:srgbClr val="ffffff"/>
               </a:buClr>
@@ -17326,7 +17167,7 @@
                 </a:solidFill>
                 <a:latin typeface="Arial"/>
               </a:rPr>
-              <a:t>Limited Knowledge Base</a:t>
+              <a:t>Firstly, it can enhance the shopping cart’s ability to personalise the customer’s journey.</a:t>
             </a:r>
             <a:endParaRPr b="0" lang="en-IN" sz="1800" spc="-1" strike="noStrike">
               <a:solidFill>
@@ -17335,24 +17176,42 @@
               <a:latin typeface="Arial"/>
             </a:endParaRPr>
           </a:p>
+        </p:txBody>
+      </p:sp>
+      <p:sp>
+        <p:nvSpPr>
+          <p:cNvPr id="248" name=""/>
+          <p:cNvSpPr/>
+          <p:nvPr/>
+        </p:nvSpPr>
+        <p:spPr>
+          <a:xfrm>
+            <a:off x="1440000" y="2592000"/>
+            <a:ext cx="7446960" cy="601920"/>
+          </a:xfrm>
+          <a:prstGeom prst="rect">
+            <a:avLst/>
+          </a:prstGeom>
+          <a:noFill/>
+          <a:ln w="0">
+            <a:noFill/>
+          </a:ln>
+        </p:spPr>
+        <p:style>
+          <a:lnRef idx="0"/>
+          <a:fillRef idx="0"/>
+          <a:effectRef idx="0"/>
+          <a:fontRef idx="minor"/>
+        </p:style>
+        <p:txBody>
+          <a:bodyPr lIns="90000" rIns="90000" tIns="45000" bIns="45000" anchor="t">
+            <a:noAutofit/>
+          </a:bodyPr>
           <a:p>
             <a:pPr marL="216000" indent="-216000">
-              <a:buClr>
-                <a:srgbClr val="ffffff"/>
-              </a:buClr>
-              <a:buSzPct val="45000"/>
-              <a:buFont typeface="Wingdings" charset="2"/>
-              <a:buChar char=""/>
-            </a:pPr>
-            <a:endParaRPr b="0" lang="en-IN" sz="1800" spc="-1" strike="noStrike">
-              <a:solidFill>
-                <a:srgbClr val="ffffff"/>
-              </a:solidFill>
-              <a:latin typeface="Arial"/>
-            </a:endParaRPr>
-          </a:p>
-          <a:p>
-            <a:pPr marL="216000" indent="-216000">
+              <a:lnSpc>
+                <a:spcPct val="100000"/>
+              </a:lnSpc>
               <a:buClr>
                 <a:srgbClr val="ffffff"/>
               </a:buClr>
@@ -17367,89 +17226,7 @@
                 </a:solidFill>
                 <a:latin typeface="Arial"/>
               </a:rPr>
-              <a:t>Inability to Initiate Conversations: </a:t>
-            </a:r>
-            <a:endParaRPr b="0" lang="en-IN" sz="1800" spc="-1" strike="noStrike">
-              <a:solidFill>
-                <a:srgbClr val="ffffff"/>
-              </a:solidFill>
-              <a:latin typeface="Arial"/>
-            </a:endParaRPr>
-          </a:p>
-          <a:p>
-            <a:pPr marL="216000" indent="-216000">
-              <a:buClr>
-                <a:srgbClr val="ffffff"/>
-              </a:buClr>
-              <a:buSzPct val="45000"/>
-              <a:buFont typeface="Wingdings" charset="2"/>
-              <a:buChar char=""/>
-            </a:pPr>
-            <a:endParaRPr b="0" lang="en-IN" sz="1800" spc="-1" strike="noStrike">
-              <a:solidFill>
-                <a:srgbClr val="ffffff"/>
-              </a:solidFill>
-              <a:latin typeface="Arial"/>
-            </a:endParaRPr>
-          </a:p>
-          <a:p>
-            <a:pPr marL="216000" indent="-216000">
-              <a:buClr>
-                <a:srgbClr val="ffffff"/>
-              </a:buClr>
-              <a:buSzPct val="45000"/>
-              <a:buFont typeface="Wingdings" charset="2"/>
-              <a:buChar char=""/>
-            </a:pPr>
-            <a:r>
-              <a:rPr b="0" lang="en-IN" sz="1800" spc="-1" strike="noStrike">
-                <a:solidFill>
-                  <a:srgbClr val="ffffff"/>
-                </a:solidFill>
-                <a:latin typeface="Arial"/>
-              </a:rPr>
-              <a:t>No Physical Interaction</a:t>
-            </a:r>
-            <a:endParaRPr b="0" lang="en-IN" sz="1800" spc="-1" strike="noStrike">
-              <a:solidFill>
-                <a:srgbClr val="ffffff"/>
-              </a:solidFill>
-              <a:latin typeface="Arial"/>
-            </a:endParaRPr>
-          </a:p>
-          <a:p>
-            <a:pPr marL="216000" indent="-216000">
-              <a:buClr>
-                <a:srgbClr val="ffffff"/>
-              </a:buClr>
-              <a:buSzPct val="45000"/>
-              <a:buFont typeface="Wingdings" charset="2"/>
-              <a:buChar char=""/>
-            </a:pPr>
-            <a:endParaRPr b="0" lang="en-IN" sz="1800" spc="-1" strike="noStrike">
-              <a:solidFill>
-                <a:srgbClr val="ffffff"/>
-              </a:solidFill>
-              <a:latin typeface="Arial"/>
-            </a:endParaRPr>
-          </a:p>
-          <a:p>
-            <a:pPr marL="216000" indent="-216000">
-              <a:buClr>
-                <a:srgbClr val="ffffff"/>
-              </a:buClr>
-              <a:buSzPct val="45000"/>
-              <a:buFont typeface="Wingdings" charset="2"/>
-              <a:buChar char=""/>
-            </a:pPr>
-            <a:r>
-              <a:rPr b="0" lang="en-IN" sz="1800" spc="-1" strike="noStrike">
-                <a:solidFill>
-                  <a:srgbClr val="ffffff"/>
-                </a:solidFill>
-                <a:latin typeface="Arial"/>
-              </a:rPr>
-              <a:t>Language Limitations</a:t>
+              <a:t>For example, AI can analyse the customer’s browsing and purchase history to suggest complementary products.</a:t>
             </a:r>
             <a:endParaRPr b="0" lang="en-IN" sz="1800" spc="-1" strike="noStrike">
               <a:solidFill>
@@ -17492,14 +17269,14 @@
       </p:grpSpPr>
       <p:sp>
         <p:nvSpPr>
-          <p:cNvPr id="252" name="Title 7"/>
+          <p:cNvPr id="249" name="PlaceHolder 6"/>
           <p:cNvSpPr/>
           <p:nvPr/>
         </p:nvSpPr>
         <p:spPr>
           <a:xfrm>
-            <a:off x="663120" y="69480"/>
-            <a:ext cx="8921160" cy="1009080"/>
+            <a:off x="663480" y="69840"/>
+            <a:ext cx="8920800" cy="1008720"/>
           </a:xfrm>
           <a:prstGeom prst="rect">
             <a:avLst/>
@@ -17520,25 +17297,45 @@
             <a:noAutofit/>
           </a:bodyPr>
           <a:p>
-            <a:endParaRPr b="0" lang="en-IN" sz="1800" spc="-1" strike="noStrike">
-              <a:solidFill>
-                <a:srgbClr val="ffffff"/>
-              </a:solidFill>
-              <a:latin typeface="Arial"/>
-            </a:endParaRPr>
-          </a:p>
-        </p:txBody>
-      </p:sp>
-      <p:sp>
-        <p:nvSpPr>
-          <p:cNvPr id="253" name="Title 8"/>
+            <a:pPr>
+              <a:lnSpc>
+                <a:spcPct val="100000"/>
+              </a:lnSpc>
+              <a:tabLst>
+                <a:tab algn="l" pos="0"/>
+              </a:tabLst>
+            </a:pPr>
+            <a:r>
+              <a:rPr b="1" lang="en-US" sz="3600" spc="-1" strike="noStrike">
+                <a:solidFill>
+                  <a:srgbClr val="ffffff"/>
+                </a:solidFill>
+                <a:highlight>
+                  <a:srgbClr val="ff0000"/>
+                </a:highlight>
+                <a:latin typeface="Calibri"/>
+              </a:rPr>
+              <a:t>B2B Payments</a:t>
+            </a:r>
+            <a:endParaRPr b="0" lang="en-IN" sz="3600" spc="-1" strike="noStrike">
+              <a:solidFill>
+                <a:srgbClr val="ffffff"/>
+              </a:solidFill>
+              <a:latin typeface="Arial"/>
+            </a:endParaRPr>
+          </a:p>
+        </p:txBody>
+      </p:sp>
+      <p:sp>
+        <p:nvSpPr>
+          <p:cNvPr id="250" name=""/>
           <p:cNvSpPr/>
           <p:nvPr/>
         </p:nvSpPr>
         <p:spPr>
           <a:xfrm>
-            <a:off x="3816000" y="2590920"/>
-            <a:ext cx="2576880" cy="1009080"/>
+            <a:off x="552960" y="1440000"/>
+            <a:ext cx="9346680" cy="1113840"/>
           </a:xfrm>
           <a:prstGeom prst="rect">
             <a:avLst/>
@@ -17555,34 +17352,149 @@
           <a:fontRef idx="minor"/>
         </p:style>
         <p:txBody>
-          <a:bodyPr lIns="90000" rIns="90000" tIns="45000" bIns="45000" anchor="ctr">
+          <a:bodyPr lIns="90000" rIns="90000" tIns="45000" bIns="45000" anchor="t">
             <a:noAutofit/>
           </a:bodyPr>
           <a:p>
-            <a:pPr>
+            <a:pPr marL="216000" indent="-216000">
               <a:lnSpc>
                 <a:spcPct val="100000"/>
               </a:lnSpc>
-            </a:pPr>
-            <a:r>
-              <a:rPr b="1" lang="en-US" sz="3600" spc="-1" strike="noStrike">
+              <a:buClr>
+                <a:srgbClr val="ffffff"/>
+              </a:buClr>
+              <a:buSzPct val="45000"/>
+              <a:buFont typeface="Wingdings" charset="2"/>
+              <a:buChar char=""/>
+            </a:pPr>
+            <a:r>
+              <a:rPr b="0" lang="en-IN" sz="1800" spc="-1" strike="noStrike">
                 <a:solidFill>
                   <a:srgbClr val="ffffff"/>
                 </a:solidFill>
-                <a:highlight>
-                  <a:srgbClr val="650953"/>
-                </a:highlight>
-                <a:latin typeface="Calibri"/>
+                <a:latin typeface="Arial"/>
               </a:rPr>
-              <a:t>Questions??</a:t>
-            </a:r>
-            <a:endParaRPr b="0" lang="en-IN" sz="3600" spc="-1" strike="noStrike">
-              <a:solidFill>
-                <a:srgbClr val="ffffff"/>
-              </a:solidFill>
-              <a:highlight>
-                <a:srgbClr val="650953"/>
-              </a:highlight>
+              <a:t>AI-powered invoice processing can automate the manual process of data entry, reduce errors, and speed up the payment process. AI can also improve payment reconciliation by automatically matching incoming payments with outstanding invoices, reducing the need for manual intervention. </a:t>
+            </a:r>
+            <a:endParaRPr b="0" lang="en-IN" sz="1800" spc="-1" strike="noStrike">
+              <a:solidFill>
+                <a:srgbClr val="ffffff"/>
+              </a:solidFill>
+              <a:latin typeface="Arial"/>
+            </a:endParaRPr>
+          </a:p>
+        </p:txBody>
+      </p:sp>
+      <p:sp>
+        <p:nvSpPr>
+          <p:cNvPr id="251" name=""/>
+          <p:cNvSpPr/>
+          <p:nvPr/>
+        </p:nvSpPr>
+        <p:spPr>
+          <a:xfrm>
+            <a:off x="540000" y="2736000"/>
+            <a:ext cx="8819640" cy="1259640"/>
+          </a:xfrm>
+          <a:prstGeom prst="rect">
+            <a:avLst/>
+          </a:prstGeom>
+          <a:noFill/>
+          <a:ln w="0">
+            <a:noFill/>
+          </a:ln>
+        </p:spPr>
+        <p:style>
+          <a:lnRef idx="0"/>
+          <a:fillRef idx="0"/>
+          <a:effectRef idx="0"/>
+          <a:fontRef idx="minor"/>
+        </p:style>
+        <p:txBody>
+          <a:bodyPr lIns="90000" rIns="90000" tIns="45000" bIns="45000" anchor="t">
+            <a:noAutofit/>
+          </a:bodyPr>
+          <a:p>
+            <a:pPr marL="216000" indent="-216000">
+              <a:lnSpc>
+                <a:spcPct val="100000"/>
+              </a:lnSpc>
+              <a:buClr>
+                <a:srgbClr val="ffffff"/>
+              </a:buClr>
+              <a:buSzPct val="45000"/>
+              <a:buFont typeface="Wingdings" charset="2"/>
+              <a:buChar char=""/>
+            </a:pPr>
+            <a:r>
+              <a:rPr b="0" lang="en-IN" sz="1800" spc="-1" strike="noStrike">
+                <a:solidFill>
+                  <a:srgbClr val="ffffff"/>
+                </a:solidFill>
+                <a:latin typeface="Arial"/>
+              </a:rPr>
+              <a:t>AI can help to identify potential payment delays. Such as disputes or other issues, allowing businesses to take proactive measures to resolve them. This not only</a:t>
+            </a:r>
+            <a:endParaRPr b="0" lang="en-IN" sz="1800" spc="-1" strike="noStrike">
+              <a:solidFill>
+                <a:srgbClr val="ffffff"/>
+              </a:solidFill>
+              <a:latin typeface="Arial"/>
+            </a:endParaRPr>
+          </a:p>
+          <a:p>
+            <a:pPr marL="216000" indent="-216000">
+              <a:lnSpc>
+                <a:spcPct val="100000"/>
+              </a:lnSpc>
+              <a:buClr>
+                <a:srgbClr val="ffffff"/>
+              </a:buClr>
+              <a:buSzPct val="45000"/>
+              <a:buFont typeface="Wingdings" charset="2"/>
+              <a:buChar char=""/>
+            </a:pPr>
+            <a:r>
+              <a:rPr b="0" lang="en-IN" sz="1800" spc="-1" strike="noStrike">
+                <a:solidFill>
+                  <a:srgbClr val="ffffff"/>
+                </a:solidFill>
+                <a:latin typeface="Arial"/>
+              </a:rPr>
+              <a:t>Speeds up the payment process but also improves the accuracy of payment data. </a:t>
+            </a:r>
+            <a:endParaRPr b="0" lang="en-IN" sz="1800" spc="-1" strike="noStrike">
+              <a:solidFill>
+                <a:srgbClr val="ffffff"/>
+              </a:solidFill>
+              <a:latin typeface="Arial"/>
+            </a:endParaRPr>
+          </a:p>
+          <a:p>
+            <a:pPr marL="216000" indent="-216000">
+              <a:lnSpc>
+                <a:spcPct val="100000"/>
+              </a:lnSpc>
+              <a:buClr>
+                <a:srgbClr val="ffffff"/>
+              </a:buClr>
+              <a:buSzPct val="45000"/>
+              <a:buFont typeface="Wingdings" charset="2"/>
+              <a:buChar char=""/>
+            </a:pPr>
+            <a:r>
+              <a:rPr b="0" lang="en-IN" sz="1800" spc="-1" strike="noStrike">
+                <a:solidFill>
+                  <a:srgbClr val="ffffff"/>
+                </a:solidFill>
+                <a:latin typeface="Arial"/>
+              </a:rPr>
+              <a:t>It helps to establish stronger business relationships.</a:t>
+            </a:r>
+            <a:endParaRPr b="0" lang="en-IN" sz="1800" spc="-1" strike="noStrike">
+              <a:solidFill>
+                <a:srgbClr val="ffffff"/>
+              </a:solidFill>
               <a:latin typeface="Arial"/>
             </a:endParaRPr>
           </a:p>
@@ -17620,14 +17532,983 @@
       </p:grpSpPr>
       <p:sp>
         <p:nvSpPr>
-          <p:cNvPr id="254" name="Title 9"/>
+          <p:cNvPr id="252" name="PlaceHolder 7"/>
           <p:cNvSpPr/>
           <p:nvPr/>
         </p:nvSpPr>
         <p:spPr>
           <a:xfrm>
+            <a:off x="360000" y="0"/>
+            <a:ext cx="9596160" cy="1008720"/>
+          </a:xfrm>
+          <a:prstGeom prst="rect">
+            <a:avLst/>
+          </a:prstGeom>
+          <a:noFill/>
+          <a:ln w="0">
+            <a:noFill/>
+          </a:ln>
+        </p:spPr>
+        <p:style>
+          <a:lnRef idx="0"/>
+          <a:fillRef idx="0"/>
+          <a:effectRef idx="0"/>
+          <a:fontRef idx="minor"/>
+        </p:style>
+        <p:txBody>
+          <a:bodyPr lIns="90000" rIns="90000" tIns="45000" bIns="45000" anchor="ctr">
+            <a:noAutofit/>
+          </a:bodyPr>
+          <a:p>
+            <a:pPr>
+              <a:lnSpc>
+                <a:spcPct val="100000"/>
+              </a:lnSpc>
+              <a:tabLst>
+                <a:tab algn="l" pos="0"/>
+              </a:tabLst>
+            </a:pPr>
+            <a:r>
+              <a:rPr b="1" lang="en-US" sz="3600" spc="-1" strike="noStrike">
+                <a:solidFill>
+                  <a:srgbClr val="ffffff"/>
+                </a:solidFill>
+                <a:highlight>
+                  <a:srgbClr val="ff0000"/>
+                </a:highlight>
+                <a:latin typeface="Calibri"/>
+              </a:rPr>
+              <a:t>Use Cases For ChatGPT In The Banking Industry</a:t>
+            </a:r>
+            <a:endParaRPr b="0" lang="en-IN" sz="3600" spc="-1" strike="noStrike">
+              <a:solidFill>
+                <a:srgbClr val="ffffff"/>
+              </a:solidFill>
+              <a:latin typeface="Arial"/>
+            </a:endParaRPr>
+          </a:p>
+        </p:txBody>
+      </p:sp>
+      <p:sp>
+        <p:nvSpPr>
+          <p:cNvPr id="253" name=""/>
+          <p:cNvSpPr/>
+          <p:nvPr/>
+        </p:nvSpPr>
+        <p:spPr>
+          <a:xfrm>
+            <a:off x="540000" y="1440000"/>
+            <a:ext cx="9359640" cy="3929400"/>
+          </a:xfrm>
+          <a:prstGeom prst="rect">
+            <a:avLst/>
+          </a:prstGeom>
+          <a:noFill/>
+          <a:ln w="0">
+            <a:noFill/>
+          </a:ln>
+        </p:spPr>
+        <p:style>
+          <a:lnRef idx="0"/>
+          <a:fillRef idx="0"/>
+          <a:effectRef idx="0"/>
+          <a:fontRef idx="minor"/>
+        </p:style>
+        <p:txBody>
+          <a:bodyPr lIns="90000" rIns="90000" tIns="45000" bIns="45000" anchor="t">
+            <a:noAutofit/>
+          </a:bodyPr>
+          <a:p>
+            <a:pPr marL="216000" indent="-216000">
+              <a:lnSpc>
+                <a:spcPct val="100000"/>
+              </a:lnSpc>
+              <a:buClr>
+                <a:srgbClr val="ffffff"/>
+              </a:buClr>
+              <a:buSzPct val="45000"/>
+              <a:buFont typeface="Wingdings" charset="2"/>
+              <a:buChar char=""/>
+            </a:pPr>
+            <a:r>
+              <a:rPr b="0" lang="en-IN" sz="1800" spc="-1" strike="noStrike">
+                <a:solidFill>
+                  <a:srgbClr val="ffffff"/>
+                </a:solidFill>
+                <a:latin typeface="Arial"/>
+              </a:rPr>
+              <a:t>Virtual Assistants for Banking</a:t>
+            </a:r>
+            <a:endParaRPr b="0" lang="en-IN" sz="1800" spc="-1" strike="noStrike">
+              <a:solidFill>
+                <a:srgbClr val="ffffff"/>
+              </a:solidFill>
+              <a:latin typeface="Arial"/>
+            </a:endParaRPr>
+          </a:p>
+          <a:p>
+            <a:pPr>
+              <a:lnSpc>
+                <a:spcPct val="100000"/>
+              </a:lnSpc>
+            </a:pPr>
+            <a:endParaRPr b="0" lang="en-IN" sz="1800" spc="-1" strike="noStrike">
+              <a:solidFill>
+                <a:srgbClr val="ffffff"/>
+              </a:solidFill>
+              <a:latin typeface="Arial"/>
+            </a:endParaRPr>
+          </a:p>
+          <a:p>
+            <a:pPr marL="216000" indent="-216000">
+              <a:lnSpc>
+                <a:spcPct val="100000"/>
+              </a:lnSpc>
+              <a:buClr>
+                <a:srgbClr val="ffffff"/>
+              </a:buClr>
+              <a:buSzPct val="45000"/>
+              <a:buFont typeface="Wingdings" charset="2"/>
+              <a:buChar char=""/>
+            </a:pPr>
+            <a:r>
+              <a:rPr b="0" lang="en-IN" sz="1800" spc="-1" strike="noStrike">
+                <a:solidFill>
+                  <a:srgbClr val="ffffff"/>
+                </a:solidFill>
+                <a:latin typeface="Arial"/>
+              </a:rPr>
+              <a:t>Risk Management</a:t>
+            </a:r>
+            <a:endParaRPr b="0" lang="en-IN" sz="1800" spc="-1" strike="noStrike">
+              <a:solidFill>
+                <a:srgbClr val="ffffff"/>
+              </a:solidFill>
+              <a:latin typeface="Arial"/>
+            </a:endParaRPr>
+          </a:p>
+          <a:p>
+            <a:pPr>
+              <a:lnSpc>
+                <a:spcPct val="100000"/>
+              </a:lnSpc>
+            </a:pPr>
+            <a:endParaRPr b="0" lang="en-IN" sz="1800" spc="-1" strike="noStrike">
+              <a:solidFill>
+                <a:srgbClr val="ffffff"/>
+              </a:solidFill>
+              <a:latin typeface="Arial"/>
+            </a:endParaRPr>
+          </a:p>
+          <a:p>
+            <a:pPr marL="216000" indent="-216000">
+              <a:lnSpc>
+                <a:spcPct val="100000"/>
+              </a:lnSpc>
+              <a:buClr>
+                <a:srgbClr val="ffffff"/>
+              </a:buClr>
+              <a:buSzPct val="45000"/>
+              <a:buFont typeface="Wingdings" charset="2"/>
+              <a:buChar char=""/>
+            </a:pPr>
+            <a:r>
+              <a:rPr b="0" lang="en-IN" sz="1800" spc="-1" strike="noStrike">
+                <a:solidFill>
+                  <a:srgbClr val="ffffff"/>
+                </a:solidFill>
+                <a:latin typeface="Arial"/>
+              </a:rPr>
+              <a:t>Customer Onboarding</a:t>
+            </a:r>
+            <a:endParaRPr b="0" lang="en-IN" sz="1800" spc="-1" strike="noStrike">
+              <a:solidFill>
+                <a:srgbClr val="ffffff"/>
+              </a:solidFill>
+              <a:latin typeface="Arial"/>
+            </a:endParaRPr>
+          </a:p>
+          <a:p>
+            <a:pPr>
+              <a:lnSpc>
+                <a:spcPct val="100000"/>
+              </a:lnSpc>
+            </a:pPr>
+            <a:endParaRPr b="0" lang="en-IN" sz="1800" spc="-1" strike="noStrike">
+              <a:solidFill>
+                <a:srgbClr val="ffffff"/>
+              </a:solidFill>
+              <a:latin typeface="Arial"/>
+            </a:endParaRPr>
+          </a:p>
+          <a:p>
+            <a:pPr marL="216000" indent="-216000">
+              <a:lnSpc>
+                <a:spcPct val="100000"/>
+              </a:lnSpc>
+              <a:buClr>
+                <a:srgbClr val="ffffff"/>
+              </a:buClr>
+              <a:buSzPct val="45000"/>
+              <a:buFont typeface="Wingdings" charset="2"/>
+              <a:buChar char=""/>
+            </a:pPr>
+            <a:r>
+              <a:rPr b="0" lang="en-IN" sz="1800" spc="-1" strike="noStrike">
+                <a:solidFill>
+                  <a:srgbClr val="ffffff"/>
+                </a:solidFill>
+                <a:latin typeface="Arial"/>
+              </a:rPr>
+              <a:t>Know Your Customer (KYC) and Anti-Money Laundering (AML)</a:t>
+            </a:r>
+            <a:endParaRPr b="0" lang="en-IN" sz="1800" spc="-1" strike="noStrike">
+              <a:solidFill>
+                <a:srgbClr val="ffffff"/>
+              </a:solidFill>
+              <a:latin typeface="Arial"/>
+            </a:endParaRPr>
+          </a:p>
+          <a:p>
+            <a:pPr>
+              <a:lnSpc>
+                <a:spcPct val="100000"/>
+              </a:lnSpc>
+            </a:pPr>
+            <a:endParaRPr b="0" lang="en-IN" sz="1800" spc="-1" strike="noStrike">
+              <a:solidFill>
+                <a:srgbClr val="ffffff"/>
+              </a:solidFill>
+              <a:latin typeface="Arial"/>
+            </a:endParaRPr>
+          </a:p>
+          <a:p>
+            <a:pPr marL="216000" indent="-216000">
+              <a:lnSpc>
+                <a:spcPct val="100000"/>
+              </a:lnSpc>
+              <a:buClr>
+                <a:srgbClr val="ffffff"/>
+              </a:buClr>
+              <a:buSzPct val="45000"/>
+              <a:buFont typeface="Wingdings" charset="2"/>
+              <a:buChar char=""/>
+            </a:pPr>
+            <a:r>
+              <a:rPr b="0" lang="en-IN" sz="1800" spc="-1" strike="noStrike">
+                <a:solidFill>
+                  <a:srgbClr val="ffffff"/>
+                </a:solidFill>
+                <a:latin typeface="Arial"/>
+              </a:rPr>
+              <a:t>Financial Planning</a:t>
+            </a:r>
+            <a:endParaRPr b="0" lang="en-IN" sz="1800" spc="-1" strike="noStrike">
+              <a:solidFill>
+                <a:srgbClr val="ffffff"/>
+              </a:solidFill>
+              <a:latin typeface="Arial"/>
+            </a:endParaRPr>
+          </a:p>
+          <a:p>
+            <a:pPr>
+              <a:lnSpc>
+                <a:spcPct val="100000"/>
+              </a:lnSpc>
+            </a:pPr>
+            <a:endParaRPr b="0" lang="en-IN" sz="1800" spc="-1" strike="noStrike">
+              <a:solidFill>
+                <a:srgbClr val="ffffff"/>
+              </a:solidFill>
+              <a:latin typeface="Arial"/>
+            </a:endParaRPr>
+          </a:p>
+          <a:p>
+            <a:pPr marL="216000" indent="-216000">
+              <a:lnSpc>
+                <a:spcPct val="100000"/>
+              </a:lnSpc>
+              <a:buClr>
+                <a:srgbClr val="ffffff"/>
+              </a:buClr>
+              <a:buSzPct val="45000"/>
+              <a:buFont typeface="Wingdings" charset="2"/>
+              <a:buChar char=""/>
+            </a:pPr>
+            <a:r>
+              <a:rPr b="0" lang="en-IN" sz="1800" spc="-1" strike="noStrike">
+                <a:solidFill>
+                  <a:srgbClr val="ffffff"/>
+                </a:solidFill>
+                <a:latin typeface="Arial"/>
+              </a:rPr>
+              <a:t>Wealth Management</a:t>
+            </a:r>
+            <a:endParaRPr b="0" lang="en-IN" sz="1800" spc="-1" strike="noStrike">
+              <a:solidFill>
+                <a:srgbClr val="ffffff"/>
+              </a:solidFill>
+              <a:latin typeface="Arial"/>
+            </a:endParaRPr>
+          </a:p>
+          <a:p>
+            <a:pPr>
+              <a:lnSpc>
+                <a:spcPct val="100000"/>
+              </a:lnSpc>
+            </a:pPr>
+            <a:endParaRPr b="0" lang="en-IN" sz="1800" spc="-1" strike="noStrike">
+              <a:solidFill>
+                <a:srgbClr val="ffffff"/>
+              </a:solidFill>
+              <a:latin typeface="Arial"/>
+            </a:endParaRPr>
+          </a:p>
+          <a:p>
+            <a:pPr marL="216000" indent="-216000">
+              <a:lnSpc>
+                <a:spcPct val="100000"/>
+              </a:lnSpc>
+              <a:buClr>
+                <a:srgbClr val="ffffff"/>
+              </a:buClr>
+              <a:buSzPct val="45000"/>
+              <a:buFont typeface="Wingdings" charset="2"/>
+              <a:buChar char=""/>
+            </a:pPr>
+            <a:r>
+              <a:rPr b="0" lang="en-IN" sz="1800" spc="-1" strike="noStrike">
+                <a:solidFill>
+                  <a:srgbClr val="ffffff"/>
+                </a:solidFill>
+                <a:latin typeface="Arial"/>
+              </a:rPr>
+              <a:t>Loan Origination</a:t>
+            </a:r>
+            <a:endParaRPr b="0" lang="en-IN" sz="1800" spc="-1" strike="noStrike">
+              <a:solidFill>
+                <a:srgbClr val="ffffff"/>
+              </a:solidFill>
+              <a:latin typeface="Arial"/>
+            </a:endParaRPr>
+          </a:p>
+          <a:p>
+            <a:pPr>
+              <a:lnSpc>
+                <a:spcPct val="100000"/>
+              </a:lnSpc>
+            </a:pPr>
+            <a:endParaRPr b="0" lang="en-IN" sz="1800" spc="-1" strike="noStrike">
+              <a:solidFill>
+                <a:srgbClr val="ffffff"/>
+              </a:solidFill>
+              <a:latin typeface="Arial"/>
+            </a:endParaRPr>
+          </a:p>
+          <a:p>
+            <a:pPr marL="216000" indent="-216000">
+              <a:lnSpc>
+                <a:spcPct val="100000"/>
+              </a:lnSpc>
+              <a:buClr>
+                <a:srgbClr val="ffffff"/>
+              </a:buClr>
+              <a:buSzPct val="45000"/>
+              <a:buFont typeface="Wingdings" charset="2"/>
+              <a:buChar char=""/>
+            </a:pPr>
+            <a:r>
+              <a:rPr b="0" lang="en-IN" sz="1800" spc="-1" strike="noStrike">
+                <a:solidFill>
+                  <a:srgbClr val="ffffff"/>
+                </a:solidFill>
+                <a:latin typeface="Arial"/>
+              </a:rPr>
+              <a:t>Customer Service</a:t>
+            </a:r>
+            <a:endParaRPr b="0" lang="en-IN" sz="1800" spc="-1" strike="noStrike">
+              <a:solidFill>
+                <a:srgbClr val="ffffff"/>
+              </a:solidFill>
+              <a:latin typeface="Arial"/>
+            </a:endParaRPr>
+          </a:p>
+        </p:txBody>
+      </p:sp>
+    </p:spTree>
+  </p:cSld>
+  <mc:AlternateContent>
+    <mc:Choice Requires="p14">
+      <p:transition spd="slow" p14:dur="2000"/>
+    </mc:Choice>
+    <mc:Fallback>
+      <p:transition spd="slow"/>
+    </mc:Fallback>
+  </mc:AlternateContent>
+</p:sld>
+</file>
+
+<file path=ppt/slides/slide16.xml><?xml version="1.0" encoding="utf-8"?>
+<p:sld xmlns:a="http://schemas.openxmlformats.org/drawingml/2006/main" xmlns:p="http://schemas.openxmlformats.org/presentationml/2006/main" xmlns:r="http://schemas.openxmlformats.org/officeDocument/2006/relationships" xmlns:p14="http://schemas.microsoft.com/office/powerpoint/2010/main" xmlns:p15="http://schemas.microsoft.com/office/powerpoint/2012/main" xmlns:mc="http://schemas.openxmlformats.org/markup-compatibility/2006">
+  <p:cSld>
+    <p:spTree>
+      <p:nvGrpSpPr>
+        <p:cNvPr id="1" name=""/>
+        <p:cNvGrpSpPr/>
+        <p:nvPr/>
+      </p:nvGrpSpPr>
+      <p:grpSpPr>
+        <a:xfrm>
+          <a:off x="0" y="0"/>
+          <a:ext cx="0" cy="0"/>
+          <a:chOff x="0" y="0"/>
+          <a:chExt cx="0" cy="0"/>
+        </a:xfrm>
+      </p:grpSpPr>
+      <p:sp>
+        <p:nvSpPr>
+          <p:cNvPr id="254" name="Title 1"/>
+          <p:cNvSpPr/>
+          <p:nvPr/>
+        </p:nvSpPr>
+        <p:spPr>
+          <a:xfrm>
+            <a:off x="663120" y="69480"/>
+            <a:ext cx="8920800" cy="1008720"/>
+          </a:xfrm>
+          <a:prstGeom prst="rect">
+            <a:avLst/>
+          </a:prstGeom>
+          <a:noFill/>
+          <a:ln w="0">
+            <a:noFill/>
+          </a:ln>
+        </p:spPr>
+        <p:style>
+          <a:lnRef idx="0"/>
+          <a:fillRef idx="0"/>
+          <a:effectRef idx="0"/>
+          <a:fontRef idx="minor"/>
+        </p:style>
+        <p:txBody>
+          <a:bodyPr lIns="90000" rIns="90000" tIns="45000" bIns="45000" anchor="ctr">
+            <a:noAutofit/>
+          </a:bodyPr>
+          <a:p>
+            <a:pPr>
+              <a:lnSpc>
+                <a:spcPct val="100000"/>
+              </a:lnSpc>
+            </a:pPr>
+            <a:r>
+              <a:rPr b="1" lang="en-US" sz="3600" spc="-1" strike="noStrike">
+                <a:solidFill>
+                  <a:srgbClr val="ffffff"/>
+                </a:solidFill>
+                <a:highlight>
+                  <a:srgbClr val="ff0000"/>
+                </a:highlight>
+                <a:latin typeface="Calibri"/>
+                <a:ea typeface="DejaVu Sans"/>
+              </a:rPr>
+              <a:t>What are the Challenges of Using ChatGPT in Payments?</a:t>
+            </a:r>
+            <a:endParaRPr b="0" lang="en-IN" sz="3600" spc="-1" strike="noStrike">
+              <a:solidFill>
+                <a:srgbClr val="ffffff"/>
+              </a:solidFill>
+              <a:latin typeface="Arial"/>
+            </a:endParaRPr>
+          </a:p>
+        </p:txBody>
+      </p:sp>
+      <p:sp>
+        <p:nvSpPr>
+          <p:cNvPr id="255" name="Title 3"/>
+          <p:cNvSpPr/>
+          <p:nvPr/>
+        </p:nvSpPr>
+        <p:spPr>
+          <a:xfrm>
+            <a:off x="663120" y="69480"/>
+            <a:ext cx="8920800" cy="1008720"/>
+          </a:xfrm>
+          <a:prstGeom prst="rect">
+            <a:avLst/>
+          </a:prstGeom>
+          <a:noFill/>
+          <a:ln w="0">
+            <a:noFill/>
+          </a:ln>
+        </p:spPr>
+        <p:style>
+          <a:lnRef idx="0"/>
+          <a:fillRef idx="0"/>
+          <a:effectRef idx="0"/>
+          <a:fontRef idx="minor"/>
+        </p:style>
+        <p:txBody>
+          <a:bodyPr lIns="90000" rIns="90000" tIns="45000" bIns="45000" anchor="ctr">
+            <a:noAutofit/>
+          </a:bodyPr>
+          <a:p>
+            <a:pPr>
+              <a:lnSpc>
+                <a:spcPct val="100000"/>
+              </a:lnSpc>
+            </a:pPr>
+            <a:endParaRPr b="0" lang="en-IN" sz="1800" spc="-1" strike="noStrike">
+              <a:solidFill>
+                <a:srgbClr val="ffffff"/>
+              </a:solidFill>
+              <a:latin typeface="Arial"/>
+              <a:ea typeface="DejaVu Sans"/>
+            </a:endParaRPr>
+          </a:p>
+        </p:txBody>
+      </p:sp>
+      <p:sp>
+        <p:nvSpPr>
+          <p:cNvPr id="256" name=""/>
+          <p:cNvSpPr/>
+          <p:nvPr/>
+        </p:nvSpPr>
+        <p:spPr>
+          <a:xfrm>
+            <a:off x="1231200" y="1926000"/>
+            <a:ext cx="3808440" cy="2393640"/>
+          </a:xfrm>
+          <a:prstGeom prst="rect">
+            <a:avLst/>
+          </a:prstGeom>
+          <a:noFill/>
+          <a:ln w="0">
+            <a:noFill/>
+          </a:ln>
+        </p:spPr>
+        <p:style>
+          <a:lnRef idx="0"/>
+          <a:fillRef idx="0"/>
+          <a:effectRef idx="0"/>
+          <a:fontRef idx="minor"/>
+        </p:style>
+        <p:txBody>
+          <a:bodyPr lIns="90000" rIns="90000" tIns="45000" bIns="45000" anchor="t">
+            <a:noAutofit/>
+          </a:bodyPr>
+          <a:p>
+            <a:pPr marL="216000" indent="-216000">
+              <a:lnSpc>
+                <a:spcPct val="100000"/>
+              </a:lnSpc>
+              <a:buClr>
+                <a:srgbClr val="ffffff"/>
+              </a:buClr>
+              <a:buSzPct val="45000"/>
+              <a:buFont typeface="Wingdings" charset="2"/>
+              <a:buChar char=""/>
+            </a:pPr>
+            <a:r>
+              <a:rPr b="0" lang="en-IN" sz="1800" spc="-1" strike="noStrike">
+                <a:solidFill>
+                  <a:srgbClr val="ffffff"/>
+                </a:solidFill>
+                <a:latin typeface="Arial"/>
+              </a:rPr>
+              <a:t>Data Privacy and Security</a:t>
+            </a:r>
+            <a:endParaRPr b="0" lang="en-IN" sz="1800" spc="-1" strike="noStrike">
+              <a:solidFill>
+                <a:srgbClr val="ffffff"/>
+              </a:solidFill>
+              <a:latin typeface="Arial"/>
+            </a:endParaRPr>
+          </a:p>
+          <a:p>
+            <a:pPr>
+              <a:lnSpc>
+                <a:spcPct val="100000"/>
+              </a:lnSpc>
+            </a:pPr>
+            <a:endParaRPr b="0" lang="en-IN" sz="1800" spc="-1" strike="noStrike">
+              <a:solidFill>
+                <a:srgbClr val="ffffff"/>
+              </a:solidFill>
+              <a:latin typeface="Arial"/>
+            </a:endParaRPr>
+          </a:p>
+          <a:p>
+            <a:pPr marL="216000" indent="-216000">
+              <a:lnSpc>
+                <a:spcPct val="100000"/>
+              </a:lnSpc>
+              <a:buClr>
+                <a:srgbClr val="ffffff"/>
+              </a:buClr>
+              <a:buSzPct val="45000"/>
+              <a:buFont typeface="Wingdings" charset="2"/>
+              <a:buChar char=""/>
+            </a:pPr>
+            <a:r>
+              <a:rPr b="0" lang="en-IN" sz="1800" spc="-1" strike="noStrike">
+                <a:solidFill>
+                  <a:srgbClr val="ffffff"/>
+                </a:solidFill>
+                <a:latin typeface="Arial"/>
+              </a:rPr>
+              <a:t>Accuracy and Trustworthiness</a:t>
+            </a:r>
+            <a:endParaRPr b="0" lang="en-IN" sz="1800" spc="-1" strike="noStrike">
+              <a:solidFill>
+                <a:srgbClr val="ffffff"/>
+              </a:solidFill>
+              <a:latin typeface="Arial"/>
+            </a:endParaRPr>
+          </a:p>
+          <a:p>
+            <a:pPr>
+              <a:lnSpc>
+                <a:spcPct val="100000"/>
+              </a:lnSpc>
+            </a:pPr>
+            <a:endParaRPr b="0" lang="en-IN" sz="1800" spc="-1" strike="noStrike">
+              <a:solidFill>
+                <a:srgbClr val="ffffff"/>
+              </a:solidFill>
+              <a:latin typeface="Arial"/>
+            </a:endParaRPr>
+          </a:p>
+          <a:p>
+            <a:pPr marL="216000" indent="-216000">
+              <a:lnSpc>
+                <a:spcPct val="100000"/>
+              </a:lnSpc>
+              <a:buClr>
+                <a:srgbClr val="ffffff"/>
+              </a:buClr>
+              <a:buSzPct val="45000"/>
+              <a:buFont typeface="Wingdings" charset="2"/>
+              <a:buChar char=""/>
+            </a:pPr>
+            <a:r>
+              <a:rPr b="0" lang="en-IN" sz="1800" spc="-1" strike="noStrike">
+                <a:solidFill>
+                  <a:srgbClr val="ffffff"/>
+                </a:solidFill>
+                <a:latin typeface="Arial"/>
+              </a:rPr>
+              <a:t>Regulatory Compliance </a:t>
+            </a:r>
+            <a:endParaRPr b="0" lang="en-IN" sz="1800" spc="-1" strike="noStrike">
+              <a:solidFill>
+                <a:srgbClr val="ffffff"/>
+              </a:solidFill>
+              <a:latin typeface="Arial"/>
+            </a:endParaRPr>
+          </a:p>
+          <a:p>
+            <a:pPr>
+              <a:lnSpc>
+                <a:spcPct val="100000"/>
+              </a:lnSpc>
+            </a:pPr>
+            <a:endParaRPr b="0" lang="en-IN" sz="1800" spc="-1" strike="noStrike">
+              <a:solidFill>
+                <a:srgbClr val="ffffff"/>
+              </a:solidFill>
+              <a:latin typeface="Arial"/>
+            </a:endParaRPr>
+          </a:p>
+          <a:p>
+            <a:pPr marL="216000" indent="-216000">
+              <a:lnSpc>
+                <a:spcPct val="100000"/>
+              </a:lnSpc>
+              <a:buClr>
+                <a:srgbClr val="ffffff"/>
+              </a:buClr>
+              <a:buSzPct val="45000"/>
+              <a:buFont typeface="Wingdings" charset="2"/>
+              <a:buChar char=""/>
+            </a:pPr>
+            <a:r>
+              <a:rPr b="0" lang="en-IN" sz="1800" spc="-1" strike="noStrike">
+                <a:solidFill>
+                  <a:srgbClr val="ffffff"/>
+                </a:solidFill>
+                <a:latin typeface="Arial"/>
+              </a:rPr>
+              <a:t>Integration with Existing Systems</a:t>
+            </a:r>
+            <a:endParaRPr b="0" lang="en-IN" sz="1800" spc="-1" strike="noStrike">
+              <a:solidFill>
+                <a:srgbClr val="ffffff"/>
+              </a:solidFill>
+              <a:latin typeface="Arial"/>
+            </a:endParaRPr>
+          </a:p>
+          <a:p>
+            <a:pPr>
+              <a:lnSpc>
+                <a:spcPct val="100000"/>
+              </a:lnSpc>
+            </a:pPr>
+            <a:endParaRPr b="0" lang="en-IN" sz="1800" spc="-1" strike="noStrike">
+              <a:solidFill>
+                <a:srgbClr val="ffffff"/>
+              </a:solidFill>
+              <a:latin typeface="Arial"/>
+            </a:endParaRPr>
+          </a:p>
+          <a:p>
+            <a:pPr marL="216000" indent="-216000">
+              <a:lnSpc>
+                <a:spcPct val="100000"/>
+              </a:lnSpc>
+              <a:buClr>
+                <a:srgbClr val="ffffff"/>
+              </a:buClr>
+              <a:buSzPct val="45000"/>
+              <a:buFont typeface="Wingdings" charset="2"/>
+              <a:buChar char=""/>
+            </a:pPr>
+            <a:r>
+              <a:rPr b="0" lang="en-IN" sz="1800" spc="-1" strike="noStrike">
+                <a:solidFill>
+                  <a:srgbClr val="ffffff"/>
+                </a:solidFill>
+                <a:latin typeface="Arial"/>
+              </a:rPr>
+              <a:t>Language Limitations</a:t>
+            </a:r>
+            <a:endParaRPr b="0" lang="en-IN" sz="1800" spc="-1" strike="noStrike">
+              <a:solidFill>
+                <a:srgbClr val="ffffff"/>
+              </a:solidFill>
+              <a:latin typeface="Arial"/>
+            </a:endParaRPr>
+          </a:p>
+          <a:p>
+            <a:pPr marL="216000" indent="-216000">
+              <a:lnSpc>
+                <a:spcPct val="100000"/>
+              </a:lnSpc>
+              <a:buClr>
+                <a:srgbClr val="ffffff"/>
+              </a:buClr>
+              <a:buSzPct val="45000"/>
+              <a:buFont typeface="Wingdings" charset="2"/>
+              <a:buChar char=""/>
+            </a:pPr>
+            <a:endParaRPr b="0" lang="en-IN" sz="1800" spc="-1" strike="noStrike">
+              <a:solidFill>
+                <a:srgbClr val="ffffff"/>
+              </a:solidFill>
+              <a:latin typeface="Arial"/>
+            </a:endParaRPr>
+          </a:p>
+          <a:p>
+            <a:pPr marL="216000" indent="-216000">
+              <a:lnSpc>
+                <a:spcPct val="100000"/>
+              </a:lnSpc>
+              <a:buClr>
+                <a:srgbClr val="ffffff"/>
+              </a:buClr>
+              <a:buSzPct val="45000"/>
+              <a:buFont typeface="Wingdings" charset="2"/>
+              <a:buChar char=""/>
+            </a:pPr>
+            <a:r>
+              <a:rPr b="0" lang="en-IN" sz="1800" spc="-1" strike="noStrike">
+                <a:solidFill>
+                  <a:srgbClr val="ffffff"/>
+                </a:solidFill>
+                <a:latin typeface="Arial"/>
+              </a:rPr>
+              <a:t>User Acceptance and Adoption</a:t>
+            </a:r>
+            <a:endParaRPr b="0" lang="en-IN" sz="1800" spc="-1" strike="noStrike">
+              <a:solidFill>
+                <a:srgbClr val="ffffff"/>
+              </a:solidFill>
+              <a:latin typeface="Arial"/>
+            </a:endParaRPr>
+          </a:p>
+        </p:txBody>
+      </p:sp>
+    </p:spTree>
+  </p:cSld>
+  <mc:AlternateContent>
+    <mc:Choice Requires="p14">
+      <p:transition spd="slow" p14:dur="2000"/>
+    </mc:Choice>
+    <mc:Fallback>
+      <p:transition spd="slow"/>
+    </mc:Fallback>
+  </mc:AlternateContent>
+</p:sld>
+</file>
+
+<file path=ppt/slides/slide17.xml><?xml version="1.0" encoding="utf-8"?>
+<p:sld xmlns:a="http://schemas.openxmlformats.org/drawingml/2006/main" xmlns:p="http://schemas.openxmlformats.org/presentationml/2006/main" xmlns:r="http://schemas.openxmlformats.org/officeDocument/2006/relationships" xmlns:p14="http://schemas.microsoft.com/office/powerpoint/2010/main" xmlns:p15="http://schemas.microsoft.com/office/powerpoint/2012/main" xmlns:mc="http://schemas.openxmlformats.org/markup-compatibility/2006">
+  <p:cSld>
+    <p:spTree>
+      <p:nvGrpSpPr>
+        <p:cNvPr id="1" name=""/>
+        <p:cNvGrpSpPr/>
+        <p:nvPr/>
+      </p:nvGrpSpPr>
+      <p:grpSpPr>
+        <a:xfrm>
+          <a:off x="0" y="0"/>
+          <a:ext cx="0" cy="0"/>
+          <a:chOff x="0" y="0"/>
+          <a:chExt cx="0" cy="0"/>
+        </a:xfrm>
+      </p:grpSpPr>
+      <p:sp>
+        <p:nvSpPr>
+          <p:cNvPr id="257" name="Title 7"/>
+          <p:cNvSpPr/>
+          <p:nvPr/>
+        </p:nvSpPr>
+        <p:spPr>
+          <a:xfrm>
+            <a:off x="663120" y="69480"/>
+            <a:ext cx="8920800" cy="1008720"/>
+          </a:xfrm>
+          <a:prstGeom prst="rect">
+            <a:avLst/>
+          </a:prstGeom>
+          <a:noFill/>
+          <a:ln w="0">
+            <a:noFill/>
+          </a:ln>
+        </p:spPr>
+        <p:style>
+          <a:lnRef idx="0"/>
+          <a:fillRef idx="0"/>
+          <a:effectRef idx="0"/>
+          <a:fontRef idx="minor"/>
+        </p:style>
+        <p:txBody>
+          <a:bodyPr lIns="90000" rIns="90000" tIns="45000" bIns="45000" anchor="ctr">
+            <a:noAutofit/>
+          </a:bodyPr>
+          <a:p>
+            <a:pPr>
+              <a:lnSpc>
+                <a:spcPct val="100000"/>
+              </a:lnSpc>
+            </a:pPr>
+            <a:endParaRPr b="0" lang="en-IN" sz="1800" spc="-1" strike="noStrike">
+              <a:solidFill>
+                <a:srgbClr val="ffffff"/>
+              </a:solidFill>
+              <a:latin typeface="Arial"/>
+              <a:ea typeface="DejaVu Sans"/>
+            </a:endParaRPr>
+          </a:p>
+        </p:txBody>
+      </p:sp>
+      <p:sp>
+        <p:nvSpPr>
+          <p:cNvPr id="258" name="Title 8"/>
+          <p:cNvSpPr/>
+          <p:nvPr/>
+        </p:nvSpPr>
+        <p:spPr>
+          <a:xfrm>
             <a:off x="3816000" y="2590920"/>
-            <a:ext cx="2576880" cy="1009080"/>
+            <a:ext cx="2576520" cy="1008720"/>
+          </a:xfrm>
+          <a:prstGeom prst="rect">
+            <a:avLst/>
+          </a:prstGeom>
+          <a:noFill/>
+          <a:ln w="0">
+            <a:noFill/>
+          </a:ln>
+        </p:spPr>
+        <p:style>
+          <a:lnRef idx="0"/>
+          <a:fillRef idx="0"/>
+          <a:effectRef idx="0"/>
+          <a:fontRef idx="minor"/>
+        </p:style>
+        <p:txBody>
+          <a:bodyPr lIns="90000" rIns="90000" tIns="45000" bIns="45000" anchor="ctr">
+            <a:noAutofit/>
+          </a:bodyPr>
+          <a:p>
+            <a:pPr>
+              <a:lnSpc>
+                <a:spcPct val="100000"/>
+              </a:lnSpc>
+            </a:pPr>
+            <a:r>
+              <a:rPr b="1" lang="en-US" sz="3600" spc="-1" strike="noStrike">
+                <a:solidFill>
+                  <a:srgbClr val="ffffff"/>
+                </a:solidFill>
+                <a:highlight>
+                  <a:srgbClr val="650953"/>
+                </a:highlight>
+                <a:latin typeface="Calibri"/>
+                <a:ea typeface="DejaVu Sans"/>
+              </a:rPr>
+              <a:t>Questions??</a:t>
+            </a:r>
+            <a:endParaRPr b="0" lang="en-IN" sz="3600" spc="-1" strike="noStrike">
+              <a:solidFill>
+                <a:srgbClr val="ffffff"/>
+              </a:solidFill>
+              <a:latin typeface="Arial"/>
+            </a:endParaRPr>
+          </a:p>
+        </p:txBody>
+      </p:sp>
+    </p:spTree>
+  </p:cSld>
+  <mc:AlternateContent>
+    <mc:Choice Requires="p14">
+      <p:transition spd="slow" p14:dur="2000"/>
+    </mc:Choice>
+    <mc:Fallback>
+      <p:transition spd="slow"/>
+    </mc:Fallback>
+  </mc:AlternateContent>
+</p:sld>
+</file>
+
+<file path=ppt/slides/slide18.xml><?xml version="1.0" encoding="utf-8"?>
+<p:sld xmlns:a="http://schemas.openxmlformats.org/drawingml/2006/main" xmlns:p="http://schemas.openxmlformats.org/presentationml/2006/main" xmlns:r="http://schemas.openxmlformats.org/officeDocument/2006/relationships" xmlns:p14="http://schemas.microsoft.com/office/powerpoint/2010/main" xmlns:p15="http://schemas.microsoft.com/office/powerpoint/2012/main" xmlns:mc="http://schemas.openxmlformats.org/markup-compatibility/2006">
+  <p:cSld>
+    <p:spTree>
+      <p:nvGrpSpPr>
+        <p:cNvPr id="1" name=""/>
+        <p:cNvGrpSpPr/>
+        <p:nvPr/>
+      </p:nvGrpSpPr>
+      <p:grpSpPr>
+        <a:xfrm>
+          <a:off x="0" y="0"/>
+          <a:ext cx="0" cy="0"/>
+          <a:chOff x="0" y="0"/>
+          <a:chExt cx="0" cy="0"/>
+        </a:xfrm>
+      </p:grpSpPr>
+      <p:sp>
+        <p:nvSpPr>
+          <p:cNvPr id="259" name="Title 9"/>
+          <p:cNvSpPr/>
+          <p:nvPr/>
+        </p:nvSpPr>
+        <p:spPr>
+          <a:xfrm>
+            <a:off x="3816000" y="2590920"/>
+            <a:ext cx="2576520" cy="1008720"/>
           </a:xfrm>
           <a:prstGeom prst="rect">
             <a:avLst/>
@@ -17662,6 +18543,7 @@
                   <a:srgbClr val="780373"/>
                 </a:highlight>
                 <a:latin typeface="Calibri"/>
+                <a:ea typeface="DejaVu Sans"/>
               </a:rPr>
               <a:t>Thank You</a:t>
             </a:r>
@@ -17669,9 +18551,6 @@
               <a:solidFill>
                 <a:srgbClr val="ffffff"/>
               </a:solidFill>
-              <a:highlight>
-                <a:srgbClr val="780373"/>
-              </a:highlight>
               <a:latin typeface="Arial"/>
             </a:endParaRPr>
           </a:p>
@@ -17720,7 +18599,7 @@
         <p:spPr>
           <a:xfrm>
             <a:off x="494640" y="309600"/>
-            <a:ext cx="7069680" cy="1009080"/>
+            <a:ext cx="7069320" cy="1008720"/>
           </a:xfrm>
           <a:prstGeom prst="rect">
             <a:avLst/>
@@ -17775,7 +18654,7 @@
         <p:spPr>
           <a:xfrm>
             <a:off x="494640" y="1319760"/>
-            <a:ext cx="7069680" cy="3869640"/>
+            <a:ext cx="7069320" cy="3869280"/>
           </a:xfrm>
           <a:prstGeom prst="rect">
             <a:avLst/>
@@ -17925,7 +18804,7 @@
         <p:spPr>
           <a:xfrm>
             <a:off x="0" y="0"/>
-            <a:ext cx="10079640" cy="5759640"/>
+            <a:ext cx="10079280" cy="5759280"/>
           </a:xfrm>
           <a:prstGeom prst="rect">
             <a:avLst/>
@@ -17967,37 +18846,32 @@
       </p:grpSpPr>
       <p:sp>
         <p:nvSpPr>
-          <p:cNvPr id="221" name="PlaceHolder 1"/>
-          <p:cNvSpPr>
-            <a:spLocks noGrp="1"/>
-          </p:cNvSpPr>
-          <p:nvPr>
-            <p:ph type="title"/>
-          </p:nvPr>
-        </p:nvSpPr>
-        <p:spPr>
-          <a:xfrm>
-            <a:off x="663120" y="69480"/>
-            <a:ext cx="8921160" cy="1009080"/>
-          </a:xfrm>
-          <a:prstGeom prst="rect">
-            <a:avLst/>
-          </a:prstGeom>
-          <a:noFill/>
-          <a:ln w="0">
-            <a:noFill/>
-          </a:ln>
-        </p:spPr>
-        <p:txBody>
-          <a:bodyPr lIns="90000" rIns="90000" tIns="45000" bIns="45000" anchor="ctr">
+          <p:cNvPr id="221" name=""/>
+          <p:cNvSpPr txBox="1"/>
+          <p:nvPr/>
+        </p:nvSpPr>
+        <p:spPr>
+          <a:xfrm>
+            <a:off x="757800" y="352080"/>
+            <a:ext cx="3922200" cy="547920"/>
+          </a:xfrm>
+          <a:prstGeom prst="rect">
+            <a:avLst/>
+          </a:prstGeom>
+          <a:noFill/>
+          <a:ln w="0">
+            <a:noFill/>
+          </a:ln>
+        </p:spPr>
+        <p:txBody>
+          <a:bodyPr lIns="90000" rIns="90000" tIns="45000" bIns="45000" anchor="t">
             <a:noAutofit/>
           </a:bodyPr>
           <a:p>
-            <a:pPr indent="0">
+            <a:pPr>
               <a:lnSpc>
                 <a:spcPct val="100000"/>
               </a:lnSpc>
-              <a:buNone/>
               <a:tabLst>
                 <a:tab algn="l" pos="0"/>
               </a:tabLst>
@@ -18012,7 +18886,7 @@
                 </a:highlight>
                 <a:latin typeface="Calibri"/>
               </a:rPr>
-              <a:t>Why this is beneficial?</a:t>
+              <a:t>How this will work?</a:t>
             </a:r>
             <a:endParaRPr b="0" lang="en-IN" sz="3600" spc="-1" strike="noStrike">
               <a:solidFill>
@@ -18023,20 +18897,40 @@
           </a:p>
         </p:txBody>
       </p:sp>
-      <p:sp>
-        <p:nvSpPr>
-          <p:cNvPr id="222" name="PlaceHolder 2"/>
-          <p:cNvSpPr>
-            <a:spLocks noGrp="1"/>
-          </p:cNvSpPr>
-          <p:nvPr>
-            <p:ph/>
-          </p:nvPr>
-        </p:nvSpPr>
-        <p:spPr>
-          <a:xfrm>
-            <a:off x="648000" y="1384560"/>
-            <a:ext cx="8752680" cy="3871080"/>
+      <p:pic>
+        <p:nvPicPr>
+          <p:cNvPr id="222" name="" descr=""/>
+          <p:cNvPicPr/>
+          <p:nvPr/>
+        </p:nvPicPr>
+        <p:blipFill>
+          <a:blip r:embed="rId1"/>
+          <a:srcRect l="20003" t="4713" r="13307" b="9436"/>
+          <a:stretch/>
+        </p:blipFill>
+        <p:spPr>
+          <a:xfrm>
+            <a:off x="2880000" y="1260000"/>
+            <a:ext cx="4320000" cy="3932280"/>
+          </a:xfrm>
+          <a:prstGeom prst="rect">
+            <a:avLst/>
+          </a:prstGeom>
+          <a:ln w="0">
+            <a:noFill/>
+          </a:ln>
+        </p:spPr>
+      </p:pic>
+      <p:sp>
+        <p:nvSpPr>
+          <p:cNvPr id="223" name=""/>
+          <p:cNvSpPr txBox="1"/>
+          <p:nvPr/>
+        </p:nvSpPr>
+        <p:spPr>
+          <a:xfrm>
+            <a:off x="3793680" y="5032080"/>
+            <a:ext cx="2506320" cy="547920"/>
           </a:xfrm>
           <a:prstGeom prst="rect">
             <a:avLst/>
@@ -18051,282 +18945,33 @@
             <a:noAutofit/>
           </a:bodyPr>
           <a:p>
-            <a:pPr marL="343080" indent="-343080">
+            <a:pPr>
               <a:lnSpc>
                 <a:spcPct val="100000"/>
               </a:lnSpc>
-              <a:spcBef>
-                <a:spcPts val="561"/>
-              </a:spcBef>
-              <a:buClr>
-                <a:srgbClr val="ffffff"/>
-              </a:buClr>
-              <a:buFont typeface="Arial"/>
-              <a:buChar char="•"/>
-            </a:pPr>
-            <a:r>
-              <a:rPr b="0" lang="en-US" sz="2800" spc="-1" strike="noStrike">
-                <a:solidFill>
-                  <a:srgbClr val="ffffff"/>
-                </a:solidFill>
-                <a:latin typeface="Calibri"/>
-              </a:rPr>
-              <a:t>Faster Transactions</a:t>
-            </a:r>
-            <a:endParaRPr b="0" lang="en-IN" sz="2800" spc="-1" strike="noStrike">
-              <a:solidFill>
-                <a:srgbClr val="ffffff"/>
-              </a:solidFill>
-              <a:latin typeface="Arial"/>
-            </a:endParaRPr>
-          </a:p>
-          <a:p>
-            <a:pPr marL="343080" indent="-343080">
-              <a:lnSpc>
-                <a:spcPct val="100000"/>
-              </a:lnSpc>
-              <a:spcBef>
-                <a:spcPts val="561"/>
-              </a:spcBef>
-              <a:buClr>
-                <a:srgbClr val="ffffff"/>
-              </a:buClr>
-              <a:buFont typeface="Arial"/>
-              <a:buChar char="•"/>
-            </a:pPr>
-            <a:r>
-              <a:rPr b="0" lang="en-US" sz="2800" spc="-1" strike="noStrike">
-                <a:solidFill>
-                  <a:srgbClr val="ffffff"/>
-                </a:solidFill>
-                <a:latin typeface="Calibri"/>
-              </a:rPr>
-              <a:t>Streamlined Payment Processing</a:t>
-            </a:r>
-            <a:endParaRPr b="0" lang="en-IN" sz="2800" spc="-1" strike="noStrike">
-              <a:solidFill>
-                <a:srgbClr val="ffffff"/>
-              </a:solidFill>
-              <a:latin typeface="Arial"/>
-            </a:endParaRPr>
-          </a:p>
-          <a:p>
-            <a:pPr marL="343080" indent="-343080">
-              <a:lnSpc>
-                <a:spcPct val="100000"/>
-              </a:lnSpc>
-              <a:spcBef>
-                <a:spcPts val="561"/>
-              </a:spcBef>
-              <a:buClr>
-                <a:srgbClr val="ffffff"/>
-              </a:buClr>
-              <a:buFont typeface="Arial"/>
-              <a:buChar char="•"/>
-            </a:pPr>
-            <a:r>
-              <a:rPr b="0" lang="en-US" sz="2800" spc="-1" strike="noStrike">
-                <a:solidFill>
-                  <a:srgbClr val="ffffff"/>
-                </a:solidFill>
-                <a:latin typeface="Calibri"/>
-              </a:rPr>
-              <a:t>Merchant and Consumer Experiences</a:t>
-            </a:r>
-            <a:endParaRPr b="0" lang="en-IN" sz="2800" spc="-1" strike="noStrike">
-              <a:solidFill>
-                <a:srgbClr val="ffffff"/>
-              </a:solidFill>
-              <a:latin typeface="Arial"/>
-            </a:endParaRPr>
-          </a:p>
-          <a:p>
-            <a:pPr marL="343080" indent="-343080">
-              <a:lnSpc>
-                <a:spcPct val="100000"/>
-              </a:lnSpc>
-              <a:spcBef>
-                <a:spcPts val="561"/>
-              </a:spcBef>
-              <a:buClr>
-                <a:srgbClr val="ffffff"/>
-              </a:buClr>
-              <a:buFont typeface="Arial"/>
-              <a:buChar char="•"/>
-            </a:pPr>
-            <a:r>
-              <a:rPr b="0" lang="en-US" sz="2800" spc="-1" strike="noStrike">
-                <a:solidFill>
-                  <a:srgbClr val="ffffff"/>
-                </a:solidFill>
-                <a:latin typeface="Calibri"/>
-              </a:rPr>
-              <a:t>Predictive Analytics</a:t>
-            </a:r>
-            <a:endParaRPr b="0" lang="en-IN" sz="2800" spc="-1" strike="noStrike">
-              <a:solidFill>
-                <a:srgbClr val="ffffff"/>
-              </a:solidFill>
-              <a:latin typeface="Arial"/>
-            </a:endParaRPr>
-          </a:p>
-          <a:p>
-            <a:pPr marL="343080" indent="-343080">
-              <a:lnSpc>
-                <a:spcPct val="100000"/>
-              </a:lnSpc>
-              <a:spcBef>
-                <a:spcPts val="561"/>
-              </a:spcBef>
-              <a:buClr>
-                <a:srgbClr val="ffffff"/>
-              </a:buClr>
-              <a:buFont typeface="Arial"/>
-              <a:buChar char="•"/>
-            </a:pPr>
-            <a:r>
-              <a:rPr b="0" lang="en-US" sz="2800" spc="-1" strike="noStrike">
-                <a:solidFill>
-                  <a:srgbClr val="ffffff"/>
-                </a:solidFill>
-                <a:latin typeface="Calibri"/>
-              </a:rPr>
-              <a:t>Fraud Detection</a:t>
-            </a:r>
-            <a:endParaRPr b="0" lang="en-IN" sz="2800" spc="-1" strike="noStrike">
-              <a:solidFill>
-                <a:srgbClr val="ffffff"/>
-              </a:solidFill>
-              <a:latin typeface="Arial"/>
-            </a:endParaRPr>
-          </a:p>
-          <a:p>
-            <a:pPr marL="343080" indent="-343080">
-              <a:lnSpc>
-                <a:spcPct val="100000"/>
-              </a:lnSpc>
-              <a:spcBef>
-                <a:spcPts val="561"/>
-              </a:spcBef>
-              <a:buClr>
-                <a:srgbClr val="ffffff"/>
-              </a:buClr>
-              <a:buFont typeface="Arial"/>
-              <a:buChar char="•"/>
-            </a:pPr>
-            <a:r>
-              <a:rPr b="0" lang="en-US" sz="2800" spc="-1" strike="noStrike">
-                <a:solidFill>
-                  <a:srgbClr val="ffffff"/>
-                </a:solidFill>
-                <a:latin typeface="Calibri"/>
-              </a:rPr>
-              <a:t>E-commerce</a:t>
-            </a:r>
-            <a:endParaRPr b="0" lang="en-IN" sz="2800" spc="-1" strike="noStrike">
-              <a:solidFill>
-                <a:srgbClr val="ffffff"/>
-              </a:solidFill>
-              <a:latin typeface="Arial"/>
-            </a:endParaRPr>
-          </a:p>
-          <a:p>
-            <a:pPr marL="343080" indent="-343080">
-              <a:lnSpc>
-                <a:spcPct val="100000"/>
-              </a:lnSpc>
-              <a:spcBef>
-                <a:spcPts val="561"/>
-              </a:spcBef>
-              <a:buClr>
-                <a:srgbClr val="ffffff"/>
-              </a:buClr>
-              <a:buFont typeface="Arial"/>
-              <a:buChar char="•"/>
-            </a:pPr>
-            <a:r>
-              <a:rPr b="0" lang="en-US" sz="2800" spc="-1" strike="noStrike">
-                <a:solidFill>
-                  <a:srgbClr val="ffffff"/>
-                </a:solidFill>
-                <a:latin typeface="Calibri"/>
-              </a:rPr>
-              <a:t>Mobile Payments</a:t>
-            </a:r>
-            <a:endParaRPr b="0" lang="en-IN" sz="2800" spc="-1" strike="noStrike">
-              <a:solidFill>
-                <a:srgbClr val="ffffff"/>
-              </a:solidFill>
-              <a:latin typeface="Arial"/>
-            </a:endParaRPr>
-          </a:p>
-          <a:p>
-            <a:pPr marL="343080" indent="-343080">
-              <a:lnSpc>
-                <a:spcPct val="100000"/>
-              </a:lnSpc>
-              <a:spcBef>
-                <a:spcPts val="561"/>
-              </a:spcBef>
-              <a:buClr>
-                <a:srgbClr val="ffffff"/>
-              </a:buClr>
-              <a:buFont typeface="Arial"/>
-              <a:buChar char="•"/>
-            </a:pPr>
-            <a:r>
-              <a:rPr b="0" lang="en-US" sz="2800" spc="-1" strike="noStrike">
-                <a:solidFill>
-                  <a:srgbClr val="ffffff"/>
-                </a:solidFill>
-                <a:latin typeface="Calibri"/>
-              </a:rPr>
-              <a:t>B2B Payments</a:t>
-            </a:r>
-            <a:endParaRPr b="0" lang="en-IN" sz="2800" spc="-1" strike="noStrike">
-              <a:solidFill>
-                <a:srgbClr val="ffffff"/>
-              </a:solidFill>
-              <a:latin typeface="Arial"/>
-            </a:endParaRPr>
-          </a:p>
-          <a:p>
-            <a:pPr indent="0">
-              <a:lnSpc>
-                <a:spcPct val="100000"/>
-              </a:lnSpc>
-              <a:spcBef>
-                <a:spcPts val="561"/>
-              </a:spcBef>
-              <a:buNone/>
               <a:tabLst>
                 <a:tab algn="l" pos="0"/>
               </a:tabLst>
             </a:pPr>
-            <a:endParaRPr b="0" lang="en-IN" sz="2800" spc="-1" strike="noStrike">
-              <a:solidFill>
-                <a:srgbClr val="ffffff"/>
-              </a:solidFill>
-              <a:latin typeface="Arial"/>
-            </a:endParaRPr>
-          </a:p>
-          <a:p>
-            <a:pPr indent="0">
-              <a:lnSpc>
-                <a:spcPct val="100000"/>
-              </a:lnSpc>
-              <a:spcBef>
-                <a:spcPts val="561"/>
-              </a:spcBef>
-              <a:buNone/>
-              <a:tabLst>
-                <a:tab algn="l" pos="0"/>
-              </a:tabLst>
-            </a:pPr>
-            <a:endParaRPr b="0" lang="en-IN" sz="2800" spc="-1" strike="noStrike">
-              <a:solidFill>
-                <a:srgbClr val="ffffff"/>
-              </a:solidFill>
+            <a:r>
+              <a:rPr b="1" lang="en-US" sz="3600" spc="-1" strike="noStrike">
+                <a:solidFill>
+                  <a:srgbClr val="0000ff"/>
+                </a:solidFill>
+                <a:highlight>
+                  <a:srgbClr val="558ed5"/>
+                </a:highlight>
+                <a:latin typeface="Calibri"/>
+              </a:rPr>
+              <a:t>Peer to Peer</a:t>
+            </a:r>
+            <a:endParaRPr b="0" lang="en-IN" sz="3600" spc="-1" strike="noStrike">
+              <a:solidFill>
+                <a:srgbClr val="0000ff"/>
+              </a:solidFill>
+              <a:highlight>
+                <a:srgbClr val="558ed5"/>
+              </a:highlight>
               <a:latin typeface="Arial"/>
             </a:endParaRPr>
           </a:p>
@@ -18364,46 +19009,38 @@
       </p:grpSpPr>
       <p:sp>
         <p:nvSpPr>
-          <p:cNvPr id="223" name="PlaceHolder 1"/>
-          <p:cNvSpPr>
-            <a:spLocks noGrp="1"/>
-          </p:cNvSpPr>
-          <p:nvPr>
-            <p:ph type="title"/>
-          </p:nvPr>
-        </p:nvSpPr>
-        <p:spPr>
-          <a:xfrm>
-            <a:off x="576000" y="36000"/>
-            <a:ext cx="4319640" cy="1009080"/>
-          </a:xfrm>
-          <a:prstGeom prst="rect">
-            <a:avLst/>
-          </a:prstGeom>
-          <a:noFill/>
-          <a:ln w="0">
-            <a:noFill/>
-          </a:ln>
-        </p:spPr>
-        <p:txBody>
-          <a:bodyPr lIns="90000" rIns="90000" tIns="45000" bIns="45000" anchor="ctr">
+          <p:cNvPr id="224" name=""/>
+          <p:cNvSpPr txBox="1"/>
+          <p:nvPr/>
+        </p:nvSpPr>
+        <p:spPr>
+          <a:xfrm>
+            <a:off x="216000" y="72000"/>
+            <a:ext cx="9720000" cy="1087920"/>
+          </a:xfrm>
+          <a:prstGeom prst="rect">
+            <a:avLst/>
+          </a:prstGeom>
+          <a:noFill/>
+          <a:ln w="0">
+            <a:noFill/>
+          </a:ln>
+        </p:spPr>
+        <p:txBody>
+          <a:bodyPr lIns="90000" rIns="90000" tIns="45000" bIns="45000" anchor="t">
             <a:noAutofit/>
           </a:bodyPr>
           <a:p>
-            <a:pPr indent="0">
+            <a:pPr>
               <a:lnSpc>
                 <a:spcPct val="100000"/>
               </a:lnSpc>
-              <a:spcBef>
-                <a:spcPts val="561"/>
-              </a:spcBef>
-              <a:buNone/>
               <a:tabLst>
                 <a:tab algn="l" pos="0"/>
               </a:tabLst>
             </a:pPr>
             <a:r>
-              <a:rPr b="1" lang="en-US" sz="4000" spc="-1" strike="noStrike">
+              <a:rPr b="1" lang="en-US" sz="3600" spc="-1" strike="noStrike">
                 <a:solidFill>
                   <a:srgbClr val="ffffff"/>
                 </a:solidFill>
@@ -18412,191 +19049,40 @@
                 </a:highlight>
                 <a:latin typeface="Calibri"/>
               </a:rPr>
-              <a:t>Faster Transactions</a:t>
-            </a:r>
-            <a:endParaRPr b="0" lang="en-IN" sz="4000" spc="-1" strike="noStrike">
-              <a:solidFill>
-                <a:srgbClr val="ffffff"/>
-              </a:solidFill>
-              <a:latin typeface="Arial"/>
-            </a:endParaRPr>
-          </a:p>
-        </p:txBody>
-      </p:sp>
-      <p:sp>
-        <p:nvSpPr>
-          <p:cNvPr id="224" name=""/>
-          <p:cNvSpPr/>
+              <a:t>Enterprise Data with ChatGPT: Next-gen Apps W/ OpenAI and Cognitive Search</a:t>
+            </a:r>
+            <a:endParaRPr b="0" lang="en-IN" sz="3600" spc="-1" strike="noStrike">
+              <a:solidFill>
+                <a:srgbClr val="ffffff"/>
+              </a:solidFill>
+              <a:latin typeface="Arial"/>
+            </a:endParaRPr>
+          </a:p>
+        </p:txBody>
+      </p:sp>
+      <p:pic>
+        <p:nvPicPr>
+          <p:cNvPr id="225" name="" descr=""/>
+          <p:cNvPicPr/>
           <p:nvPr/>
-        </p:nvSpPr>
-        <p:spPr>
-          <a:xfrm>
-            <a:off x="1523520" y="1620000"/>
-            <a:ext cx="6576120" cy="1259640"/>
-          </a:xfrm>
-          <a:prstGeom prst="rect">
-            <a:avLst/>
-          </a:prstGeom>
-          <a:noFill/>
-          <a:ln w="0">
-            <a:noFill/>
-          </a:ln>
-        </p:spPr>
-        <p:style>
-          <a:lnRef idx="0"/>
-          <a:fillRef idx="0"/>
-          <a:effectRef idx="0"/>
-          <a:fontRef idx="minor"/>
-        </p:style>
-        <p:txBody>
-          <a:bodyPr lIns="90000" rIns="90000" tIns="45000" bIns="45000" anchor="t">
-            <a:noAutofit/>
-          </a:bodyPr>
-          <a:p>
-            <a:pPr marL="216000" indent="-216000">
-              <a:lnSpc>
-                <a:spcPct val="100000"/>
-              </a:lnSpc>
-              <a:buClr>
-                <a:srgbClr val="ffffff"/>
-              </a:buClr>
-              <a:buSzPct val="45000"/>
-              <a:buFont typeface="Wingdings" charset="2"/>
-              <a:buChar char=""/>
-            </a:pPr>
-            <a:r>
-              <a:rPr b="0" lang="en-IN" sz="1800" spc="-1" strike="noStrike">
-                <a:solidFill>
-                  <a:srgbClr val="ffffff"/>
-                </a:solidFill>
-                <a:latin typeface="Arial"/>
-              </a:rPr>
-              <a:t>AI technology, like ChatGPT, can significantly speed up payment transactions by enabling real-time fraud detection and approval, which reduces the need for manual review and approval processes</a:t>
-            </a:r>
-            <a:endParaRPr b="0" lang="en-IN" sz="1800" spc="-1" strike="noStrike">
-              <a:solidFill>
-                <a:srgbClr val="ffffff"/>
-              </a:solidFill>
-              <a:latin typeface="Arial"/>
-            </a:endParaRPr>
-          </a:p>
-        </p:txBody>
-      </p:sp>
-      <p:sp>
-        <p:nvSpPr>
-          <p:cNvPr id="225" name=""/>
-          <p:cNvSpPr/>
-          <p:nvPr/>
-        </p:nvSpPr>
-        <p:spPr>
-          <a:xfrm>
-            <a:off x="1548000" y="3125880"/>
-            <a:ext cx="6299640" cy="1625760"/>
-          </a:xfrm>
-          <a:prstGeom prst="rect">
-            <a:avLst/>
-          </a:prstGeom>
-          <a:noFill/>
-          <a:ln w="0">
-            <a:noFill/>
-          </a:ln>
-        </p:spPr>
-        <p:style>
-          <a:lnRef idx="0"/>
-          <a:fillRef idx="0"/>
-          <a:effectRef idx="0"/>
-          <a:fontRef idx="minor"/>
-        </p:style>
-        <p:txBody>
-          <a:bodyPr lIns="90000" rIns="90000" tIns="45000" bIns="45000" anchor="t">
-            <a:noAutofit/>
-          </a:bodyPr>
-          <a:p>
-            <a:pPr marL="216000" indent="-216000">
-              <a:lnSpc>
-                <a:spcPct val="100000"/>
-              </a:lnSpc>
-              <a:buClr>
-                <a:srgbClr val="ffffff"/>
-              </a:buClr>
-              <a:buSzPct val="45000"/>
-              <a:buFont typeface="Wingdings" charset="2"/>
-              <a:buChar char=""/>
-            </a:pPr>
-            <a:r>
-              <a:rPr b="0" lang="en-IN" sz="1800" spc="-1" strike="noStrike">
-                <a:solidFill>
-                  <a:srgbClr val="ffffff"/>
-                </a:solidFill>
-                <a:latin typeface="Arial"/>
-              </a:rPr>
-              <a:t>AI utilises machine learning algorithms and predictive analytics. AI tools can analyse large volumes of data, </a:t>
-            </a:r>
-            <a:endParaRPr b="0" lang="en-IN" sz="1800" spc="-1" strike="noStrike">
-              <a:solidFill>
-                <a:srgbClr val="ffffff"/>
-              </a:solidFill>
-              <a:latin typeface="Arial"/>
-            </a:endParaRPr>
-          </a:p>
-          <a:p>
-            <a:pPr marL="216000" indent="-216000">
-              <a:lnSpc>
-                <a:spcPct val="100000"/>
-              </a:lnSpc>
-              <a:buClr>
-                <a:srgbClr val="ffffff"/>
-              </a:buClr>
-              <a:buSzPct val="45000"/>
-              <a:buFont typeface="Wingdings" charset="2"/>
-              <a:buChar char=""/>
-            </a:pPr>
-            <a:r>
-              <a:rPr b="0" lang="en-IN" sz="1800" spc="-1" strike="noStrike">
-                <a:solidFill>
-                  <a:srgbClr val="ffffff"/>
-                </a:solidFill>
-                <a:latin typeface="Arial"/>
-              </a:rPr>
-              <a:t>identify patterns and anomalies, and flag potential fraud attempts in real-time. </a:t>
-            </a:r>
-            <a:endParaRPr b="0" lang="en-IN" sz="1800" spc="-1" strike="noStrike">
-              <a:solidFill>
-                <a:srgbClr val="ffffff"/>
-              </a:solidFill>
-              <a:latin typeface="Arial"/>
-            </a:endParaRPr>
-          </a:p>
-          <a:p>
-            <a:pPr marL="216000" indent="-216000">
-              <a:lnSpc>
-                <a:spcPct val="100000"/>
-              </a:lnSpc>
-              <a:buClr>
-                <a:srgbClr val="ffffff"/>
-              </a:buClr>
-              <a:buSzPct val="45000"/>
-              <a:buFont typeface="Wingdings" charset="2"/>
-              <a:buChar char=""/>
-            </a:pPr>
-            <a:r>
-              <a:rPr b="0" lang="en-IN" sz="1800" spc="-1" strike="noStrike">
-                <a:solidFill>
-                  <a:srgbClr val="ffffff"/>
-                </a:solidFill>
-                <a:latin typeface="Arial"/>
-              </a:rPr>
-              <a:t>Then enabling payment providers to quickly and accurately approve or decline transactions.</a:t>
-            </a:r>
-            <a:endParaRPr b="0" lang="en-IN" sz="1800" spc="-1" strike="noStrike">
-              <a:solidFill>
-                <a:srgbClr val="ffffff"/>
-              </a:solidFill>
-              <a:latin typeface="Arial"/>
-            </a:endParaRPr>
-          </a:p>
-        </p:txBody>
-      </p:sp>
+        </p:nvPicPr>
+        <p:blipFill>
+          <a:blip r:embed="rId1"/>
+          <a:stretch/>
+        </p:blipFill>
+        <p:spPr>
+          <a:xfrm>
+            <a:off x="2125800" y="1309320"/>
+            <a:ext cx="5938200" cy="4198680"/>
+          </a:xfrm>
+          <a:prstGeom prst="rect">
+            <a:avLst/>
+          </a:prstGeom>
+          <a:ln w="0">
+            <a:noFill/>
+          </a:ln>
+        </p:spPr>
+      </p:pic>
     </p:spTree>
   </p:cSld>
   <mc:AlternateContent>
@@ -18627,372 +19113,6 @@
           <a:chExt cx="0" cy="0"/>
         </a:xfrm>
       </p:grpSpPr>
-      <p:sp>
-        <p:nvSpPr>
-          <p:cNvPr id="226" name="Title 2"/>
-          <p:cNvSpPr/>
-          <p:nvPr/>
-        </p:nvSpPr>
-        <p:spPr>
-          <a:xfrm>
-            <a:off x="216000" y="-1440"/>
-            <a:ext cx="9143640" cy="1009080"/>
-          </a:xfrm>
-          <a:prstGeom prst="rect">
-            <a:avLst/>
-          </a:prstGeom>
-          <a:noFill/>
-          <a:ln w="0">
-            <a:noFill/>
-          </a:ln>
-        </p:spPr>
-        <p:style>
-          <a:lnRef idx="0"/>
-          <a:fillRef idx="0"/>
-          <a:effectRef idx="0"/>
-          <a:fontRef idx="minor"/>
-        </p:style>
-        <p:txBody>
-          <a:bodyPr lIns="90000" rIns="90000" tIns="45000" bIns="45000" anchor="ctr">
-            <a:noAutofit/>
-          </a:bodyPr>
-          <a:p>
-            <a:pPr>
-              <a:lnSpc>
-                <a:spcPct val="100000"/>
-              </a:lnSpc>
-              <a:spcBef>
-                <a:spcPts val="561"/>
-              </a:spcBef>
-            </a:pPr>
-            <a:r>
-              <a:rPr b="1" lang="en-US" sz="4400" spc="-1" strike="noStrike">
-                <a:solidFill>
-                  <a:srgbClr val="ffffff"/>
-                </a:solidFill>
-                <a:highlight>
-                  <a:srgbClr val="ff0000"/>
-                </a:highlight>
-                <a:latin typeface="Calibri"/>
-              </a:rPr>
-              <a:t>Streamlined Payment Processing</a:t>
-            </a:r>
-            <a:endParaRPr b="0" lang="en-IN" sz="4400" spc="-1" strike="noStrike">
-              <a:solidFill>
-                <a:srgbClr val="ffffff"/>
-              </a:solidFill>
-              <a:latin typeface="Arial"/>
-            </a:endParaRPr>
-          </a:p>
-        </p:txBody>
-      </p:sp>
-      <p:sp>
-        <p:nvSpPr>
-          <p:cNvPr id="227" name=""/>
-          <p:cNvSpPr/>
-          <p:nvPr/>
-        </p:nvSpPr>
-        <p:spPr>
-          <a:xfrm>
-            <a:off x="540000" y="1557720"/>
-            <a:ext cx="8742240" cy="961920"/>
-          </a:xfrm>
-          <a:prstGeom prst="rect">
-            <a:avLst/>
-          </a:prstGeom>
-          <a:noFill/>
-          <a:ln w="0">
-            <a:noFill/>
-          </a:ln>
-        </p:spPr>
-        <p:style>
-          <a:lnRef idx="0"/>
-          <a:fillRef idx="0"/>
-          <a:effectRef idx="0"/>
-          <a:fontRef idx="minor"/>
-        </p:style>
-        <p:txBody>
-          <a:bodyPr lIns="90000" rIns="90000" tIns="45000" bIns="45000" anchor="t">
-            <a:noAutofit/>
-          </a:bodyPr>
-          <a:p>
-            <a:pPr marL="216000" indent="-216000">
-              <a:lnSpc>
-                <a:spcPct val="100000"/>
-              </a:lnSpc>
-              <a:buClr>
-                <a:srgbClr val="ffffff"/>
-              </a:buClr>
-              <a:buSzPct val="45000"/>
-              <a:buFont typeface="Wingdings" charset="2"/>
-              <a:buChar char=""/>
-            </a:pPr>
-            <a:r>
-              <a:rPr b="0" lang="en-IN" sz="1800" spc="-1" strike="noStrike">
-                <a:solidFill>
-                  <a:srgbClr val="ffffff"/>
-                </a:solidFill>
-                <a:latin typeface="Arial"/>
-              </a:rPr>
-              <a:t>AI tools can streamline payment processing by automating repetitive tasks,</a:t>
-            </a:r>
-            <a:endParaRPr b="0" lang="en-IN" sz="1800" spc="-1" strike="noStrike">
-              <a:solidFill>
-                <a:srgbClr val="ffffff"/>
-              </a:solidFill>
-              <a:latin typeface="Arial"/>
-            </a:endParaRPr>
-          </a:p>
-          <a:p>
-            <a:pPr marL="216000" indent="-216000">
-              <a:lnSpc>
-                <a:spcPct val="100000"/>
-              </a:lnSpc>
-              <a:buClr>
-                <a:srgbClr val="ffffff"/>
-              </a:buClr>
-              <a:buSzPct val="45000"/>
-              <a:buFont typeface="Wingdings" charset="2"/>
-              <a:buChar char=""/>
-            </a:pPr>
-            <a:r>
-              <a:rPr b="0" lang="en-IN" sz="1800" spc="-1" strike="noStrike">
-                <a:solidFill>
-                  <a:srgbClr val="ffffff"/>
-                </a:solidFill>
-                <a:latin typeface="Arial"/>
-              </a:rPr>
-              <a:t>reducing errors, and allowing players in the industry to focus on more strategic tasks.</a:t>
-            </a:r>
-            <a:endParaRPr b="0" lang="en-IN" sz="1800" spc="-1" strike="noStrike">
-              <a:solidFill>
-                <a:srgbClr val="ffffff"/>
-              </a:solidFill>
-              <a:latin typeface="Arial"/>
-            </a:endParaRPr>
-          </a:p>
-        </p:txBody>
-      </p:sp>
-      <p:sp>
-        <p:nvSpPr>
-          <p:cNvPr id="228" name=""/>
-          <p:cNvSpPr/>
-          <p:nvPr/>
-        </p:nvSpPr>
-        <p:spPr>
-          <a:xfrm>
-            <a:off x="550800" y="2525760"/>
-            <a:ext cx="8052840" cy="857880"/>
-          </a:xfrm>
-          <a:prstGeom prst="rect">
-            <a:avLst/>
-          </a:prstGeom>
-          <a:noFill/>
-          <a:ln w="0">
-            <a:noFill/>
-          </a:ln>
-        </p:spPr>
-        <p:style>
-          <a:lnRef idx="0"/>
-          <a:fillRef idx="0"/>
-          <a:effectRef idx="0"/>
-          <a:fontRef idx="minor"/>
-        </p:style>
-        <p:txBody>
-          <a:bodyPr lIns="90000" rIns="90000" tIns="45000" bIns="45000" anchor="t">
-            <a:noAutofit/>
-          </a:bodyPr>
-          <a:p>
-            <a:pPr marL="216000" indent="-216000">
-              <a:lnSpc>
-                <a:spcPct val="100000"/>
-              </a:lnSpc>
-              <a:buClr>
-                <a:srgbClr val="ffffff"/>
-              </a:buClr>
-              <a:buSzPct val="45000"/>
-              <a:buFont typeface="Wingdings" charset="2"/>
-              <a:buChar char=""/>
-            </a:pPr>
-            <a:r>
-              <a:rPr b="0" lang="en-IN" sz="1800" spc="-1" strike="noStrike">
-                <a:solidFill>
-                  <a:srgbClr val="ffffff"/>
-                </a:solidFill>
-                <a:latin typeface="Arial"/>
-              </a:rPr>
-              <a:t>By automating tasks such as data entry, reconciliation, and reporting, </a:t>
-            </a:r>
-            <a:endParaRPr b="0" lang="en-IN" sz="1800" spc="-1" strike="noStrike">
-              <a:solidFill>
-                <a:srgbClr val="ffffff"/>
-              </a:solidFill>
-              <a:latin typeface="Arial"/>
-            </a:endParaRPr>
-          </a:p>
-          <a:p>
-            <a:pPr marL="216000" indent="-216000">
-              <a:lnSpc>
-                <a:spcPct val="100000"/>
-              </a:lnSpc>
-              <a:buClr>
-                <a:srgbClr val="ffffff"/>
-              </a:buClr>
-              <a:buSzPct val="45000"/>
-              <a:buFont typeface="Wingdings" charset="2"/>
-              <a:buChar char=""/>
-            </a:pPr>
-            <a:r>
-              <a:rPr b="0" lang="en-IN" sz="1800" spc="-1" strike="noStrike">
-                <a:solidFill>
-                  <a:srgbClr val="ffffff"/>
-                </a:solidFill>
-                <a:latin typeface="Arial"/>
-              </a:rPr>
-              <a:t>AI technology can save time and improve efficiency for large merchants and acquirers. </a:t>
-            </a:r>
-            <a:endParaRPr b="0" lang="en-IN" sz="1800" spc="-1" strike="noStrike">
-              <a:solidFill>
-                <a:srgbClr val="ffffff"/>
-              </a:solidFill>
-              <a:latin typeface="Arial"/>
-            </a:endParaRPr>
-          </a:p>
-        </p:txBody>
-      </p:sp>
-      <p:sp>
-        <p:nvSpPr>
-          <p:cNvPr id="229" name=""/>
-          <p:cNvSpPr/>
-          <p:nvPr/>
-        </p:nvSpPr>
-        <p:spPr>
-          <a:xfrm>
-            <a:off x="540000" y="3497760"/>
-            <a:ext cx="8713080" cy="1113840"/>
-          </a:xfrm>
-          <a:prstGeom prst="rect">
-            <a:avLst/>
-          </a:prstGeom>
-          <a:noFill/>
-          <a:ln w="0">
-            <a:noFill/>
-          </a:ln>
-        </p:spPr>
-        <p:style>
-          <a:lnRef idx="0"/>
-          <a:fillRef idx="0"/>
-          <a:effectRef idx="0"/>
-          <a:fontRef idx="minor"/>
-        </p:style>
-        <p:txBody>
-          <a:bodyPr lIns="90000" rIns="90000" tIns="45000" bIns="45000" anchor="t">
-            <a:noAutofit/>
-          </a:bodyPr>
-          <a:p>
-            <a:pPr marL="216000" indent="-216000">
-              <a:lnSpc>
-                <a:spcPct val="100000"/>
-              </a:lnSpc>
-              <a:buClr>
-                <a:srgbClr val="ffffff"/>
-              </a:buClr>
-              <a:buSzPct val="45000"/>
-              <a:buFont typeface="Wingdings" charset="2"/>
-              <a:buChar char=""/>
-            </a:pPr>
-            <a:r>
-              <a:rPr b="0" lang="en-IN" sz="1800" spc="-1" strike="noStrike">
-                <a:solidFill>
-                  <a:srgbClr val="ffffff"/>
-                </a:solidFill>
-                <a:latin typeface="Arial"/>
-              </a:rPr>
-              <a:t> </a:t>
-            </a:r>
-            <a:r>
-              <a:rPr b="0" lang="en-IN" sz="1800" spc="-1" strike="noStrike">
-                <a:solidFill>
-                  <a:srgbClr val="ffffff"/>
-                </a:solidFill>
-                <a:latin typeface="Arial"/>
-              </a:rPr>
-              <a:t>This allows them to optimise the customer journey, identify new opportunities, and</a:t>
-            </a:r>
-            <a:endParaRPr b="0" lang="en-IN" sz="1800" spc="-1" strike="noStrike">
-              <a:solidFill>
-                <a:srgbClr val="ffffff"/>
-              </a:solidFill>
-              <a:latin typeface="Arial"/>
-            </a:endParaRPr>
-          </a:p>
-          <a:p>
-            <a:pPr marL="216000" indent="-216000">
-              <a:lnSpc>
-                <a:spcPct val="100000"/>
-              </a:lnSpc>
-              <a:buClr>
-                <a:srgbClr val="ffffff"/>
-              </a:buClr>
-              <a:buSzPct val="45000"/>
-              <a:buFont typeface="Wingdings" charset="2"/>
-              <a:buChar char=""/>
-            </a:pPr>
-            <a:r>
-              <a:rPr b="0" lang="en-IN" sz="1800" spc="-1" strike="noStrike">
-                <a:solidFill>
-                  <a:srgbClr val="ffffff"/>
-                </a:solidFill>
-                <a:latin typeface="Arial"/>
-              </a:rPr>
-              <a:t> </a:t>
-            </a:r>
-            <a:r>
-              <a:rPr b="0" lang="en-IN" sz="1800" spc="-1" strike="noStrike">
-                <a:solidFill>
-                  <a:srgbClr val="ffffff"/>
-                </a:solidFill>
-                <a:latin typeface="Arial"/>
-              </a:rPr>
-              <a:t>manage risks more effectively. The use of AI in payment processing can provide a faster, </a:t>
-            </a:r>
-            <a:endParaRPr b="0" lang="en-IN" sz="1800" spc="-1" strike="noStrike">
-              <a:solidFill>
-                <a:srgbClr val="ffffff"/>
-              </a:solidFill>
-              <a:latin typeface="Arial"/>
-            </a:endParaRPr>
-          </a:p>
-          <a:p>
-            <a:pPr marL="216000" indent="-216000">
-              <a:lnSpc>
-                <a:spcPct val="100000"/>
-              </a:lnSpc>
-              <a:buClr>
-                <a:srgbClr val="ffffff"/>
-              </a:buClr>
-              <a:buSzPct val="45000"/>
-              <a:buFont typeface="Wingdings" charset="2"/>
-              <a:buChar char=""/>
-            </a:pPr>
-            <a:r>
-              <a:rPr b="0" lang="en-IN" sz="1800" spc="-1" strike="noStrike">
-                <a:solidFill>
-                  <a:srgbClr val="ffffff"/>
-                </a:solidFill>
-                <a:latin typeface="Arial"/>
-              </a:rPr>
-              <a:t>efficient, and accurate payment experience for customers.</a:t>
-            </a:r>
-            <a:endParaRPr b="0" lang="en-IN" sz="1800" spc="-1" strike="noStrike">
-              <a:solidFill>
-                <a:srgbClr val="ffffff"/>
-              </a:solidFill>
-              <a:latin typeface="Arial"/>
-            </a:endParaRPr>
-          </a:p>
-        </p:txBody>
-      </p:sp>
     </p:spTree>
   </p:cSld>
   <mc:AlternateContent>
@@ -19025,38 +19145,40 @@
       </p:grpSpPr>
       <p:sp>
         <p:nvSpPr>
-          <p:cNvPr id="230" name="Title 4"/>
-          <p:cNvSpPr/>
-          <p:nvPr/>
+          <p:cNvPr id="226" name="PlaceHolder 1"/>
+          <p:cNvSpPr>
+            <a:spLocks noGrp="1"/>
+          </p:cNvSpPr>
+          <p:nvPr>
+            <p:ph type="title"/>
+          </p:nvPr>
         </p:nvSpPr>
         <p:spPr>
           <a:xfrm>
             <a:off x="663120" y="69480"/>
-            <a:ext cx="8921160" cy="1009080"/>
-          </a:xfrm>
-          <a:prstGeom prst="rect">
-            <a:avLst/>
-          </a:prstGeom>
-          <a:noFill/>
-          <a:ln w="0">
-            <a:noFill/>
-          </a:ln>
-        </p:spPr>
-        <p:style>
-          <a:lnRef idx="0"/>
-          <a:fillRef idx="0"/>
-          <a:effectRef idx="0"/>
-          <a:fontRef idx="minor"/>
-        </p:style>
+            <a:ext cx="8920800" cy="1008720"/>
+          </a:xfrm>
+          <a:prstGeom prst="rect">
+            <a:avLst/>
+          </a:prstGeom>
+          <a:noFill/>
+          <a:ln w="0">
+            <a:noFill/>
+          </a:ln>
+        </p:spPr>
         <p:txBody>
           <a:bodyPr lIns="90000" rIns="90000" tIns="45000" bIns="45000" anchor="ctr">
             <a:noAutofit/>
           </a:bodyPr>
           <a:p>
-            <a:pPr>
+            <a:pPr indent="0">
               <a:lnSpc>
                 <a:spcPct val="100000"/>
               </a:lnSpc>
+              <a:buNone/>
+              <a:tabLst>
+                <a:tab algn="l" pos="0"/>
+              </a:tabLst>
             </a:pPr>
             <a:r>
               <a:rPr b="1" lang="en-US" sz="3600" spc="-1" strike="noStrike">
@@ -19068,7 +19190,7 @@
                 </a:highlight>
                 <a:latin typeface="Calibri"/>
               </a:rPr>
-              <a:t>Merchant and Consumer Experiences?</a:t>
+              <a:t>Why this is beneficial?</a:t>
             </a:r>
             <a:endParaRPr b="0" lang="en-IN" sz="3600" spc="-1" strike="noStrike">
               <a:solidFill>
@@ -19081,226 +19203,305 @@
       </p:sp>
       <p:sp>
         <p:nvSpPr>
-          <p:cNvPr id="231" name=""/>
-          <p:cNvSpPr/>
-          <p:nvPr/>
-        </p:nvSpPr>
-        <p:spPr>
-          <a:xfrm>
-            <a:off x="540000" y="1440000"/>
-            <a:ext cx="9212760" cy="1113840"/>
-          </a:xfrm>
-          <a:prstGeom prst="rect">
-            <a:avLst/>
-          </a:prstGeom>
-          <a:noFill/>
-          <a:ln w="0">
-            <a:noFill/>
-          </a:ln>
-        </p:spPr>
-        <p:style>
-          <a:lnRef idx="0"/>
-          <a:fillRef idx="0"/>
-          <a:effectRef idx="0"/>
-          <a:fontRef idx="minor"/>
-        </p:style>
+          <p:cNvPr id="227" name="PlaceHolder 2"/>
+          <p:cNvSpPr>
+            <a:spLocks noGrp="1"/>
+          </p:cNvSpPr>
+          <p:nvPr>
+            <p:ph/>
+          </p:nvPr>
+        </p:nvSpPr>
+        <p:spPr>
+          <a:xfrm>
+            <a:off x="648000" y="1384560"/>
+            <a:ext cx="8752320" cy="3870720"/>
+          </a:xfrm>
+          <a:prstGeom prst="rect">
+            <a:avLst/>
+          </a:prstGeom>
+          <a:noFill/>
+          <a:ln w="0">
+            <a:noFill/>
+          </a:ln>
+        </p:spPr>
         <p:txBody>
           <a:bodyPr lIns="90000" rIns="90000" tIns="45000" bIns="45000" anchor="t">
             <a:noAutofit/>
           </a:bodyPr>
           <a:p>
-            <a:pPr marL="216000" indent="-216000">
+            <a:pPr marL="343080" indent="-343080">
               <a:lnSpc>
                 <a:spcPct val="100000"/>
               </a:lnSpc>
+              <a:spcBef>
+                <a:spcPts val="561"/>
+              </a:spcBef>
               <a:buClr>
                 <a:srgbClr val="ffffff"/>
               </a:buClr>
-              <a:buSzPct val="45000"/>
-              <a:buFont typeface="Wingdings" charset="2"/>
-              <a:buChar char=""/>
-            </a:pPr>
-            <a:r>
-              <a:rPr b="0" lang="en-IN" sz="1800" spc="-1" strike="noStrike">
+              <a:buFont typeface="Arial"/>
+              <a:buChar char="•"/>
+            </a:pPr>
+            <a:r>
+              <a:rPr b="0" lang="en-US" sz="2800" spc="-1" strike="noStrike">
                 <a:solidFill>
                   <a:srgbClr val="ffffff"/>
                 </a:solidFill>
-                <a:latin typeface="Arial"/>
+                <a:latin typeface="Calibri"/>
               </a:rPr>
-              <a:t>By using AI tools to analyse customer data, merchants can gain insights into consumer </a:t>
-            </a:r>
-            <a:endParaRPr b="0" lang="en-IN" sz="1800" spc="-1" strike="noStrike">
-              <a:solidFill>
-                <a:srgbClr val="ffffff"/>
-              </a:solidFill>
-              <a:latin typeface="Arial"/>
-            </a:endParaRPr>
-          </a:p>
-          <a:p>
-            <a:pPr marL="216000" indent="-216000">
+              <a:t>Faster Transactions</a:t>
+            </a:r>
+            <a:endParaRPr b="0" lang="en-IN" sz="2800" spc="-1" strike="noStrike">
+              <a:solidFill>
+                <a:srgbClr val="ffffff"/>
+              </a:solidFill>
+              <a:latin typeface="Arial"/>
+            </a:endParaRPr>
+          </a:p>
+          <a:p>
+            <a:pPr marL="343080" indent="-343080">
               <a:lnSpc>
                 <a:spcPct val="100000"/>
               </a:lnSpc>
+              <a:spcBef>
+                <a:spcPts val="561"/>
+              </a:spcBef>
               <a:buClr>
                 <a:srgbClr val="ffffff"/>
               </a:buClr>
-              <a:buSzPct val="45000"/>
-              <a:buFont typeface="Wingdings" charset="2"/>
-              <a:buChar char=""/>
-            </a:pPr>
-            <a:r>
-              <a:rPr b="0" lang="en-IN" sz="1800" spc="-1" strike="noStrike">
+              <a:buFont typeface="Arial"/>
+              <a:buChar char="•"/>
+            </a:pPr>
+            <a:r>
+              <a:rPr b="0" lang="en-US" sz="2800" spc="-1" strike="noStrike">
                 <a:solidFill>
                   <a:srgbClr val="ffffff"/>
                 </a:solidFill>
-                <a:latin typeface="Arial"/>
+                <a:latin typeface="Calibri"/>
               </a:rPr>
-              <a:t>preferences and behaviour, allowing them to personalise </a:t>
-            </a:r>
-            <a:endParaRPr b="0" lang="en-IN" sz="1800" spc="-1" strike="noStrike">
-              <a:solidFill>
-                <a:srgbClr val="ffffff"/>
-              </a:solidFill>
-              <a:latin typeface="Arial"/>
-            </a:endParaRPr>
-          </a:p>
-          <a:p>
-            <a:pPr marL="216000" indent="-216000">
+              <a:t>Streamlined Payment Processing</a:t>
+            </a:r>
+            <a:endParaRPr b="0" lang="en-IN" sz="2800" spc="-1" strike="noStrike">
+              <a:solidFill>
+                <a:srgbClr val="ffffff"/>
+              </a:solidFill>
+              <a:latin typeface="Arial"/>
+            </a:endParaRPr>
+          </a:p>
+          <a:p>
+            <a:pPr marL="343080" indent="-343080">
               <a:lnSpc>
                 <a:spcPct val="100000"/>
               </a:lnSpc>
+              <a:spcBef>
+                <a:spcPts val="561"/>
+              </a:spcBef>
               <a:buClr>
                 <a:srgbClr val="ffffff"/>
               </a:buClr>
-              <a:buSzPct val="45000"/>
-              <a:buFont typeface="Wingdings" charset="2"/>
-              <a:buChar char=""/>
-            </a:pPr>
-            <a:r>
-              <a:rPr b="0" lang="en-IN" sz="1800" spc="-1" strike="noStrike">
+              <a:buFont typeface="Arial"/>
+              <a:buChar char="•"/>
+            </a:pPr>
+            <a:r>
+              <a:rPr b="0" lang="en-US" sz="2800" spc="-1" strike="noStrike">
                 <a:solidFill>
                   <a:srgbClr val="ffffff"/>
                 </a:solidFill>
-                <a:latin typeface="Arial"/>
+                <a:latin typeface="Calibri"/>
               </a:rPr>
-              <a:t>their offerings and enhance the overall customer experience. </a:t>
-            </a:r>
-            <a:endParaRPr b="0" lang="en-IN" sz="1800" spc="-1" strike="noStrike">
-              <a:solidFill>
-                <a:srgbClr val="ffffff"/>
-              </a:solidFill>
-              <a:latin typeface="Arial"/>
-            </a:endParaRPr>
-          </a:p>
-          <a:p>
-            <a:pPr marL="216000" indent="-216000">
+              <a:t>Merchant and Consumer Experiences</a:t>
+            </a:r>
+            <a:endParaRPr b="0" lang="en-IN" sz="2800" spc="-1" strike="noStrike">
+              <a:solidFill>
+                <a:srgbClr val="ffffff"/>
+              </a:solidFill>
+              <a:latin typeface="Arial"/>
+            </a:endParaRPr>
+          </a:p>
+          <a:p>
+            <a:pPr marL="343080" indent="-343080">
               <a:lnSpc>
                 <a:spcPct val="100000"/>
               </a:lnSpc>
+              <a:spcBef>
+                <a:spcPts val="561"/>
+              </a:spcBef>
               <a:buClr>
                 <a:srgbClr val="ffffff"/>
               </a:buClr>
-              <a:buSzPct val="45000"/>
-              <a:buFont typeface="Wingdings" charset="2"/>
-              <a:buChar char=""/>
-            </a:pPr>
-            <a:r>
-              <a:rPr b="0" lang="en-IN" sz="1800" spc="-1" strike="noStrike">
+              <a:buFont typeface="Arial"/>
+              <a:buChar char="•"/>
+            </a:pPr>
+            <a:r>
+              <a:rPr b="0" lang="en-US" sz="2800" spc="-1" strike="noStrike">
                 <a:solidFill>
                   <a:srgbClr val="ffffff"/>
                 </a:solidFill>
-                <a:latin typeface="Arial"/>
+                <a:latin typeface="Calibri"/>
               </a:rPr>
-              <a:t>This can lead to increased customer loyalty and retention</a:t>
-            </a:r>
-            <a:endParaRPr b="0" lang="en-IN" sz="1800" spc="-1" strike="noStrike">
-              <a:solidFill>
-                <a:srgbClr val="ffffff"/>
-              </a:solidFill>
-              <a:latin typeface="Arial"/>
-            </a:endParaRPr>
-          </a:p>
-        </p:txBody>
-      </p:sp>
-      <p:sp>
-        <p:nvSpPr>
-          <p:cNvPr id="232" name=""/>
-          <p:cNvSpPr/>
-          <p:nvPr/>
-        </p:nvSpPr>
-        <p:spPr>
-          <a:xfrm>
-            <a:off x="540000" y="2633760"/>
-            <a:ext cx="7199640" cy="857880"/>
-          </a:xfrm>
-          <a:prstGeom prst="rect">
-            <a:avLst/>
-          </a:prstGeom>
-          <a:noFill/>
-          <a:ln w="0">
-            <a:noFill/>
-          </a:ln>
-        </p:spPr>
-        <p:style>
-          <a:lnRef idx="0"/>
-          <a:fillRef idx="0"/>
-          <a:effectRef idx="0"/>
-          <a:fontRef idx="minor"/>
-        </p:style>
-        <p:txBody>
-          <a:bodyPr lIns="90000" rIns="90000" tIns="45000" bIns="45000" anchor="t">
-            <a:noAutofit/>
-          </a:bodyPr>
-          <a:p>
-            <a:pPr marL="216000" indent="-216000">
+              <a:t>Predictive Analytics</a:t>
+            </a:r>
+            <a:endParaRPr b="0" lang="en-IN" sz="2800" spc="-1" strike="noStrike">
+              <a:solidFill>
+                <a:srgbClr val="ffffff"/>
+              </a:solidFill>
+              <a:latin typeface="Arial"/>
+            </a:endParaRPr>
+          </a:p>
+          <a:p>
+            <a:pPr marL="343080" indent="-343080">
               <a:lnSpc>
                 <a:spcPct val="100000"/>
               </a:lnSpc>
+              <a:spcBef>
+                <a:spcPts val="561"/>
+              </a:spcBef>
               <a:buClr>
                 <a:srgbClr val="ffffff"/>
               </a:buClr>
-              <a:buSzPct val="45000"/>
-              <a:buFont typeface="Wingdings" charset="2"/>
-              <a:buChar char=""/>
-            </a:pPr>
-            <a:r>
-              <a:rPr b="0" lang="en-IN" sz="1800" spc="-1" strike="noStrike">
+              <a:buFont typeface="Arial"/>
+              <a:buChar char="•"/>
+            </a:pPr>
+            <a:r>
+              <a:rPr b="0" lang="en-US" sz="2800" spc="-1" strike="noStrike">
                 <a:solidFill>
                   <a:srgbClr val="ffffff"/>
                 </a:solidFill>
-                <a:latin typeface="Arial"/>
+                <a:latin typeface="Calibri"/>
               </a:rPr>
-              <a:t>Additionally, AI tools can help merchants streamline their operations and reduce processing times. </a:t>
-            </a:r>
-            <a:endParaRPr b="0" lang="en-IN" sz="1800" spc="-1" strike="noStrike">
-              <a:solidFill>
-                <a:srgbClr val="ffffff"/>
-              </a:solidFill>
-              <a:latin typeface="Arial"/>
-            </a:endParaRPr>
-          </a:p>
-          <a:p>
-            <a:pPr marL="216000" indent="-216000">
+              <a:t>Fraud Detection</a:t>
+            </a:r>
+            <a:endParaRPr b="0" lang="en-IN" sz="2800" spc="-1" strike="noStrike">
+              <a:solidFill>
+                <a:srgbClr val="ffffff"/>
+              </a:solidFill>
+              <a:latin typeface="Arial"/>
+            </a:endParaRPr>
+          </a:p>
+          <a:p>
+            <a:pPr marL="343080" indent="-343080">
               <a:lnSpc>
                 <a:spcPct val="100000"/>
               </a:lnSpc>
+              <a:spcBef>
+                <a:spcPts val="561"/>
+              </a:spcBef>
               <a:buClr>
                 <a:srgbClr val="ffffff"/>
               </a:buClr>
-              <a:buSzPct val="45000"/>
-              <a:buFont typeface="Wingdings" charset="2"/>
-              <a:buChar char=""/>
-            </a:pPr>
-            <a:r>
-              <a:rPr b="0" lang="en-IN" sz="1800" spc="-1" strike="noStrike">
+              <a:buFont typeface="Arial"/>
+              <a:buChar char="•"/>
+            </a:pPr>
+            <a:r>
+              <a:rPr b="0" lang="en-US" sz="2800" spc="-1" strike="noStrike">
                 <a:solidFill>
                   <a:srgbClr val="ffffff"/>
                 </a:solidFill>
-                <a:latin typeface="Arial"/>
+                <a:latin typeface="Calibri"/>
               </a:rPr>
-              <a:t>This results in faster and more efficient transactions for consumers.</a:t>
-            </a:r>
-            <a:endParaRPr b="0" lang="en-IN" sz="1800" spc="-1" strike="noStrike">
+              <a:t>E-commerce</a:t>
+            </a:r>
+            <a:endParaRPr b="0" lang="en-IN" sz="2800" spc="-1" strike="noStrike">
+              <a:solidFill>
+                <a:srgbClr val="ffffff"/>
+              </a:solidFill>
+              <a:latin typeface="Arial"/>
+            </a:endParaRPr>
+          </a:p>
+          <a:p>
+            <a:pPr marL="343080" indent="-343080">
+              <a:lnSpc>
+                <a:spcPct val="100000"/>
+              </a:lnSpc>
+              <a:spcBef>
+                <a:spcPts val="561"/>
+              </a:spcBef>
+              <a:buClr>
+                <a:srgbClr val="ffffff"/>
+              </a:buClr>
+              <a:buFont typeface="Arial"/>
+              <a:buChar char="•"/>
+            </a:pPr>
+            <a:r>
+              <a:rPr b="0" lang="en-US" sz="2800" spc="-1" strike="noStrike">
+                <a:solidFill>
+                  <a:srgbClr val="ffffff"/>
+                </a:solidFill>
+                <a:latin typeface="Calibri"/>
+              </a:rPr>
+              <a:t>Mobile Payments</a:t>
+            </a:r>
+            <a:endParaRPr b="0" lang="en-IN" sz="2800" spc="-1" strike="noStrike">
+              <a:solidFill>
+                <a:srgbClr val="ffffff"/>
+              </a:solidFill>
+              <a:latin typeface="Arial"/>
+            </a:endParaRPr>
+          </a:p>
+          <a:p>
+            <a:pPr marL="343080" indent="-343080">
+              <a:lnSpc>
+                <a:spcPct val="100000"/>
+              </a:lnSpc>
+              <a:spcBef>
+                <a:spcPts val="561"/>
+              </a:spcBef>
+              <a:buClr>
+                <a:srgbClr val="ffffff"/>
+              </a:buClr>
+              <a:buFont typeface="Arial"/>
+              <a:buChar char="•"/>
+            </a:pPr>
+            <a:r>
+              <a:rPr b="0" lang="en-US" sz="2800" spc="-1" strike="noStrike">
+                <a:solidFill>
+                  <a:srgbClr val="ffffff"/>
+                </a:solidFill>
+                <a:latin typeface="Calibri"/>
+              </a:rPr>
+              <a:t>B2B Payments</a:t>
+            </a:r>
+            <a:endParaRPr b="0" lang="en-IN" sz="2800" spc="-1" strike="noStrike">
+              <a:solidFill>
+                <a:srgbClr val="ffffff"/>
+              </a:solidFill>
+              <a:latin typeface="Arial"/>
+            </a:endParaRPr>
+          </a:p>
+          <a:p>
+            <a:pPr indent="0">
+              <a:lnSpc>
+                <a:spcPct val="100000"/>
+              </a:lnSpc>
+              <a:spcBef>
+                <a:spcPts val="561"/>
+              </a:spcBef>
+              <a:buNone/>
+              <a:tabLst>
+                <a:tab algn="l" pos="0"/>
+              </a:tabLst>
+            </a:pPr>
+            <a:endParaRPr b="0" lang="en-IN" sz="2800" spc="-1" strike="noStrike">
+              <a:solidFill>
+                <a:srgbClr val="ffffff"/>
+              </a:solidFill>
+              <a:latin typeface="Arial"/>
+            </a:endParaRPr>
+          </a:p>
+          <a:p>
+            <a:pPr indent="0">
+              <a:lnSpc>
+                <a:spcPct val="100000"/>
+              </a:lnSpc>
+              <a:spcBef>
+                <a:spcPts val="561"/>
+              </a:spcBef>
+              <a:buNone/>
+              <a:tabLst>
+                <a:tab algn="l" pos="0"/>
+              </a:tabLst>
+            </a:pPr>
+            <a:endParaRPr b="0" lang="en-IN" sz="2800" spc="-1" strike="noStrike">
               <a:solidFill>
                 <a:srgbClr val="ffffff"/>
               </a:solidFill>
@@ -19341,41 +19542,46 @@
       </p:grpSpPr>
       <p:sp>
         <p:nvSpPr>
-          <p:cNvPr id="233" name="Title 5"/>
-          <p:cNvSpPr/>
-          <p:nvPr/>
-        </p:nvSpPr>
-        <p:spPr>
-          <a:xfrm>
-            <a:off x="663120" y="69480"/>
-            <a:ext cx="8921160" cy="1009080"/>
-          </a:xfrm>
-          <a:prstGeom prst="rect">
-            <a:avLst/>
-          </a:prstGeom>
-          <a:noFill/>
-          <a:ln w="0">
-            <a:noFill/>
-          </a:ln>
-        </p:spPr>
-        <p:style>
-          <a:lnRef idx="0"/>
-          <a:fillRef idx="0"/>
-          <a:effectRef idx="0"/>
-          <a:fontRef idx="minor"/>
-        </p:style>
+          <p:cNvPr id="228" name="PlaceHolder 1"/>
+          <p:cNvSpPr>
+            <a:spLocks noGrp="1"/>
+          </p:cNvSpPr>
+          <p:nvPr>
+            <p:ph type="title"/>
+          </p:nvPr>
+        </p:nvSpPr>
+        <p:spPr>
+          <a:xfrm>
+            <a:off x="576000" y="36000"/>
+            <a:ext cx="4319280" cy="1008720"/>
+          </a:xfrm>
+          <a:prstGeom prst="rect">
+            <a:avLst/>
+          </a:prstGeom>
+          <a:noFill/>
+          <a:ln w="0">
+            <a:noFill/>
+          </a:ln>
+        </p:spPr>
         <p:txBody>
           <a:bodyPr lIns="90000" rIns="90000" tIns="45000" bIns="45000" anchor="ctr">
             <a:noAutofit/>
           </a:bodyPr>
           <a:p>
-            <a:pPr>
+            <a:pPr indent="0">
               <a:lnSpc>
                 <a:spcPct val="100000"/>
               </a:lnSpc>
-            </a:pPr>
-            <a:r>
-              <a:rPr b="1" lang="en-US" sz="3600" spc="-1" strike="noStrike">
+              <a:spcBef>
+                <a:spcPts val="561"/>
+              </a:spcBef>
+              <a:buNone/>
+              <a:tabLst>
+                <a:tab algn="l" pos="0"/>
+              </a:tabLst>
+            </a:pPr>
+            <a:r>
+              <a:rPr b="1" lang="en-US" sz="4000" spc="-1" strike="noStrike">
                 <a:solidFill>
                   <a:srgbClr val="ffffff"/>
                 </a:solidFill>
@@ -19384,27 +19590,27 @@
                 </a:highlight>
                 <a:latin typeface="Calibri"/>
               </a:rPr>
-              <a:t>Predictive Analytics</a:t>
-            </a:r>
-            <a:endParaRPr b="0" lang="en-IN" sz="3600" spc="-1" strike="noStrike">
-              <a:solidFill>
-                <a:srgbClr val="ffffff"/>
-              </a:solidFill>
-              <a:latin typeface="Arial"/>
-            </a:endParaRPr>
-          </a:p>
-        </p:txBody>
-      </p:sp>
-      <p:sp>
-        <p:nvSpPr>
-          <p:cNvPr id="234" name=""/>
+              <a:t>Faster Transactions</a:t>
+            </a:r>
+            <a:endParaRPr b="0" lang="en-IN" sz="4000" spc="-1" strike="noStrike">
+              <a:solidFill>
+                <a:srgbClr val="ffffff"/>
+              </a:solidFill>
+              <a:latin typeface="Arial"/>
+            </a:endParaRPr>
+          </a:p>
+        </p:txBody>
+      </p:sp>
+      <p:sp>
+        <p:nvSpPr>
+          <p:cNvPr id="229" name=""/>
           <p:cNvSpPr/>
           <p:nvPr/>
         </p:nvSpPr>
         <p:spPr>
           <a:xfrm>
-            <a:off x="968760" y="2133720"/>
-            <a:ext cx="8462880" cy="601920"/>
+            <a:off x="1523520" y="1620000"/>
+            <a:ext cx="6575760" cy="1259280"/>
           </a:xfrm>
           <a:prstGeom prst="rect">
             <a:avLst/>
@@ -19442,8 +19648,9 @@
                   <a:srgbClr val="ffffff"/>
                 </a:solidFill>
                 <a:latin typeface="Arial"/>
+                <a:ea typeface="DejaVu Sans"/>
               </a:rPr>
-              <a:t>AI technology can also improve predictive analytics in the payments industry by </a:t>
+              <a:t>AI technology, like ChatGPT, can significantly speed up payment transactions by enabling real-time fraud detection and approval, which reduces the need for manual review and approval processes</a:t>
             </a:r>
             <a:endParaRPr b="0" lang="en-IN" sz="1800" spc="-1" strike="noStrike">
               <a:solidFill>
@@ -19452,46 +19659,18 @@
               <a:latin typeface="Arial"/>
             </a:endParaRPr>
           </a:p>
-          <a:p>
-            <a:pPr marL="216000" indent="-216000">
-              <a:lnSpc>
-                <a:spcPct val="100000"/>
-              </a:lnSpc>
-              <a:buClr>
-                <a:srgbClr val="ffffff"/>
-              </a:buClr>
-              <a:buSzPct val="45000"/>
-              <a:buFont typeface="Wingdings" charset="2"/>
-              <a:buChar char=""/>
-            </a:pPr>
-            <a:r>
-              <a:rPr b="0" lang="en-IN" sz="1800" spc="-1" strike="noStrike">
-                <a:solidFill>
-                  <a:srgbClr val="ffffff"/>
-                </a:solidFill>
-                <a:latin typeface="Arial"/>
-              </a:rPr>
-              <a:t>analysing vast amounts of customer data to identify patterns and trends.</a:t>
-            </a:r>
-            <a:endParaRPr b="0" lang="en-IN" sz="1800" spc="-1" strike="noStrike">
-              <a:solidFill>
-                <a:srgbClr val="ffffff"/>
-              </a:solidFill>
-              <a:latin typeface="Arial"/>
-            </a:endParaRPr>
-          </a:p>
-        </p:txBody>
-      </p:sp>
-      <p:sp>
-        <p:nvSpPr>
-          <p:cNvPr id="235" name=""/>
+        </p:txBody>
+      </p:sp>
+      <p:sp>
+        <p:nvSpPr>
+          <p:cNvPr id="230" name=""/>
           <p:cNvSpPr/>
           <p:nvPr/>
         </p:nvSpPr>
         <p:spPr>
           <a:xfrm>
-            <a:off x="936000" y="3241800"/>
-            <a:ext cx="8639640" cy="1369800"/>
+            <a:off x="1548000" y="3125880"/>
+            <a:ext cx="6299280" cy="1625400"/>
           </a:xfrm>
           <a:prstGeom prst="rect">
             <a:avLst/>
@@ -19529,8 +19708,9 @@
                   <a:srgbClr val="ffffff"/>
                 </a:solidFill>
                 <a:latin typeface="Arial"/>
+                <a:ea typeface="DejaVu Sans"/>
               </a:rPr>
-              <a:t>This information can then be used to optimise the customer journey, identify new opportunities, and develop targeted marketing strategies. </a:t>
+              <a:t>AI utilises machine learning algorithms and predictive analytics. AI tools can analyse large volumes of data, </a:t>
             </a:r>
             <a:endParaRPr b="0" lang="en-IN" sz="1800" spc="-1" strike="noStrike">
               <a:solidFill>
@@ -19557,8 +19737,38 @@
                   <a:srgbClr val="ffffff"/>
                 </a:solidFill>
                 <a:latin typeface="Arial"/>
+                <a:ea typeface="DejaVu Sans"/>
               </a:rPr>
-              <a:t>AI tools like ChatGPT can analyse historical transaction data, social media activity, and demographic information to make predictions about future customer behaviour. </a:t>
+              <a:t>identify patterns and anomalies, and flag potential fraud attempts in real-time. </a:t>
+            </a:r>
+            <a:endParaRPr b="0" lang="en-IN" sz="1800" spc="-1" strike="noStrike">
+              <a:solidFill>
+                <a:srgbClr val="ffffff"/>
+              </a:solidFill>
+              <a:latin typeface="Arial"/>
+            </a:endParaRPr>
+          </a:p>
+          <a:p>
+            <a:pPr marL="216000" indent="-216000">
+              <a:lnSpc>
+                <a:spcPct val="100000"/>
+              </a:lnSpc>
+              <a:buClr>
+                <a:srgbClr val="ffffff"/>
+              </a:buClr>
+              <a:buSzPct val="45000"/>
+              <a:buFont typeface="Wingdings" charset="2"/>
+              <a:buChar char=""/>
+            </a:pPr>
+            <a:r>
+              <a:rPr b="0" lang="en-IN" sz="1800" spc="-1" strike="noStrike">
+                <a:solidFill>
+                  <a:srgbClr val="ffffff"/>
+                </a:solidFill>
+                <a:latin typeface="Arial"/>
+                <a:ea typeface="DejaVu Sans"/>
+              </a:rPr>
+              <a:t>Then enabling payment providers to quickly and accurately approve or decline transactions.</a:t>
             </a:r>
             <a:endParaRPr b="0" lang="en-IN" sz="1800" spc="-1" strike="noStrike">
               <a:solidFill>
@@ -19601,14 +19811,14 @@
       </p:grpSpPr>
       <p:sp>
         <p:nvSpPr>
-          <p:cNvPr id="236" name="Title 6"/>
+          <p:cNvPr id="231" name="Title 2"/>
           <p:cNvSpPr/>
           <p:nvPr/>
         </p:nvSpPr>
         <p:spPr>
           <a:xfrm>
-            <a:off x="663120" y="69480"/>
-            <a:ext cx="8921160" cy="1009080"/>
+            <a:off x="216000" y="-1440"/>
+            <a:ext cx="9143280" cy="1008720"/>
           </a:xfrm>
           <a:prstGeom prst="rect">
             <a:avLst/>
@@ -19633,9 +19843,12 @@
               <a:lnSpc>
                 <a:spcPct val="100000"/>
               </a:lnSpc>
-            </a:pPr>
-            <a:r>
-              <a:rPr b="1" lang="en-US" sz="3600" spc="-1" strike="noStrike">
+              <a:spcBef>
+                <a:spcPts val="561"/>
+              </a:spcBef>
+            </a:pPr>
+            <a:r>
+              <a:rPr b="1" lang="en-US" sz="4400" spc="-1" strike="noStrike">
                 <a:solidFill>
                   <a:srgbClr val="ffffff"/>
                 </a:solidFill>
@@ -19643,28 +19856,29 @@
                   <a:srgbClr val="ff0000"/>
                 </a:highlight>
                 <a:latin typeface="Calibri"/>
+                <a:ea typeface="DejaVu Sans"/>
               </a:rPr>
-              <a:t>Fraud Detection</a:t>
-            </a:r>
-            <a:endParaRPr b="0" lang="en-IN" sz="3600" spc="-1" strike="noStrike">
-              <a:solidFill>
-                <a:srgbClr val="ffffff"/>
-              </a:solidFill>
-              <a:latin typeface="Arial"/>
-            </a:endParaRPr>
-          </a:p>
-        </p:txBody>
-      </p:sp>
-      <p:sp>
-        <p:nvSpPr>
-          <p:cNvPr id="237" name=""/>
+              <a:t>Streamlined Payment Processing</a:t>
+            </a:r>
+            <a:endParaRPr b="0" lang="en-IN" sz="4400" spc="-1" strike="noStrike">
+              <a:solidFill>
+                <a:srgbClr val="ffffff"/>
+              </a:solidFill>
+              <a:latin typeface="Arial"/>
+            </a:endParaRPr>
+          </a:p>
+        </p:txBody>
+      </p:sp>
+      <p:sp>
+        <p:nvSpPr>
+          <p:cNvPr id="232" name=""/>
           <p:cNvSpPr/>
           <p:nvPr/>
         </p:nvSpPr>
         <p:spPr>
           <a:xfrm>
-            <a:off x="1080000" y="1836000"/>
-            <a:ext cx="8168760" cy="601920"/>
+            <a:off x="540000" y="1557720"/>
+            <a:ext cx="8741880" cy="961560"/>
           </a:xfrm>
           <a:prstGeom prst="rect">
             <a:avLst/>
@@ -19702,8 +19916,9 @@
                   <a:srgbClr val="ffffff"/>
                 </a:solidFill>
                 <a:latin typeface="Arial"/>
+                <a:ea typeface="DejaVu Sans"/>
               </a:rPr>
-              <a:t>Traditional methods of detecting fraud are no longer sufficient, and fraudulent</a:t>
+              <a:t>AI tools can streamline payment processing by automating repetitive tasks,</a:t>
             </a:r>
             <a:endParaRPr b="0" lang="en-IN" sz="1800" spc="-1" strike="noStrike">
               <a:solidFill>
@@ -19730,17 +19945,9 @@
                   <a:srgbClr val="ffffff"/>
                 </a:solidFill>
                 <a:latin typeface="Arial"/>
+                <a:ea typeface="DejaVu Sans"/>
               </a:rPr>
-              <a:t> </a:t>
-            </a:r>
-            <a:r>
-              <a:rPr b="0" lang="en-IN" sz="1800" spc="-1" strike="noStrike">
-                <a:solidFill>
-                  <a:srgbClr val="ffffff"/>
-                </a:solidFill>
-                <a:latin typeface="Arial"/>
-              </a:rPr>
-              <a:t>activities cost the industry billions of dollars each year.</a:t>
+              <a:t>reducing errors, and allowing players in the industry to focus on more strategic tasks.</a:t>
             </a:r>
             <a:endParaRPr b="0" lang="en-IN" sz="1800" spc="-1" strike="noStrike">
               <a:solidFill>
@@ -19753,14 +19960,14 @@
       </p:sp>
       <p:sp>
         <p:nvSpPr>
-          <p:cNvPr id="238" name=""/>
+          <p:cNvPr id="233" name=""/>
           <p:cNvSpPr/>
           <p:nvPr/>
         </p:nvSpPr>
         <p:spPr>
           <a:xfrm>
-            <a:off x="1080000" y="2880000"/>
-            <a:ext cx="8099640" cy="857880"/>
+            <a:off x="550800" y="2525760"/>
+            <a:ext cx="8052480" cy="857520"/>
           </a:xfrm>
           <a:prstGeom prst="rect">
             <a:avLst/>
@@ -19798,8 +20005,9 @@
                   <a:srgbClr val="ffffff"/>
                 </a:solidFill>
                 <a:latin typeface="Arial"/>
+                <a:ea typeface="DejaVu Sans"/>
               </a:rPr>
-              <a:t>This is where AI tools can make a significant impact. These tools can analyse massive amounts of data in real-time,</a:t>
+              <a:t>By automating tasks such as data entry, reconciliation, and reporting, </a:t>
             </a:r>
             <a:endParaRPr b="0" lang="en-IN" sz="1800" spc="-1" strike="noStrike">
               <a:solidFill>
@@ -19826,8 +20034,147 @@
                   <a:srgbClr val="ffffff"/>
                 </a:solidFill>
                 <a:latin typeface="Arial"/>
+                <a:ea typeface="DejaVu Sans"/>
               </a:rPr>
-              <a:t>detecting patterns and identifying potential fraudulent activities.</a:t>
+              <a:t>AI technology can save time and improve efficiency for large merchants and acquirers. </a:t>
+            </a:r>
+            <a:endParaRPr b="0" lang="en-IN" sz="1800" spc="-1" strike="noStrike">
+              <a:solidFill>
+                <a:srgbClr val="ffffff"/>
+              </a:solidFill>
+              <a:latin typeface="Arial"/>
+            </a:endParaRPr>
+          </a:p>
+        </p:txBody>
+      </p:sp>
+      <p:sp>
+        <p:nvSpPr>
+          <p:cNvPr id="234" name=""/>
+          <p:cNvSpPr/>
+          <p:nvPr/>
+        </p:nvSpPr>
+        <p:spPr>
+          <a:xfrm>
+            <a:off x="540000" y="3497760"/>
+            <a:ext cx="8712720" cy="1113480"/>
+          </a:xfrm>
+          <a:prstGeom prst="rect">
+            <a:avLst/>
+          </a:prstGeom>
+          <a:noFill/>
+          <a:ln w="0">
+            <a:noFill/>
+          </a:ln>
+        </p:spPr>
+        <p:style>
+          <a:lnRef idx="0"/>
+          <a:fillRef idx="0"/>
+          <a:effectRef idx="0"/>
+          <a:fontRef idx="minor"/>
+        </p:style>
+        <p:txBody>
+          <a:bodyPr lIns="90000" rIns="90000" tIns="45000" bIns="45000" anchor="t">
+            <a:noAutofit/>
+          </a:bodyPr>
+          <a:p>
+            <a:pPr marL="216000" indent="-216000">
+              <a:lnSpc>
+                <a:spcPct val="100000"/>
+              </a:lnSpc>
+              <a:buClr>
+                <a:srgbClr val="ffffff"/>
+              </a:buClr>
+              <a:buSzPct val="45000"/>
+              <a:buFont typeface="Wingdings" charset="2"/>
+              <a:buChar char=""/>
+            </a:pPr>
+            <a:r>
+              <a:rPr b="0" lang="en-IN" sz="1800" spc="-1" strike="noStrike">
+                <a:solidFill>
+                  <a:srgbClr val="ffffff"/>
+                </a:solidFill>
+                <a:latin typeface="Arial"/>
+                <a:ea typeface="DejaVu Sans"/>
+              </a:rPr>
+              <a:t> </a:t>
+            </a:r>
+            <a:r>
+              <a:rPr b="0" lang="en-IN" sz="1800" spc="-1" strike="noStrike">
+                <a:solidFill>
+                  <a:srgbClr val="ffffff"/>
+                </a:solidFill>
+                <a:latin typeface="Arial"/>
+                <a:ea typeface="DejaVu Sans"/>
+              </a:rPr>
+              <a:t>This allows them to optimise the customer journey, identify new opportunities, and</a:t>
+            </a:r>
+            <a:endParaRPr b="0" lang="en-IN" sz="1800" spc="-1" strike="noStrike">
+              <a:solidFill>
+                <a:srgbClr val="ffffff"/>
+              </a:solidFill>
+              <a:latin typeface="Arial"/>
+            </a:endParaRPr>
+          </a:p>
+          <a:p>
+            <a:pPr marL="216000" indent="-216000">
+              <a:lnSpc>
+                <a:spcPct val="100000"/>
+              </a:lnSpc>
+              <a:buClr>
+                <a:srgbClr val="ffffff"/>
+              </a:buClr>
+              <a:buSzPct val="45000"/>
+              <a:buFont typeface="Wingdings" charset="2"/>
+              <a:buChar char=""/>
+            </a:pPr>
+            <a:r>
+              <a:rPr b="0" lang="en-IN" sz="1800" spc="-1" strike="noStrike">
+                <a:solidFill>
+                  <a:srgbClr val="ffffff"/>
+                </a:solidFill>
+                <a:latin typeface="Arial"/>
+                <a:ea typeface="DejaVu Sans"/>
+              </a:rPr>
+              <a:t> </a:t>
+            </a:r>
+            <a:r>
+              <a:rPr b="0" lang="en-IN" sz="1800" spc="-1" strike="noStrike">
+                <a:solidFill>
+                  <a:srgbClr val="ffffff"/>
+                </a:solidFill>
+                <a:latin typeface="Arial"/>
+                <a:ea typeface="DejaVu Sans"/>
+              </a:rPr>
+              <a:t>manage risks more effectively. The use of AI in payment processing can provide a faster, </a:t>
+            </a:r>
+            <a:endParaRPr b="0" lang="en-IN" sz="1800" spc="-1" strike="noStrike">
+              <a:solidFill>
+                <a:srgbClr val="ffffff"/>
+              </a:solidFill>
+              <a:latin typeface="Arial"/>
+            </a:endParaRPr>
+          </a:p>
+          <a:p>
+            <a:pPr marL="216000" indent="-216000">
+              <a:lnSpc>
+                <a:spcPct val="100000"/>
+              </a:lnSpc>
+              <a:buClr>
+                <a:srgbClr val="ffffff"/>
+              </a:buClr>
+              <a:buSzPct val="45000"/>
+              <a:buFont typeface="Wingdings" charset="2"/>
+              <a:buChar char=""/>
+            </a:pPr>
+            <a:r>
+              <a:rPr b="0" lang="en-IN" sz="1800" spc="-1" strike="noStrike">
+                <a:solidFill>
+                  <a:srgbClr val="ffffff"/>
+                </a:solidFill>
+                <a:latin typeface="Arial"/>
+                <a:ea typeface="DejaVu Sans"/>
+              </a:rPr>
+              <a:t>efficient, and accurate payment experience for customers.</a:t>
             </a:r>
             <a:endParaRPr b="0" lang="en-IN" sz="1800" spc="-1" strike="noStrike">
               <a:solidFill>
@@ -19870,23 +20217,29 @@
       </p:grpSpPr>
       <p:sp>
         <p:nvSpPr>
-          <p:cNvPr id="239" name="PlaceHolder 5"/>
-          <p:cNvSpPr txBox="1"/>
+          <p:cNvPr id="235" name="Title 4"/>
+          <p:cNvSpPr/>
           <p:nvPr/>
         </p:nvSpPr>
         <p:spPr>
           <a:xfrm>
-            <a:off x="663480" y="69840"/>
-            <a:ext cx="8921160" cy="1009080"/>
-          </a:xfrm>
-          <a:prstGeom prst="rect">
-            <a:avLst/>
-          </a:prstGeom>
-          <a:noFill/>
-          <a:ln w="0">
-            <a:noFill/>
-          </a:ln>
-        </p:spPr>
+            <a:off x="663120" y="69480"/>
+            <a:ext cx="8920800" cy="1008720"/>
+          </a:xfrm>
+          <a:prstGeom prst="rect">
+            <a:avLst/>
+          </a:prstGeom>
+          <a:noFill/>
+          <a:ln w="0">
+            <a:noFill/>
+          </a:ln>
+        </p:spPr>
+        <p:style>
+          <a:lnRef idx="0"/>
+          <a:fillRef idx="0"/>
+          <a:effectRef idx="0"/>
+          <a:fontRef idx="minor"/>
+        </p:style>
         <p:txBody>
           <a:bodyPr lIns="90000" rIns="90000" tIns="45000" bIns="45000" anchor="ctr">
             <a:noAutofit/>
@@ -19896,9 +20249,6 @@
               <a:lnSpc>
                 <a:spcPct val="100000"/>
               </a:lnSpc>
-              <a:tabLst>
-                <a:tab algn="l" pos="0"/>
-              </a:tabLst>
             </a:pPr>
             <a:r>
               <a:rPr b="1" lang="en-US" sz="3600" spc="-1" strike="noStrike">
@@ -19909,8 +20259,9 @@
                   <a:srgbClr val="ff0000"/>
                 </a:highlight>
                 <a:latin typeface="Calibri"/>
+                <a:ea typeface="DejaVu Sans"/>
               </a:rPr>
-              <a:t>Mobile Payments</a:t>
+              <a:t>Merchant and Consumer Experiences?</a:t>
             </a:r>
             <a:endParaRPr b="0" lang="en-IN" sz="3600" spc="-1" strike="noStrike">
               <a:solidFill>
@@ -19923,29 +20274,38 @@
       </p:sp>
       <p:sp>
         <p:nvSpPr>
-          <p:cNvPr id="240" name=""/>
-          <p:cNvSpPr txBox="1"/>
+          <p:cNvPr id="236" name=""/>
+          <p:cNvSpPr/>
           <p:nvPr/>
         </p:nvSpPr>
         <p:spPr>
           <a:xfrm>
-            <a:off x="649080" y="1440000"/>
-            <a:ext cx="9250920" cy="1114200"/>
-          </a:xfrm>
-          <a:prstGeom prst="rect">
-            <a:avLst/>
-          </a:prstGeom>
-          <a:noFill/>
-          <a:ln w="0">
-            <a:noFill/>
-          </a:ln>
-        </p:spPr>
+            <a:off x="540000" y="1440000"/>
+            <a:ext cx="9212400" cy="1113480"/>
+          </a:xfrm>
+          <a:prstGeom prst="rect">
+            <a:avLst/>
+          </a:prstGeom>
+          <a:noFill/>
+          <a:ln w="0">
+            <a:noFill/>
+          </a:ln>
+        </p:spPr>
+        <p:style>
+          <a:lnRef idx="0"/>
+          <a:fillRef idx="0"/>
+          <a:effectRef idx="0"/>
+          <a:fontRef idx="minor"/>
+        </p:style>
         <p:txBody>
           <a:bodyPr lIns="90000" rIns="90000" tIns="45000" bIns="45000" anchor="t">
             <a:noAutofit/>
           </a:bodyPr>
           <a:p>
             <a:pPr marL="216000" indent="-216000">
+              <a:lnSpc>
+                <a:spcPct val="100000"/>
+              </a:lnSpc>
               <a:buClr>
                 <a:srgbClr val="ffffff"/>
               </a:buClr>
@@ -19959,8 +20319,9 @@
                   <a:srgbClr val="ffffff"/>
                 </a:solidFill>
                 <a:latin typeface="Arial"/>
+                <a:ea typeface="DejaVu Sans"/>
               </a:rPr>
-              <a:t>AI technology can also streamline mobile payments by automating the payment process and making it more user-friendly. </a:t>
+              <a:t>By using AI tools to analyse customer data, merchants can gain insights into consumer </a:t>
             </a:r>
             <a:endParaRPr b="0" lang="en-IN" sz="1800" spc="-1" strike="noStrike">
               <a:solidFill>
@@ -19971,6 +20332,9 @@
           </a:p>
           <a:p>
             <a:pPr marL="216000" indent="-216000">
+              <a:lnSpc>
+                <a:spcPct val="100000"/>
+              </a:lnSpc>
               <a:buClr>
                 <a:srgbClr val="ffffff"/>
               </a:buClr>
@@ -19984,8 +20348,9 @@
                   <a:srgbClr val="ffffff"/>
                 </a:solidFill>
                 <a:latin typeface="Arial"/>
+                <a:ea typeface="DejaVu Sans"/>
               </a:rPr>
-              <a:t>With the increasing use of smartphones and mobile devices, </a:t>
+              <a:t>preferences and behaviour, allowing them to personalise </a:t>
             </a:r>
             <a:endParaRPr b="0" lang="en-IN" sz="1800" spc="-1" strike="noStrike">
               <a:solidFill>
@@ -19996,6 +20361,9 @@
           </a:p>
           <a:p>
             <a:pPr marL="216000" indent="-216000">
+              <a:lnSpc>
+                <a:spcPct val="100000"/>
+              </a:lnSpc>
               <a:buClr>
                 <a:srgbClr val="ffffff"/>
               </a:buClr>
@@ -20009,8 +20377,127 @@
                   <a:srgbClr val="ffffff"/>
                 </a:solidFill>
                 <a:latin typeface="Arial"/>
+                <a:ea typeface="DejaVu Sans"/>
               </a:rPr>
-              <a:t>mobile payments are becoming more popular among consumers.</a:t>
+              <a:t>their offerings and enhance the overall customer experience. </a:t>
+            </a:r>
+            <a:endParaRPr b="0" lang="en-IN" sz="1800" spc="-1" strike="noStrike">
+              <a:solidFill>
+                <a:srgbClr val="ffffff"/>
+              </a:solidFill>
+              <a:latin typeface="Arial"/>
+            </a:endParaRPr>
+          </a:p>
+          <a:p>
+            <a:pPr marL="216000" indent="-216000">
+              <a:lnSpc>
+                <a:spcPct val="100000"/>
+              </a:lnSpc>
+              <a:buClr>
+                <a:srgbClr val="ffffff"/>
+              </a:buClr>
+              <a:buSzPct val="45000"/>
+              <a:buFont typeface="Wingdings" charset="2"/>
+              <a:buChar char=""/>
+            </a:pPr>
+            <a:r>
+              <a:rPr b="0" lang="en-IN" sz="1800" spc="-1" strike="noStrike">
+                <a:solidFill>
+                  <a:srgbClr val="ffffff"/>
+                </a:solidFill>
+                <a:latin typeface="Arial"/>
+                <a:ea typeface="DejaVu Sans"/>
+              </a:rPr>
+              <a:t>This can lead to increased customer loyalty and retention</a:t>
+            </a:r>
+            <a:endParaRPr b="0" lang="en-IN" sz="1800" spc="-1" strike="noStrike">
+              <a:solidFill>
+                <a:srgbClr val="ffffff"/>
+              </a:solidFill>
+              <a:latin typeface="Arial"/>
+            </a:endParaRPr>
+          </a:p>
+        </p:txBody>
+      </p:sp>
+      <p:sp>
+        <p:nvSpPr>
+          <p:cNvPr id="237" name=""/>
+          <p:cNvSpPr/>
+          <p:nvPr/>
+        </p:nvSpPr>
+        <p:spPr>
+          <a:xfrm>
+            <a:off x="540000" y="2633760"/>
+            <a:ext cx="7199280" cy="857520"/>
+          </a:xfrm>
+          <a:prstGeom prst="rect">
+            <a:avLst/>
+          </a:prstGeom>
+          <a:noFill/>
+          <a:ln w="0">
+            <a:noFill/>
+          </a:ln>
+        </p:spPr>
+        <p:style>
+          <a:lnRef idx="0"/>
+          <a:fillRef idx="0"/>
+          <a:effectRef idx="0"/>
+          <a:fontRef idx="minor"/>
+        </p:style>
+        <p:txBody>
+          <a:bodyPr lIns="90000" rIns="90000" tIns="45000" bIns="45000" anchor="t">
+            <a:noAutofit/>
+          </a:bodyPr>
+          <a:p>
+            <a:pPr marL="216000" indent="-216000">
+              <a:lnSpc>
+                <a:spcPct val="100000"/>
+              </a:lnSpc>
+              <a:buClr>
+                <a:srgbClr val="ffffff"/>
+              </a:buClr>
+              <a:buSzPct val="45000"/>
+              <a:buFont typeface="Wingdings" charset="2"/>
+              <a:buChar char=""/>
+            </a:pPr>
+            <a:r>
+              <a:rPr b="0" lang="en-IN" sz="1800" spc="-1" strike="noStrike">
+                <a:solidFill>
+                  <a:srgbClr val="ffffff"/>
+                </a:solidFill>
+                <a:latin typeface="Arial"/>
+                <a:ea typeface="DejaVu Sans"/>
+              </a:rPr>
+              <a:t>Additionally, AI tools can help merchants streamline their operations and reduce processing times. </a:t>
+            </a:r>
+            <a:endParaRPr b="0" lang="en-IN" sz="1800" spc="-1" strike="noStrike">
+              <a:solidFill>
+                <a:srgbClr val="ffffff"/>
+              </a:solidFill>
+              <a:latin typeface="Arial"/>
+            </a:endParaRPr>
+          </a:p>
+          <a:p>
+            <a:pPr marL="216000" indent="-216000">
+              <a:lnSpc>
+                <a:spcPct val="100000"/>
+              </a:lnSpc>
+              <a:buClr>
+                <a:srgbClr val="ffffff"/>
+              </a:buClr>
+              <a:buSzPct val="45000"/>
+              <a:buFont typeface="Wingdings" charset="2"/>
+              <a:buChar char=""/>
+            </a:pPr>
+            <a:r>
+              <a:rPr b="0" lang="en-IN" sz="1800" spc="-1" strike="noStrike">
+                <a:solidFill>
+                  <a:srgbClr val="ffffff"/>
+                </a:solidFill>
+                <a:latin typeface="Arial"/>
+                <a:ea typeface="DejaVu Sans"/>
+              </a:rPr>
+              <a:t>This results in faster and more efficient transactions for consumers.</a:t>
             </a:r>
             <a:endParaRPr b="0" lang="en-IN" sz="1800" spc="-1" strike="noStrike">
               <a:solidFill>
